--- a/Classes/SvcDev-08-Serverless.pptx
+++ b/Classes/SvcDev-08-Serverless.pptx
@@ -220,7 +220,7 @@
             <a:fld id="{2C5F02C1-A2C2-45D1-8D60-D454C04B5E27}" type="datetimeFigureOut">
               <a:rPr lang="es-CO" smtClean="0"/>
               <a:pPr/>
-              <a:t>1/04/2022</a:t>
+              <a:t>24/05/2025</a:t>
             </a:fld>
             <a:endParaRPr lang="es-CO" dirty="0"/>
           </a:p>
@@ -286,35 +286,35 @@
           <a:p>
             <a:pPr lvl="0"/>
             <a:r>
-              <a:rPr lang="en-US" smtClean="0"/>
+              <a:rPr lang="en-US"/>
               <a:t>Click to edit Master text styles</a:t>
             </a:r>
           </a:p>
           <a:p>
             <a:pPr lvl="1"/>
             <a:r>
-              <a:rPr lang="en-US" smtClean="0"/>
+              <a:rPr lang="en-US"/>
               <a:t>Second level</a:t>
             </a:r>
           </a:p>
           <a:p>
             <a:pPr lvl="2"/>
             <a:r>
-              <a:rPr lang="en-US" smtClean="0"/>
+              <a:rPr lang="en-US"/>
               <a:t>Third level</a:t>
             </a:r>
           </a:p>
           <a:p>
             <a:pPr lvl="3"/>
             <a:r>
-              <a:rPr lang="en-US" smtClean="0"/>
+              <a:rPr lang="en-US"/>
               <a:t>Fourth level</a:t>
             </a:r>
           </a:p>
           <a:p>
             <a:pPr lvl="4"/>
             <a:r>
-              <a:rPr lang="en-US" smtClean="0"/>
+              <a:rPr lang="en-US"/>
               <a:t>Fifth level</a:t>
             </a:r>
             <a:endParaRPr lang="es-CO"/>
@@ -625,79 +625,79 @@
           <a:lstStyle/>
           <a:p>
             <a:r>
-              <a:rPr lang="es-CO" dirty="0" smtClean="0"/>
+              <a:rPr lang="es-CO" dirty="0"/>
               <a:t>https://www.globaldots.com/resources/blog/what-is-serverless-computing/</a:t>
             </a:r>
           </a:p>
           <a:p>
             <a:r>
-              <a:rPr lang="es-CO" dirty="0" smtClean="0"/>
+              <a:rPr lang="es-CO" dirty="0"/>
               <a:t>https://blog.back4app.com/serverless-hosting-providers/</a:t>
             </a:r>
           </a:p>
           <a:p>
-            <a:endParaRPr lang="es-CO" dirty="0" smtClean="0"/>
-          </a:p>
-          <a:p>
-            <a:r>
-              <a:rPr lang="es-CO" dirty="0" smtClean="0"/>
+            <a:endParaRPr lang="es-CO" dirty="0"/>
+          </a:p>
+          <a:p>
+            <a:r>
+              <a:rPr lang="es-CO" dirty="0"/>
               <a:t>En los primeros días de la web, cualquier persona que quisiera crear una aplicación web tenía que poseer el hardware físico necesario para ejecutar un servidor, lo cual es una tarea engorrosa y costosa.</a:t>
             </a:r>
           </a:p>
           <a:p>
-            <a:endParaRPr lang="es-CO" dirty="0" smtClean="0"/>
-          </a:p>
-          <a:p>
-            <a:r>
-              <a:rPr lang="es-CO" dirty="0" smtClean="0"/>
+            <a:endParaRPr lang="es-CO" dirty="0"/>
+          </a:p>
+          <a:p>
+            <a:r>
+              <a:rPr lang="es-CO" dirty="0"/>
               <a:t>Luego vino la nube, donde se podían alquilar de forma remota números fijos de servidores o cantidades de espacio de servidor. Los desarrolladores y las empresas que alquilan estas unidades fijas de espacio de servidor generalmente compran en exceso para garantizar que un aumento en el tráfico o la actividad no exceda sus límites mensuales y rompa sus aplicaciones. Esto significaba que gran parte del espacio del servidor que se pagaba por lo general se desperdiciaba. </a:t>
             </a:r>
           </a:p>
           <a:p>
-            <a:endParaRPr lang="es-CO" dirty="0" smtClean="0"/>
-          </a:p>
-          <a:p>
-            <a:r>
-              <a:rPr lang="es-CO" dirty="0" smtClean="0"/>
+            <a:endParaRPr lang="es-CO" dirty="0"/>
+          </a:p>
+          <a:p>
+            <a:r>
+              <a:rPr lang="es-CO" dirty="0"/>
               <a:t>Los proveedores de la nube han introducido modelos de escalado automático para abordar el problema, pero incluso con el escalado automático, un pico de actividad no deseado, como un ataque </a:t>
             </a:r>
             <a:r>
-              <a:rPr lang="es-CO" dirty="0" err="1" smtClean="0"/>
+              <a:rPr lang="es-CO" dirty="0" err="1"/>
               <a:t>DDoS</a:t>
             </a:r>
             <a:r>
-              <a:rPr lang="es-CO" dirty="0" smtClean="0"/>
+              <a:rPr lang="es-CO" dirty="0"/>
               <a:t>, podría terminar siendo muy costoso.</a:t>
             </a:r>
           </a:p>
           <a:p>
-            <a:endParaRPr lang="es-CO" dirty="0" smtClean="0"/>
-          </a:p>
-          <a:p>
-            <a:r>
-              <a:rPr lang="es-CO" b="1" dirty="0" err="1" smtClean="0"/>
+            <a:endParaRPr lang="es-CO" dirty="0"/>
+          </a:p>
+          <a:p>
+            <a:r>
+              <a:rPr lang="es-CO" b="1" dirty="0" err="1"/>
               <a:t>Serverless</a:t>
             </a:r>
             <a:r>
-              <a:rPr lang="es-CO" dirty="0" smtClean="0"/>
+              <a:rPr lang="es-CO" dirty="0"/>
               <a:t> es un modelo de ejecución de computación en la nube en el que el proveedor de la nube administra dinámicamente la asignación y el aprovisionamiento de servidores. </a:t>
             </a:r>
           </a:p>
           <a:p>
-            <a:endParaRPr lang="es-CO" dirty="0" smtClean="0"/>
-          </a:p>
-          <a:p>
-            <a:r>
-              <a:rPr lang="es-CO" dirty="0" smtClean="0"/>
+            <a:endParaRPr lang="es-CO" dirty="0"/>
+          </a:p>
+          <a:p>
+            <a:r>
+              <a:rPr lang="es-CO" dirty="0"/>
               <a:t>Una aplicación sin servidor se ejecuta en contenedores de cómputo sin estado que son activados por eventos, efímeros (pueden durar una sola invocación) y completamente administrados por el proveedor de la nube. El precio se basa en la cantidad de ejecuciones en lugar de la capacidad de cómputo comprada previamente.</a:t>
             </a:r>
           </a:p>
           <a:p>
-            <a:endParaRPr lang="es-CO" dirty="0" smtClean="0"/>
-          </a:p>
-          <a:p>
-            <a:r>
-              <a:rPr lang="es-CO" dirty="0" smtClean="0"/>
+            <a:endParaRPr lang="es-CO" dirty="0"/>
+          </a:p>
+          <a:p>
+            <a:r>
+              <a:rPr lang="es-CO" dirty="0"/>
               <a:t>Una arquitectura sin servidor ayuda a las empresas a escribir e implementar código sin preocuparse en absoluto por la infraestructura subyacente.</a:t>
             </a:r>
           </a:p>
@@ -790,80 +790,79 @@
           <a:lstStyle/>
           <a:p>
             <a:r>
-              <a:rPr lang="es-CO" dirty="0" smtClean="0"/>
+              <a:rPr lang="es-CO" dirty="0"/>
               <a:t>https://www.globaldots.com/resources/blog/what-is-serverless-computing/</a:t>
             </a:r>
           </a:p>
           <a:p>
-            <a:endParaRPr lang="es-CO" dirty="0" smtClean="0"/>
-          </a:p>
-          <a:p>
-            <a:r>
-              <a:rPr lang="es-CO" dirty="0" smtClean="0"/>
+            <a:endParaRPr lang="es-CO" dirty="0"/>
+          </a:p>
+          <a:p>
+            <a:r>
+              <a:rPr lang="es-CO" dirty="0"/>
               <a:t>La computación sin servidor ofrece una serie de ventajas sobre la infraestructura tradicional basada en la nube o centrada en el servidor. </a:t>
             </a:r>
           </a:p>
           <a:p>
-            <a:endParaRPr lang="es-CO" dirty="0" smtClean="0"/>
-          </a:p>
-          <a:p>
-            <a:r>
-              <a:rPr lang="es-CO" dirty="0" smtClean="0"/>
+            <a:endParaRPr lang="es-CO" dirty="0"/>
+          </a:p>
+          <a:p>
+            <a:r>
+              <a:rPr lang="es-CO" dirty="0"/>
               <a:t>Para muchos desarrolladores, las arquitecturas sin servidor ofrecen una mayor escalabilidad, más flexibilidad y un tiempo de lanzamiento más rápido, todo a un costo reducido. </a:t>
             </a:r>
           </a:p>
           <a:p>
-            <a:endParaRPr lang="es-CO" dirty="0" smtClean="0"/>
-          </a:p>
-          <a:p>
-            <a:r>
-              <a:rPr lang="es-CO" dirty="0" smtClean="0"/>
+            <a:endParaRPr lang="es-CO" dirty="0"/>
+          </a:p>
+          <a:p>
+            <a:r>
+              <a:rPr lang="es-CO" dirty="0"/>
               <a:t>Con las arquitecturas sin servidor, los desarrolladores no necesitan preocuparse por comprar, aprovisionar y administrar servidores </a:t>
             </a:r>
             <a:r>
-              <a:rPr lang="es-CO" dirty="0" err="1" smtClean="0"/>
+              <a:rPr lang="es-CO" dirty="0" err="1"/>
               <a:t>backend</a:t>
             </a:r>
             <a:r>
-              <a:rPr lang="es-CO" dirty="0" smtClean="0"/>
+              <a:rPr lang="es-CO" dirty="0"/>
               <a:t>. Sin embargo, la computación sin servidor no es una bala mágica para todos los desarrolladores de aplicaciones web.</a:t>
             </a:r>
           </a:p>
           <a:p>
-            <a:endParaRPr lang="es-CO" dirty="0" smtClean="0"/>
-          </a:p>
-          <a:p>
-            <a:r>
-              <a:rPr lang="es-CO" dirty="0" smtClean="0"/>
+            <a:endParaRPr lang="es-CO" dirty="0"/>
+          </a:p>
+          <a:p>
+            <a:r>
+              <a:rPr lang="es-CO" dirty="0"/>
               <a:t>La computación sin servidor puede simplificar el proceso de implementación de código en producción. </a:t>
             </a:r>
           </a:p>
           <a:p>
-            <a:endParaRPr lang="es-CO" dirty="0" smtClean="0"/>
-          </a:p>
-          <a:p>
-            <a:r>
-              <a:rPr lang="es-CO" dirty="0" smtClean="0"/>
+            <a:endParaRPr lang="es-CO" dirty="0"/>
+          </a:p>
+          <a:p>
+            <a:r>
+              <a:rPr lang="es-CO" dirty="0"/>
               <a:t>Las operaciones de escalado, planificación de capacidad y mantenimiento pueden estar ocultas para el desarrollador u operador. El código sin servidor se puede usar junto con el código implementado en estilos tradicionales, como los </a:t>
             </a:r>
             <a:r>
-              <a:rPr lang="es-CO" dirty="0" err="1" smtClean="0"/>
+              <a:rPr lang="es-CO" dirty="0" err="1"/>
               <a:t>microservicios</a:t>
             </a:r>
             <a:r>
-              <a:rPr lang="es-CO" dirty="0" smtClean="0"/>
+              <a:rPr lang="es-CO" dirty="0"/>
               <a:t>. Alternativamente, las aplicaciones se pueden escribir para ser puramente sin servidor y no utilizar servidores aprovisionados en absoluto.</a:t>
             </a:r>
           </a:p>
           <a:p>
-            <a:endParaRPr lang="es-CO" dirty="0" smtClean="0"/>
-          </a:p>
-          <a:p>
-            <a:r>
-              <a:rPr lang="es-CO" dirty="0" smtClean="0"/>
+            <a:endParaRPr lang="es-CO" dirty="0"/>
+          </a:p>
+          <a:p>
+            <a:r>
+              <a:rPr lang="es-CO" dirty="0"/>
               <a:t>La diferencia entre la computación en la nube tradicional y la sin servidor es que usted, el cliente que requiere la computación, no paga por los recursos infrautilizados. En lugar de activar un servidor en AWS, por ejemplo, solo está activando el tiempo de ejecución del código. El servicio de computación sin servidor toma sus funciones como entrada, realiza la lógica, devuelve su salida y luego se apaga. Solo se le facturan los recursos utilizados durante la ejecución de esas funciones.</a:t>
             </a:r>
-            <a:endParaRPr lang="es-CO" dirty="0"/>
           </a:p>
         </p:txBody>
       </p:sp>
@@ -951,150 +950,149 @@
           <a:lstStyle/>
           <a:p>
             <a:r>
-              <a:rPr lang="es-CO" dirty="0" smtClean="0"/>
+              <a:rPr lang="es-CO" dirty="0"/>
               <a:t>https://www.globaldots.com/resources/blog/what-is-serverless-computing/</a:t>
             </a:r>
           </a:p>
           <a:p>
-            <a:endParaRPr lang="es-CO" dirty="0" smtClean="0"/>
-          </a:p>
-          <a:p>
-            <a:r>
-              <a:rPr lang="es-CO" b="1" dirty="0" smtClean="0"/>
+            <a:endParaRPr lang="es-CO" dirty="0"/>
+          </a:p>
+          <a:p>
+            <a:r>
+              <a:rPr lang="es-CO" b="1" dirty="0"/>
               <a:t>Costos mas bajos</a:t>
             </a:r>
           </a:p>
           <a:p>
-            <a:endParaRPr lang="es-CO" dirty="0" smtClean="0"/>
-          </a:p>
-          <a:p>
-            <a:r>
-              <a:rPr lang="es-CO" dirty="0" smtClean="0"/>
+            <a:endParaRPr lang="es-CO" dirty="0"/>
+          </a:p>
+          <a:p>
+            <a:r>
+              <a:rPr lang="es-CO" dirty="0"/>
               <a:t>La informática sin servidor suele ser muy rentable, ya que los proveedores de nube tradicionales de servicios de back-</a:t>
             </a:r>
             <a:r>
-              <a:rPr lang="es-CO" dirty="0" err="1" smtClean="0"/>
+              <a:rPr lang="es-CO" dirty="0" err="1"/>
               <a:t>end</a:t>
             </a:r>
             <a:r>
-              <a:rPr lang="es-CO" dirty="0" smtClean="0"/>
+              <a:rPr lang="es-CO" dirty="0"/>
               <a:t> (asignación de servidores) a menudo hacen que el usuario pague por el espacio no utilizado o el tiempo de CPU inactivo.</a:t>
             </a:r>
           </a:p>
           <a:p>
-            <a:endParaRPr lang="es-CO" dirty="0" smtClean="0"/>
-          </a:p>
-          <a:p>
-            <a:r>
-              <a:rPr lang="es-CO" b="1" dirty="0" smtClean="0"/>
+            <a:endParaRPr lang="es-CO" dirty="0"/>
+          </a:p>
+          <a:p>
+            <a:r>
+              <a:rPr lang="es-CO" b="1" dirty="0"/>
               <a:t>Sin administración de servidor</a:t>
             </a:r>
           </a:p>
           <a:p>
-            <a:endParaRPr lang="es-CO" dirty="0" smtClean="0"/>
-          </a:p>
-          <a:p>
-            <a:r>
-              <a:rPr lang="es-CO" dirty="0" smtClean="0"/>
+            <a:endParaRPr lang="es-CO" dirty="0"/>
+          </a:p>
+          <a:p>
+            <a:r>
+              <a:rPr lang="es-CO" dirty="0"/>
               <a:t>Aunque la computación 'sin servidor' en realidad tiene lugar en servidores, los desarrolladores nunca tienen que lidiar con los servidores. Son administrados por el proveedor. Esto puede reducir la inversión necesaria en </a:t>
             </a:r>
             <a:r>
-              <a:rPr lang="es-CO" dirty="0" err="1" smtClean="0"/>
+              <a:rPr lang="es-CO" dirty="0" err="1"/>
               <a:t>DevOps</a:t>
             </a:r>
             <a:r>
-              <a:rPr lang="es-CO" dirty="0" smtClean="0"/>
+              <a:rPr lang="es-CO" dirty="0"/>
               <a:t>, lo que reduce los gastos y también libera a los desarrolladores para que creen y amplíen sus aplicaciones sin estar limitados por la capacidad del servidor.</a:t>
             </a:r>
           </a:p>
           <a:p>
-            <a:endParaRPr lang="es-CO" dirty="0" smtClean="0"/>
-          </a:p>
-          <a:p>
-            <a:r>
-              <a:rPr lang="es-CO" b="1" dirty="0" smtClean="0"/>
+            <a:endParaRPr lang="es-CO" dirty="0"/>
+          </a:p>
+          <a:p>
+            <a:r>
+              <a:rPr lang="es-CO" b="1" dirty="0"/>
               <a:t>Escalabilidad simplificada</a:t>
             </a:r>
           </a:p>
           <a:p>
-            <a:endParaRPr lang="es-CO" dirty="0" smtClean="0"/>
-          </a:p>
-          <a:p>
-            <a:r>
-              <a:rPr lang="es-CO" dirty="0" smtClean="0"/>
+            <a:endParaRPr lang="es-CO" dirty="0"/>
+          </a:p>
+          <a:p>
+            <a:r>
+              <a:rPr lang="es-CO" dirty="0"/>
               <a:t>Los desarrolladores que utilizan una arquitectura sin servidor no tienen que preocuparse por las políticas para escalar su código. El proveedor sin servidor maneja todo el escalado bajo demanda. Como resultado, una aplicación sin servidor podrá manejar una cantidad inusualmente alta de solicitudes tan bien como puede procesar una sola solicitud de un solo usuario. Una aplicación estructurada de forma tradicional con una cantidad fija de espacio en el servidor puede verse abrumada por un aumento repentino en el uso.</a:t>
             </a:r>
           </a:p>
           <a:p>
-            <a:endParaRPr lang="es-CO" dirty="0" smtClean="0"/>
-          </a:p>
-          <a:p>
-            <a:r>
-              <a:rPr lang="es-CO" b="1" dirty="0" smtClean="0"/>
+            <a:endParaRPr lang="es-CO" dirty="0"/>
+          </a:p>
+          <a:p>
+            <a:r>
+              <a:rPr lang="es-CO" b="1" dirty="0"/>
               <a:t>Implementaciones y actualizaciones rápidas</a:t>
             </a:r>
           </a:p>
           <a:p>
-            <a:endParaRPr lang="es-CO" dirty="0" smtClean="0"/>
-          </a:p>
-          <a:p>
-            <a:r>
-              <a:rPr lang="es-CO" dirty="0" smtClean="0"/>
+            <a:endParaRPr lang="es-CO" dirty="0"/>
+          </a:p>
+          <a:p>
+            <a:r>
+              <a:rPr lang="es-CO" dirty="0"/>
               <a:t>Con una infraestructura sin servidor, no es necesario cargar código en los servidores ni realizar ninguna configuración de back-</a:t>
             </a:r>
             <a:r>
-              <a:rPr lang="es-CO" dirty="0" err="1" smtClean="0"/>
+              <a:rPr lang="es-CO" dirty="0" err="1"/>
               <a:t>end</a:t>
             </a:r>
             <a:r>
-              <a:rPr lang="es-CO" dirty="0" smtClean="0"/>
+              <a:rPr lang="es-CO" dirty="0"/>
               <a:t> para lanzar una versión funcional de una aplicación. Los desarrolladores pueden cargar fragmentos de código muy rápidamente y lanzar un nuevo producto. Pueden cargar el código todo a la vez o una función a la vez, ya que la aplicación no es una sola pila monolítica, sino una colección de funciones aprovisionadas por el proveedor.</a:t>
             </a:r>
           </a:p>
           <a:p>
-            <a:endParaRPr lang="es-CO" dirty="0" smtClean="0"/>
-          </a:p>
-          <a:p>
-            <a:r>
-              <a:rPr lang="es-CO" b="1" dirty="0" smtClean="0"/>
+            <a:endParaRPr lang="es-CO" dirty="0"/>
+          </a:p>
+          <a:p>
+            <a:r>
+              <a:rPr lang="es-CO" b="1" dirty="0"/>
               <a:t>Código de back-</a:t>
             </a:r>
             <a:r>
-              <a:rPr lang="es-CO" b="1" dirty="0" err="1" smtClean="0"/>
+              <a:rPr lang="es-CO" b="1" dirty="0" err="1"/>
               <a:t>end</a:t>
             </a:r>
             <a:r>
-              <a:rPr lang="es-CO" b="1" dirty="0" smtClean="0"/>
+              <a:rPr lang="es-CO" b="1" dirty="0"/>
               <a:t> simplificado</a:t>
             </a:r>
           </a:p>
           <a:p>
-            <a:endParaRPr lang="es-CO" dirty="0" smtClean="0"/>
-          </a:p>
-          <a:p>
-            <a:r>
-              <a:rPr lang="es-CO" dirty="0" smtClean="0"/>
+            <a:endParaRPr lang="es-CO" dirty="0"/>
+          </a:p>
+          <a:p>
+            <a:r>
+              <a:rPr lang="es-CO" dirty="0"/>
               <a:t>Debido a que la aplicación no está alojada en un servidor de origen, su código se puede ejecutar desde cualquier lugar. Por lo tanto, es posible, según el proveedor utilizado, ejecutar funciones de aplicación en servidores que están cerca del usuario final. Esto reduce la latencia porque las solicitudes del usuario ya no tienen que viajar hasta un servidor de origen.</a:t>
             </a:r>
           </a:p>
           <a:p>
-            <a:endParaRPr lang="es-CO" dirty="0" smtClean="0"/>
-          </a:p>
-          <a:p>
-            <a:r>
-              <a:rPr lang="es-CO" b="1" dirty="0" smtClean="0"/>
+            <a:endParaRPr lang="es-CO" dirty="0"/>
+          </a:p>
+          <a:p>
+            <a:r>
+              <a:rPr lang="es-CO" b="1" dirty="0"/>
               <a:t>Entrega más rápida</a:t>
             </a:r>
           </a:p>
           <a:p>
-            <a:endParaRPr lang="es-CO" dirty="0" smtClean="0"/>
-          </a:p>
-          <a:p>
-            <a:r>
-              <a:rPr lang="es-CO" dirty="0" smtClean="0"/>
+            <a:endParaRPr lang="es-CO" dirty="0"/>
+          </a:p>
+          <a:p>
+            <a:r>
+              <a:rPr lang="es-CO" dirty="0"/>
               <a:t>La arquitectura sin servidor puede reducir significativamente el tiempo de comercialización. En lugar de necesitar un proceso de implementación complicado para implementar correcciones de errores y nuevas funciones, los desarrolladores pueden agregar y modificar el código poco a poco.</a:t>
             </a:r>
-            <a:endParaRPr lang="es-CO" dirty="0"/>
           </a:p>
         </p:txBody>
       </p:sp>
@@ -1182,194 +1180,194 @@
           <a:lstStyle/>
           <a:p>
             <a:r>
-              <a:rPr lang="es-CO" dirty="0" smtClean="0"/>
+              <a:rPr lang="es-CO" dirty="0"/>
               <a:t>https://en.wikipedia.org/wiki/Serverless_computing</a:t>
             </a:r>
           </a:p>
           <a:p>
-            <a:endParaRPr lang="es-CO" dirty="0" smtClean="0"/>
-          </a:p>
-          <a:p>
-            <a:r>
-              <a:rPr lang="es-CO" b="1" dirty="0" smtClean="0"/>
+            <a:endParaRPr lang="es-CO" dirty="0"/>
+          </a:p>
+          <a:p>
+            <a:r>
+              <a:rPr lang="es-CO" b="1" dirty="0"/>
               <a:t>Rendimiento</a:t>
             </a:r>
           </a:p>
           <a:p>
             <a:r>
-              <a:rPr lang="es-CO" dirty="0" smtClean="0"/>
+              <a:rPr lang="es-CO" dirty="0"/>
               <a:t>El código sin servidor que se usa con poca frecuencia puede sufrir una mayor latencia de respuesta que el código que se ejecuta continuamente en un servidor dedicado, una máquina virtual o un contenedor. Esto se debe a que, a diferencia del ajuste de escala automático, el proveedor de la nube generalmente "reduce" el código sin servidor por completo cuando no está en uso. Esto significa que si el tiempo de ejecución (por ejemplo, el tiempo de ejecución de Java) requiere una cantidad significativa de tiempo para iniciarse, creará una latencia adicional.</a:t>
             </a:r>
           </a:p>
           <a:p>
-            <a:endParaRPr lang="es-CO" dirty="0" smtClean="0"/>
-          </a:p>
-          <a:p>
-            <a:r>
-              <a:rPr lang="es-CO" b="1" dirty="0" smtClean="0"/>
+            <a:endParaRPr lang="es-CO" dirty="0"/>
+          </a:p>
+          <a:p>
+            <a:r>
+              <a:rPr lang="es-CO" b="1" dirty="0"/>
               <a:t>Límites de recursos</a:t>
             </a:r>
           </a:p>
           <a:p>
             <a:r>
-              <a:rPr lang="es-CO" dirty="0" smtClean="0"/>
+              <a:rPr lang="es-CO" dirty="0"/>
               <a:t>La computación sin servidor no es adecuada para algunas cargas de trabajo informáticas, como la informática de alto rendimiento, debido a los límites de recursos impuestos por los proveedores de la nube y también porque probablemente sería más económico aprovisionar en masa la cantidad de servidores que se cree que se requieren en un momento dado. punto en el tiempo.</a:t>
             </a:r>
           </a:p>
           <a:p>
-            <a:endParaRPr lang="es-CO" dirty="0" smtClean="0"/>
-          </a:p>
-          <a:p>
-            <a:r>
-              <a:rPr lang="es-CO" b="1" dirty="0" smtClean="0"/>
+            <a:endParaRPr lang="es-CO" dirty="0"/>
+          </a:p>
+          <a:p>
+            <a:r>
+              <a:rPr lang="es-CO" b="1" dirty="0"/>
               <a:t>Supervisión y depuración</a:t>
             </a:r>
           </a:p>
           <a:p>
             <a:r>
-              <a:rPr lang="es-CO" dirty="0" smtClean="0"/>
+              <a:rPr lang="es-CO" dirty="0"/>
               <a:t>El diagnóstico de problemas de rendimiento o uso excesivo de recursos con código sin servidor puede ser más difícil que con el código de servidor tradicional, porque aunque se pueden programar funciones completas, por lo general no existe la posibilidad de profundizar en más detalles adjuntando generadores de perfiles, depuradores o herramientas APM. Además, el entorno en el que se ejecuta el código normalmente no es de código abierto, por lo que sus características de rendimiento no se pueden replicar con precisión en un entorno local.</a:t>
             </a:r>
           </a:p>
           <a:p>
-            <a:endParaRPr lang="es-CO" dirty="0" smtClean="0"/>
-          </a:p>
-          <a:p>
-            <a:r>
-              <a:rPr lang="es-CO" b="1" dirty="0" smtClean="0"/>
+            <a:endParaRPr lang="es-CO" dirty="0"/>
+          </a:p>
+          <a:p>
+            <a:r>
+              <a:rPr lang="es-CO" b="1" dirty="0"/>
               <a:t>Seguridad</a:t>
             </a:r>
           </a:p>
           <a:p>
             <a:r>
-              <a:rPr lang="es-CO" dirty="0" err="1" smtClean="0"/>
+              <a:rPr lang="es-CO" dirty="0" err="1"/>
               <a:t>Serverless</a:t>
             </a:r>
             <a:r>
-              <a:rPr lang="es-CO" dirty="0" smtClean="0"/>
+              <a:rPr lang="es-CO" dirty="0"/>
               <a:t> a veces se considera erróneamente como más seguro que las arquitecturas tradicionales. Si bien esto es cierto hasta cierto punto porque el proveedor de la nube se ocupa de las vulnerabilidades del sistema operativo, la superficie de ataque total es significativamente mayor, ya que hay muchos más componentes en la aplicación en comparación con las arquitecturas tradicionales y cada componente es un punto de entrada a la aplicación sin servidor. . Además, las soluciones de seguridad que los clientes solían tener para proteger sus cargas de trabajo en la nube se vuelven irrelevantes, ya que los clientes no pueden controlar ni instalar nada en el punto final ni en el nivel de la red, como un sistema de detección/prevención de intrusos (IDS/IPS).</a:t>
             </a:r>
           </a:p>
           <a:p>
-            <a:endParaRPr lang="es-CO" dirty="0" smtClean="0"/>
-          </a:p>
-          <a:p>
-            <a:r>
-              <a:rPr lang="es-CO" dirty="0" smtClean="0"/>
+            <a:endParaRPr lang="es-CO" dirty="0"/>
+          </a:p>
+          <a:p>
+            <a:r>
+              <a:rPr lang="es-CO" dirty="0"/>
               <a:t>Esto se ve intensificado por las propiedades de monocultivo de toda la red de servidores. (Se puede aplicar un único defecto a nivel mundial). Según </a:t>
             </a:r>
             <a:r>
-              <a:rPr lang="es-CO" dirty="0" err="1" smtClean="0"/>
+              <a:rPr lang="es-CO" dirty="0" err="1"/>
               <a:t>Protego</a:t>
             </a:r>
             <a:r>
-              <a:rPr lang="es-CO" dirty="0" smtClean="0"/>
+              <a:rPr lang="es-CO" dirty="0"/>
               <a:t>, la "solución para proteger las aplicaciones sin servidor es una estrecha colaboración entre los desarrolladores, </a:t>
             </a:r>
             <a:r>
-              <a:rPr lang="es-CO" dirty="0" err="1" smtClean="0"/>
+              <a:rPr lang="es-CO" dirty="0" err="1"/>
               <a:t>DevOps</a:t>
             </a:r>
             <a:r>
-              <a:rPr lang="es-CO" dirty="0" smtClean="0"/>
+              <a:rPr lang="es-CO" dirty="0"/>
               <a:t> y </a:t>
             </a:r>
             <a:r>
-              <a:rPr lang="es-CO" dirty="0" err="1" smtClean="0"/>
+              <a:rPr lang="es-CO" dirty="0" err="1"/>
               <a:t>AppSec</a:t>
             </a:r>
             <a:r>
-              <a:rPr lang="es-CO" dirty="0" smtClean="0"/>
+              <a:rPr lang="es-CO" dirty="0"/>
               <a:t>, también conocido como </a:t>
             </a:r>
             <a:r>
-              <a:rPr lang="es-CO" dirty="0" err="1" smtClean="0"/>
+              <a:rPr lang="es-CO" dirty="0" err="1"/>
               <a:t>DevSecOps</a:t>
             </a:r>
             <a:r>
-              <a:rPr lang="es-CO" dirty="0" smtClean="0"/>
+              <a:rPr lang="es-CO" dirty="0"/>
               <a:t>. Encuentre el equilibrio donde los desarrolladores no son dueños de la seguridad, pero tampoco están exentos de responsabilidad. Tome medidas para que sea un problema de todos. Cree equipos multifuncionales y trabaje hacia una estrecha integración entre los especialistas en seguridad y los equipos de desarrollo. Colabore para que su organización pueda resolver los riesgos de seguridad a la velocidad de la ausencia de servidor".</a:t>
             </a:r>
           </a:p>
           <a:p>
-            <a:endParaRPr lang="es-CO" dirty="0" smtClean="0"/>
-          </a:p>
-          <a:p>
-            <a:r>
-              <a:rPr lang="es-CO" b="1" dirty="0" smtClean="0"/>
+            <a:endParaRPr lang="es-CO" dirty="0"/>
+          </a:p>
+          <a:p>
+            <a:r>
+              <a:rPr lang="es-CO" b="1" dirty="0"/>
               <a:t>Privacidad</a:t>
             </a:r>
           </a:p>
           <a:p>
             <a:r>
-              <a:rPr lang="es-CO" dirty="0" smtClean="0"/>
+              <a:rPr lang="es-CO" dirty="0"/>
               <a:t>Muchos entornos de funciones sin servidor se basan en entornos de nube pública patentados. Aquí, se deben considerar algunas implicaciones de privacidad, como los recursos compartidos y el acceso de empleados externos. Sin embargo, la computación sin servidor también se puede realizar en un entorno de nube privada o incluso en las instalaciones, utilizando, por ejemplo, la plataforma </a:t>
             </a:r>
             <a:r>
-              <a:rPr lang="es-CO" dirty="0" err="1" smtClean="0"/>
+              <a:rPr lang="es-CO" dirty="0" err="1"/>
               <a:t>Kubernetes</a:t>
             </a:r>
             <a:r>
-              <a:rPr lang="es-CO" dirty="0" smtClean="0"/>
+              <a:rPr lang="es-CO" dirty="0"/>
               <a:t>. Esto les da a las empresas un control total sobre los mecanismos de privacidad, al igual que con el alojamiento en configuraciones de servidores tradicionales.</a:t>
             </a:r>
           </a:p>
           <a:p>
-            <a:endParaRPr lang="es-CO" dirty="0" smtClean="0"/>
-          </a:p>
-          <a:p>
-            <a:r>
-              <a:rPr lang="es-CO" b="1" dirty="0" smtClean="0"/>
+            <a:endParaRPr lang="es-CO" dirty="0"/>
+          </a:p>
+          <a:p>
+            <a:r>
+              <a:rPr lang="es-CO" b="1" dirty="0"/>
               <a:t>Estándares</a:t>
             </a:r>
           </a:p>
           <a:p>
             <a:r>
-              <a:rPr lang="es-CO" dirty="0" smtClean="0"/>
+              <a:rPr lang="es-CO" dirty="0"/>
               <a:t>La informática sin servidor está cubierta por la Autoridad Internacional de Centros de Datos (IDCA) en su Marco AE360.[23] Sin embargo, la parte relacionada con la portabilidad puede ser un problema al mover la lógica empresarial de una nube pública a otra para la que se creó la solución </a:t>
             </a:r>
             <a:r>
-              <a:rPr lang="es-CO" dirty="0" err="1" smtClean="0"/>
+              <a:rPr lang="es-CO" dirty="0" err="1"/>
               <a:t>Docker</a:t>
             </a:r>
             <a:r>
-              <a:rPr lang="es-CO" dirty="0" smtClean="0"/>
+              <a:rPr lang="es-CO" dirty="0"/>
               <a:t>. Cloud </a:t>
             </a:r>
             <a:r>
-              <a:rPr lang="es-CO" dirty="0" err="1" smtClean="0"/>
+              <a:rPr lang="es-CO" dirty="0" err="1"/>
               <a:t>Native</a:t>
             </a:r>
             <a:r>
-              <a:rPr lang="es-CO" dirty="0" smtClean="0"/>
+              <a:rPr lang="es-CO" dirty="0"/>
               <a:t> Computing </a:t>
             </a:r>
             <a:r>
-              <a:rPr lang="es-CO" dirty="0" err="1" smtClean="0"/>
+              <a:rPr lang="es-CO" dirty="0" err="1"/>
               <a:t>Foundation</a:t>
             </a:r>
             <a:r>
-              <a:rPr lang="es-CO" dirty="0" smtClean="0"/>
+              <a:rPr lang="es-CO" dirty="0"/>
               <a:t> (CNCF) también está trabajando en el desarrollo de una especificación con Oracle.[24]</a:t>
             </a:r>
           </a:p>
           <a:p>
-            <a:endParaRPr lang="es-CO" dirty="0" smtClean="0"/>
-          </a:p>
-          <a:p>
-            <a:r>
-              <a:rPr lang="es-CO" b="1" dirty="0" smtClean="0"/>
+            <a:endParaRPr lang="es-CO" dirty="0"/>
+          </a:p>
+          <a:p>
+            <a:r>
+              <a:rPr lang="es-CO" b="1" dirty="0"/>
               <a:t>Usos/funciones</a:t>
             </a:r>
           </a:p>
           <a:p>
             <a:r>
-              <a:rPr lang="es-CO" dirty="0" smtClean="0"/>
+              <a:rPr lang="es-CO" dirty="0"/>
               <a:t>Las funciones sin servidor se pueden utilizar para:[25]</a:t>
             </a:r>
           </a:p>
           <a:p>
-            <a:endParaRPr lang="es-CO" dirty="0" smtClean="0"/>
+            <a:endParaRPr lang="es-CO" dirty="0"/>
           </a:p>
           <a:p>
             <a:pPr marL="171450" indent="-171450">
@@ -1377,7 +1375,7 @@
               <a:buChar char="-"/>
             </a:pPr>
             <a:r>
-              <a:rPr lang="es-CO" dirty="0" smtClean="0"/>
+              <a:rPr lang="es-CO" dirty="0"/>
               <a:t>Análisis de datos</a:t>
             </a:r>
           </a:p>
@@ -1387,7 +1385,7 @@
               <a:buChar char="-"/>
             </a:pPr>
             <a:r>
-              <a:rPr lang="es-CO" dirty="0" smtClean="0"/>
+              <a:rPr lang="es-CO" dirty="0"/>
               <a:t>Operaciones CI/CD</a:t>
             </a:r>
           </a:p>
@@ -1397,7 +1395,7 @@
               <a:buChar char="-"/>
             </a:pPr>
             <a:r>
-              <a:rPr lang="es-CO" dirty="0" smtClean="0"/>
+              <a:rPr lang="es-CO" dirty="0"/>
               <a:t>Conversiones de archivos</a:t>
             </a:r>
           </a:p>
@@ -1407,7 +1405,7 @@
               <a:buChar char="-"/>
             </a:pPr>
             <a:r>
-              <a:rPr lang="es-CO" dirty="0" smtClean="0"/>
+              <a:rPr lang="es-CO" dirty="0"/>
               <a:t>Agregación y reestructuración de registros</a:t>
             </a:r>
           </a:p>
@@ -1417,39 +1415,38 @@
               <a:buChar char="-"/>
             </a:pPr>
             <a:r>
-              <a:rPr lang="es-CO" dirty="0" smtClean="0"/>
+              <a:rPr lang="es-CO" dirty="0"/>
               <a:t>Soporte para contenido de sitio web dinámico</a:t>
             </a:r>
           </a:p>
           <a:p>
-            <a:endParaRPr lang="es-CO" dirty="0" smtClean="0"/>
-          </a:p>
-          <a:p>
-            <a:r>
-              <a:rPr lang="es-CO" b="1" dirty="0" smtClean="0"/>
+            <a:endParaRPr lang="es-CO" dirty="0"/>
+          </a:p>
+          <a:p>
+            <a:r>
+              <a:rPr lang="es-CO" b="1" dirty="0"/>
               <a:t>Dependencia de un proveedor</a:t>
             </a:r>
           </a:p>
           <a:p>
             <a:r>
-              <a:rPr lang="es-CO" dirty="0" smtClean="0"/>
+              <a:rPr lang="es-CO" dirty="0"/>
               <a:t>La informática sin servidor se proporciona como un servicio de terceros. Las aplicaciones y el software que se ejecutan en el entorno sin servidor están bloqueados de forma predeterminada para un proveedor de nube </a:t>
             </a:r>
           </a:p>
           <a:p>
             <a:r>
-              <a:rPr lang="es-CO" dirty="0" smtClean="0"/>
+              <a:rPr lang="es-CO" dirty="0"/>
               <a:t>específico.[26] Por lo tanto, </a:t>
             </a:r>
             <a:r>
-              <a:rPr lang="es-CO" dirty="0" err="1" smtClean="0"/>
+              <a:rPr lang="es-CO" dirty="0" err="1"/>
               <a:t>serverless</a:t>
             </a:r>
             <a:r>
-              <a:rPr lang="es-CO" dirty="0" smtClean="0"/>
+              <a:rPr lang="es-CO" dirty="0"/>
               <a:t> puede causar múltiples problemas durante la migración.[27]</a:t>
             </a:r>
-            <a:endParaRPr lang="es-CO" dirty="0"/>
           </a:p>
         </p:txBody>
       </p:sp>
@@ -1535,45 +1532,44 @@
           <a:lstStyle/>
           <a:p>
             <a:r>
-              <a:rPr lang="es-CO" dirty="0" smtClean="0"/>
+              <a:rPr lang="es-CO" dirty="0"/>
               <a:t>https://www.globaldots.com/resources/blog/what-is-serverless-computing/</a:t>
             </a:r>
           </a:p>
           <a:p>
-            <a:endParaRPr lang="es-CO" dirty="0" smtClean="0"/>
-          </a:p>
-          <a:p>
-            <a:r>
-              <a:rPr lang="es-CO" dirty="0" smtClean="0"/>
+            <a:endParaRPr lang="es-CO" dirty="0"/>
+          </a:p>
+          <a:p>
+            <a:r>
+              <a:rPr lang="es-CO" dirty="0"/>
               <a:t>Tanto la informática sin servidor como los contenedores permiten a los desarrolladores crear aplicaciones con muchos menos gastos generales y más flexibilidad que las aplicaciones alojadas en servidores tradicionales o máquinas virtuales. El estilo de arquitectura que debe usar un desarrollador depende de las necesidades de la aplicación, pero las aplicaciones sin servidor son más escalables y, por lo general, más rentables.</a:t>
             </a:r>
           </a:p>
           <a:p>
-            <a:endParaRPr lang="es-CO" dirty="0" smtClean="0"/>
-          </a:p>
-          <a:p>
-            <a:r>
-              <a:rPr lang="es-CO" dirty="0" smtClean="0"/>
+            <a:endParaRPr lang="es-CO" dirty="0"/>
+          </a:p>
+          <a:p>
+            <a:r>
+              <a:rPr lang="es-CO" dirty="0"/>
               <a:t>Los contenedores brindan un entorno de ejecución más liviano, lo que hace que la creación de instancias sea más rápida y aumenta la utilización del hardware, pero no cambian el proceso de operaciones de la aplicación fundamental. Todavía se espera que los usuarios asuman la mayor parte de asegurarse de que la aplicación permanezca en funcionamiento.</a:t>
             </a:r>
           </a:p>
           <a:p>
-            <a:endParaRPr lang="es-CO" dirty="0" smtClean="0"/>
-          </a:p>
-          <a:p>
-            <a:r>
-              <a:rPr lang="es-CO" dirty="0" smtClean="0"/>
+            <a:endParaRPr lang="es-CO" dirty="0"/>
+          </a:p>
+          <a:p>
+            <a:r>
+              <a:rPr lang="es-CO" dirty="0"/>
               <a:t>Con </a:t>
             </a:r>
             <a:r>
-              <a:rPr lang="es-CO" dirty="0" err="1" smtClean="0"/>
+              <a:rPr lang="es-CO" dirty="0" err="1"/>
               <a:t>serverless</a:t>
             </a:r>
             <a:r>
-              <a:rPr lang="es-CO" dirty="0" smtClean="0"/>
+              <a:rPr lang="es-CO" dirty="0"/>
               <a:t>, el proveedor de la nube asume la responsabilidad de asegurarse de que el código de la aplicación se cargue y ejecute, y garantiza que haya suficientes recursos informáticos disponibles para ejecutar su código, sin importar cuánto procesamiento requiera.</a:t>
             </a:r>
-            <a:endParaRPr lang="es-CO" dirty="0"/>
           </a:p>
         </p:txBody>
       </p:sp>
@@ -1661,12 +1657,12 @@
           <a:lstStyle/>
           <a:p>
             <a:r>
-              <a:rPr lang="es-CO" dirty="0" smtClean="0"/>
+              <a:rPr lang="es-CO" dirty="0"/>
               <a:t>https://www.redhat.com/en/topics/cloud-native-apps/what-is-serverless</a:t>
             </a:r>
           </a:p>
           <a:p>
-            <a:endParaRPr lang="es-CO" sz="1200" b="1" i="0" kern="1200" dirty="0" smtClean="0">
+            <a:endParaRPr lang="es-CO" sz="1200" b="1" i="0" kern="1200" dirty="0">
               <a:solidFill>
                 <a:schemeClr val="tx1"/>
               </a:solidFill>
@@ -1678,7 +1674,7 @@
           </a:p>
           <a:p>
             <a:r>
-              <a:rPr lang="es-CO" sz="1200" b="1" i="0" kern="1200" dirty="0" err="1" smtClean="0">
+              <a:rPr lang="es-CO" sz="1200" b="1" i="0" kern="1200" dirty="0" err="1">
                 <a:solidFill>
                   <a:schemeClr val="tx1"/>
                 </a:solidFill>
@@ -1690,7 +1686,7 @@
               <a:t>Backend</a:t>
             </a:r>
             <a:r>
-              <a:rPr lang="es-CO" sz="1200" b="1" i="0" kern="1200" dirty="0" smtClean="0">
+              <a:rPr lang="es-CO" sz="1200" b="1" i="0" kern="1200" dirty="0">
                 <a:solidFill>
                   <a:schemeClr val="tx1"/>
                 </a:solidFill>
@@ -1702,7 +1698,7 @@
               <a:t>-as-a-</a:t>
             </a:r>
             <a:r>
-              <a:rPr lang="es-CO" sz="1200" b="1" i="0" kern="1200" dirty="0" err="1" smtClean="0">
+              <a:rPr lang="es-CO" sz="1200" b="1" i="0" kern="1200" dirty="0" err="1">
                 <a:solidFill>
                   <a:schemeClr val="tx1"/>
                 </a:solidFill>
@@ -1714,7 +1710,7 @@
               <a:t>Service</a:t>
             </a:r>
             <a:r>
-              <a:rPr lang="es-CO" sz="1200" b="1" i="0" kern="1200" dirty="0" smtClean="0">
+              <a:rPr lang="es-CO" sz="1200" b="1" i="0" kern="1200" dirty="0">
                 <a:solidFill>
                   <a:schemeClr val="tx1"/>
                 </a:solidFill>
@@ -1726,7 +1722,7 @@
               <a:t> (</a:t>
             </a:r>
             <a:r>
-              <a:rPr lang="es-CO" sz="1200" b="1" i="0" kern="1200" dirty="0" err="1" smtClean="0">
+              <a:rPr lang="es-CO" sz="1200" b="1" i="0" kern="1200" dirty="0" err="1">
                 <a:solidFill>
                   <a:schemeClr val="tx1"/>
                 </a:solidFill>
@@ -1738,7 +1734,7 @@
               <a:t>BaaS</a:t>
             </a:r>
             <a:r>
-              <a:rPr lang="es-CO" sz="1200" b="1" i="0" kern="1200" dirty="0" smtClean="0">
+              <a:rPr lang="es-CO" sz="1200" b="1" i="0" kern="1200" dirty="0">
                 <a:solidFill>
                   <a:schemeClr val="tx1"/>
                 </a:solidFill>
@@ -1749,294 +1745,294 @@
               </a:rPr>
               <a:t>)</a:t>
             </a:r>
-            <a:endParaRPr lang="es-CO" b="1" dirty="0" smtClean="0"/>
-          </a:p>
-          <a:p>
-            <a:r>
-              <a:rPr lang="es-CO" dirty="0" smtClean="0"/>
+            <a:endParaRPr lang="es-CO" b="1" dirty="0"/>
+          </a:p>
+          <a:p>
+            <a:r>
+              <a:rPr lang="es-CO" dirty="0"/>
               <a:t>Bajo un modelo sin servidor, un proveedor de la nube ejecuta servidores físicos y asigna dinámicamente sus recursos en nombre de los usuarios que pueden implementar el código directamente en producción.</a:t>
             </a:r>
           </a:p>
           <a:p>
-            <a:endParaRPr lang="es-CO" dirty="0" smtClean="0"/>
-          </a:p>
-          <a:p>
-            <a:r>
-              <a:rPr lang="es-CO" dirty="0" smtClean="0"/>
+            <a:endParaRPr lang="es-CO" dirty="0"/>
+          </a:p>
+          <a:p>
+            <a:r>
+              <a:rPr lang="es-CO" dirty="0"/>
               <a:t>Las ofertas de computación sin servidor generalmente se dividen en dos grupos, </a:t>
             </a:r>
             <a:r>
-              <a:rPr lang="es-CO" dirty="0" err="1" smtClean="0"/>
+              <a:rPr lang="es-CO" dirty="0" err="1"/>
               <a:t>backend</a:t>
             </a:r>
             <a:r>
-              <a:rPr lang="es-CO" dirty="0" smtClean="0"/>
+              <a:rPr lang="es-CO" dirty="0"/>
               <a:t> como servicio (</a:t>
             </a:r>
             <a:r>
-              <a:rPr lang="es-CO" dirty="0" err="1" smtClean="0"/>
+              <a:rPr lang="es-CO" dirty="0" err="1"/>
               <a:t>BaaS</a:t>
             </a:r>
             <a:r>
-              <a:rPr lang="es-CO" dirty="0" smtClean="0"/>
+              <a:rPr lang="es-CO" dirty="0"/>
               <a:t>) y función como servicio (</a:t>
             </a:r>
             <a:r>
-              <a:rPr lang="es-CO" dirty="0" err="1" smtClean="0"/>
+              <a:rPr lang="es-CO" dirty="0" err="1"/>
               <a:t>FaaS</a:t>
             </a:r>
             <a:r>
-              <a:rPr lang="es-CO" dirty="0" smtClean="0"/>
+              <a:rPr lang="es-CO" dirty="0"/>
               <a:t>).</a:t>
             </a:r>
           </a:p>
           <a:p>
-            <a:endParaRPr lang="es-CO" dirty="0" smtClean="0"/>
-          </a:p>
-          <a:p>
-            <a:r>
-              <a:rPr lang="es-CO" dirty="0" err="1" smtClean="0"/>
+            <a:endParaRPr lang="es-CO" dirty="0"/>
+          </a:p>
+          <a:p>
+            <a:r>
+              <a:rPr lang="es-CO" dirty="0" err="1"/>
               <a:t>BaaS</a:t>
             </a:r>
             <a:r>
-              <a:rPr lang="es-CO" dirty="0" smtClean="0"/>
+              <a:rPr lang="es-CO" dirty="0"/>
               <a:t> brinda a los desarrolladores acceso a una variedad de servicios y aplicaciones de terceros. Por ejemplo, un proveedor de la nube puede ofrecer servicios de autenticación, encriptación adicional, bases de datos accesibles en la nube y datos de uso de alta fidelidad. Con </a:t>
             </a:r>
             <a:r>
-              <a:rPr lang="es-CO" dirty="0" err="1" smtClean="0"/>
+              <a:rPr lang="es-CO" dirty="0" err="1"/>
               <a:t>BaaS</a:t>
             </a:r>
             <a:r>
-              <a:rPr lang="es-CO" dirty="0" smtClean="0"/>
+              <a:rPr lang="es-CO" dirty="0"/>
               <a:t>, las funciones sin servidor generalmente se llaman a través de interfaces de programación de aplicaciones (API).</a:t>
             </a:r>
           </a:p>
           <a:p>
-            <a:endParaRPr lang="es-CO" dirty="0" smtClean="0"/>
-          </a:p>
-          <a:p>
-            <a:r>
-              <a:rPr lang="es-CO" dirty="0" smtClean="0"/>
+            <a:endParaRPr lang="es-CO" dirty="0"/>
+          </a:p>
+          <a:p>
+            <a:r>
+              <a:rPr lang="es-CO" dirty="0"/>
               <a:t>Más comúnmente, cuando los desarrolladores se refieren a </a:t>
             </a:r>
             <a:r>
-              <a:rPr lang="es-CO" dirty="0" err="1" smtClean="0"/>
+              <a:rPr lang="es-CO" dirty="0" err="1"/>
               <a:t>serverless</a:t>
             </a:r>
             <a:r>
-              <a:rPr lang="es-CO" dirty="0" smtClean="0"/>
+              <a:rPr lang="es-CO" dirty="0"/>
               <a:t>, están hablando de un modelo </a:t>
             </a:r>
             <a:r>
-              <a:rPr lang="es-CO" dirty="0" err="1" smtClean="0"/>
+              <a:rPr lang="es-CO" dirty="0" err="1"/>
               <a:t>FaaS</a:t>
             </a:r>
             <a:r>
-              <a:rPr lang="es-CO" dirty="0" smtClean="0"/>
+              <a:rPr lang="es-CO" dirty="0"/>
               <a:t>. Bajo </a:t>
             </a:r>
             <a:r>
-              <a:rPr lang="es-CO" dirty="0" err="1" smtClean="0"/>
+              <a:rPr lang="es-CO" dirty="0" err="1"/>
               <a:t>FaaS</a:t>
             </a:r>
             <a:r>
-              <a:rPr lang="es-CO" dirty="0" smtClean="0"/>
+              <a:rPr lang="es-CO" dirty="0"/>
               <a:t>, los desarrolladores aún escriben una lógica personalizada del lado del servidor, pero se ejecuta en contenedores totalmente administrados por un proveedor de servicios en la nube.</a:t>
             </a:r>
           </a:p>
           <a:p>
-            <a:endParaRPr lang="es-CO" dirty="0" smtClean="0"/>
-          </a:p>
-          <a:p>
-            <a:r>
-              <a:rPr lang="es-CO" dirty="0" smtClean="0"/>
+            <a:endParaRPr lang="es-CO" dirty="0"/>
+          </a:p>
+          <a:p>
+            <a:r>
+              <a:rPr lang="es-CO" dirty="0"/>
               <a:t>Los principales proveedores de nube pública tienen una o más ofertas de </a:t>
             </a:r>
             <a:r>
-              <a:rPr lang="es-CO" dirty="0" err="1" smtClean="0"/>
+              <a:rPr lang="es-CO" dirty="0" err="1"/>
               <a:t>FaaS</a:t>
             </a:r>
             <a:r>
-              <a:rPr lang="es-CO" dirty="0" smtClean="0"/>
+              <a:rPr lang="es-CO" dirty="0"/>
               <a:t>. Incluyen Amazon Web </a:t>
             </a:r>
             <a:r>
-              <a:rPr lang="es-CO" dirty="0" err="1" smtClean="0"/>
+              <a:rPr lang="es-CO" dirty="0" err="1"/>
               <a:t>Services</a:t>
             </a:r>
             <a:r>
-              <a:rPr lang="es-CO" dirty="0" smtClean="0"/>
+              <a:rPr lang="es-CO" dirty="0"/>
               <a:t> con AWS Lambda, Microsoft </a:t>
             </a:r>
             <a:r>
-              <a:rPr lang="es-CO" dirty="0" err="1" smtClean="0"/>
+              <a:rPr lang="es-CO" dirty="0" err="1"/>
               <a:t>Azure</a:t>
             </a:r>
             <a:r>
-              <a:rPr lang="es-CO" dirty="0" smtClean="0"/>
+              <a:rPr lang="es-CO" dirty="0"/>
               <a:t> con </a:t>
             </a:r>
             <a:r>
-              <a:rPr lang="es-CO" dirty="0" err="1" smtClean="0"/>
+              <a:rPr lang="es-CO" dirty="0" err="1"/>
               <a:t>Azure</a:t>
             </a:r>
             <a:r>
-              <a:rPr lang="es-CO" dirty="0" smtClean="0"/>
+              <a:rPr lang="es-CO" dirty="0"/>
               <a:t> </a:t>
             </a:r>
             <a:r>
-              <a:rPr lang="es-CO" dirty="0" err="1" smtClean="0"/>
+              <a:rPr lang="es-CO" dirty="0" err="1"/>
               <a:t>Functions</a:t>
             </a:r>
             <a:r>
-              <a:rPr lang="es-CO" dirty="0" smtClean="0"/>
+              <a:rPr lang="es-CO" dirty="0"/>
               <a:t>, Google Cloud con múltiples ofertas e IBM Cloud con IBM Cloud </a:t>
             </a:r>
             <a:r>
-              <a:rPr lang="es-CO" dirty="0" err="1" smtClean="0"/>
+              <a:rPr lang="es-CO" dirty="0" err="1"/>
               <a:t>Functions</a:t>
             </a:r>
             <a:r>
-              <a:rPr lang="es-CO" dirty="0" smtClean="0"/>
+              <a:rPr lang="es-CO" dirty="0"/>
               <a:t>, entre otros.</a:t>
             </a:r>
           </a:p>
           <a:p>
-            <a:endParaRPr lang="es-CO" dirty="0" smtClean="0"/>
-          </a:p>
-          <a:p>
-            <a:r>
-              <a:rPr lang="es-CO" dirty="0" smtClean="0"/>
+            <a:endParaRPr lang="es-CO" dirty="0"/>
+          </a:p>
+          <a:p>
+            <a:r>
+              <a:rPr lang="es-CO" dirty="0"/>
               <a:t>Algunas organizaciones optan por operar sus propios entornos </a:t>
             </a:r>
             <a:r>
-              <a:rPr lang="es-CO" dirty="0" err="1" smtClean="0"/>
+              <a:rPr lang="es-CO" dirty="0" err="1"/>
               <a:t>FaaS</a:t>
             </a:r>
             <a:r>
-              <a:rPr lang="es-CO" dirty="0" smtClean="0"/>
+              <a:rPr lang="es-CO" dirty="0"/>
               <a:t> utilizando plataformas sin servidor de código abierto, incluido Red </a:t>
             </a:r>
             <a:r>
-              <a:rPr lang="es-CO" dirty="0" err="1" smtClean="0"/>
+              <a:rPr lang="es-CO" dirty="0" err="1"/>
               <a:t>Hat</a:t>
             </a:r>
             <a:r>
-              <a:rPr lang="es-CO" dirty="0" smtClean="0"/>
+              <a:rPr lang="es-CO" dirty="0"/>
               <a:t>® </a:t>
             </a:r>
             <a:r>
-              <a:rPr lang="es-CO" dirty="0" err="1" smtClean="0"/>
+              <a:rPr lang="es-CO" dirty="0" err="1"/>
               <a:t>OpenShift</a:t>
             </a:r>
             <a:r>
-              <a:rPr lang="es-CO" dirty="0" smtClean="0"/>
+              <a:rPr lang="es-CO" dirty="0"/>
               <a:t>® </a:t>
             </a:r>
             <a:r>
-              <a:rPr lang="es-CO" dirty="0" err="1" smtClean="0"/>
+              <a:rPr lang="es-CO" dirty="0" err="1"/>
               <a:t>Serverless</a:t>
             </a:r>
             <a:r>
-              <a:rPr lang="es-CO" dirty="0" smtClean="0"/>
+              <a:rPr lang="es-CO" dirty="0"/>
               <a:t>, que se basa en el proyecto </a:t>
             </a:r>
             <a:r>
-              <a:rPr lang="es-CO" dirty="0" err="1" smtClean="0"/>
+              <a:rPr lang="es-CO" dirty="0" err="1"/>
               <a:t>Knative</a:t>
             </a:r>
             <a:r>
-              <a:rPr lang="es-CO" dirty="0" smtClean="0"/>
+              <a:rPr lang="es-CO" dirty="0"/>
               <a:t> para </a:t>
             </a:r>
             <a:r>
-              <a:rPr lang="es-CO" dirty="0" err="1" smtClean="0"/>
+              <a:rPr lang="es-CO" dirty="0" err="1"/>
               <a:t>Kubernetes</a:t>
             </a:r>
             <a:r>
-              <a:rPr lang="es-CO" dirty="0" smtClean="0"/>
+              <a:rPr lang="es-CO" dirty="0"/>
               <a:t>.</a:t>
             </a:r>
           </a:p>
           <a:p>
-            <a:endParaRPr lang="es-CO" dirty="0" smtClean="0"/>
-          </a:p>
-          <a:p>
-            <a:r>
-              <a:rPr lang="es-CO" b="1" dirty="0" err="1" smtClean="0"/>
+            <a:endParaRPr lang="es-CO" dirty="0"/>
+          </a:p>
+          <a:p>
+            <a:r>
+              <a:rPr lang="es-CO" b="1" dirty="0" err="1"/>
               <a:t>Function</a:t>
             </a:r>
             <a:r>
-              <a:rPr lang="es-CO" b="1" dirty="0" smtClean="0"/>
+              <a:rPr lang="es-CO" b="1" dirty="0"/>
               <a:t>-as-a-</a:t>
             </a:r>
             <a:r>
-              <a:rPr lang="es-CO" b="1" dirty="0" err="1" smtClean="0"/>
+              <a:rPr lang="es-CO" b="1" dirty="0" err="1"/>
               <a:t>Service</a:t>
             </a:r>
             <a:r>
-              <a:rPr lang="es-CO" b="1" dirty="0" smtClean="0"/>
+              <a:rPr lang="es-CO" b="1" dirty="0"/>
               <a:t> (</a:t>
             </a:r>
             <a:r>
-              <a:rPr lang="es-CO" b="1" dirty="0" err="1" smtClean="0"/>
+              <a:rPr lang="es-CO" b="1" dirty="0" err="1"/>
               <a:t>FaaS</a:t>
             </a:r>
             <a:r>
-              <a:rPr lang="es-CO" b="1" dirty="0" smtClean="0"/>
+              <a:rPr lang="es-CO" b="1" dirty="0"/>
               <a:t>) </a:t>
             </a:r>
           </a:p>
           <a:p>
             <a:r>
-              <a:rPr lang="es-CO" dirty="0" smtClean="0"/>
+              <a:rPr lang="es-CO" dirty="0"/>
               <a:t>Es un modelo de ejecución informática basado en eventos en el que los desarrolladores escriben lógica que se implementa en contenedores totalmente administrados por una plataforma y luego se ejecuta bajo demanda.</a:t>
             </a:r>
           </a:p>
           <a:p>
-            <a:endParaRPr lang="es-CO" dirty="0" smtClean="0"/>
-          </a:p>
-          <a:p>
-            <a:r>
-              <a:rPr lang="es-CO" dirty="0" smtClean="0"/>
+            <a:endParaRPr lang="es-CO" dirty="0"/>
+          </a:p>
+          <a:p>
+            <a:r>
+              <a:rPr lang="es-CO" dirty="0"/>
               <a:t>A diferencia de </a:t>
             </a:r>
             <a:r>
-              <a:rPr lang="es-CO" dirty="0" err="1" smtClean="0"/>
+              <a:rPr lang="es-CO" dirty="0" err="1"/>
               <a:t>BaaS</a:t>
             </a:r>
             <a:r>
-              <a:rPr lang="es-CO" dirty="0" smtClean="0"/>
+              <a:rPr lang="es-CO" dirty="0"/>
               <a:t>, </a:t>
             </a:r>
             <a:r>
-              <a:rPr lang="es-CO" dirty="0" err="1" smtClean="0"/>
+              <a:rPr lang="es-CO" dirty="0" err="1"/>
               <a:t>FaaS</a:t>
             </a:r>
             <a:r>
-              <a:rPr lang="es-CO" dirty="0" smtClean="0"/>
+              <a:rPr lang="es-CO" dirty="0"/>
               <a:t> ofrece un mayor grado de control a los desarrolladores, quienes crean aplicaciones personalizadas en lugar de depender de una biblioteca de servicios </a:t>
             </a:r>
             <a:r>
-              <a:rPr lang="es-CO" dirty="0" err="1" smtClean="0"/>
+              <a:rPr lang="es-CO" dirty="0" err="1"/>
               <a:t>preescritos</a:t>
             </a:r>
             <a:r>
-              <a:rPr lang="es-CO" dirty="0" smtClean="0"/>
+              <a:rPr lang="es-CO" dirty="0"/>
               <a:t>.</a:t>
             </a:r>
           </a:p>
           <a:p>
-            <a:endParaRPr lang="es-CO" dirty="0" smtClean="0"/>
-          </a:p>
-          <a:p>
-            <a:r>
-              <a:rPr lang="es-CO" dirty="0" smtClean="0"/>
+            <a:endParaRPr lang="es-CO" dirty="0"/>
+          </a:p>
+          <a:p>
+            <a:r>
+              <a:rPr lang="es-CO" dirty="0"/>
               <a:t>El código se implementa en contenedores administrados por un proveedor de la nube. En concreto, estos contenedores son:</a:t>
             </a:r>
           </a:p>
           <a:p>
-            <a:endParaRPr lang="es-CO" dirty="0" smtClean="0"/>
+            <a:endParaRPr lang="es-CO" dirty="0"/>
           </a:p>
           <a:p>
             <a:pPr marL="171450" indent="-171450">
@@ -2044,7 +2040,7 @@
               <a:buChar char="-"/>
             </a:pPr>
             <a:r>
-              <a:rPr lang="es-CO" dirty="0" smtClean="0"/>
+              <a:rPr lang="es-CO" dirty="0"/>
               <a:t>Sin estado, lo que simplifica la integración de datos.</a:t>
             </a:r>
           </a:p>
@@ -2054,7 +2050,7 @@
               <a:buChar char="-"/>
             </a:pPr>
             <a:r>
-              <a:rPr lang="es-CO" dirty="0" smtClean="0"/>
+              <a:rPr lang="es-CO" dirty="0"/>
               <a:t>Efímeras, lo que les permite ser ejecutadas por un tiempo muy corto.</a:t>
             </a:r>
           </a:p>
@@ -2064,7 +2060,7 @@
               <a:buChar char="-"/>
             </a:pPr>
             <a:r>
-              <a:rPr lang="es-CO" dirty="0" smtClean="0"/>
+              <a:rPr lang="es-CO" dirty="0"/>
               <a:t>Activado por eventos, para que puedan ejecutarse automáticamente cuando sea necesario.</a:t>
             </a:r>
           </a:p>
@@ -2074,35 +2070,34 @@
               <a:buChar char="-"/>
             </a:pPr>
             <a:r>
-              <a:rPr lang="es-CO" dirty="0" smtClean="0"/>
+              <a:rPr lang="es-CO" dirty="0"/>
               <a:t>Totalmente administrado por un proveedor de la nube, para que solo pague por lo que necesita, no por aplicaciones y servidores siempre activos.</a:t>
             </a:r>
           </a:p>
           <a:p>
-            <a:endParaRPr lang="es-CO" dirty="0" smtClean="0"/>
-          </a:p>
-          <a:p>
-            <a:r>
-              <a:rPr lang="es-CO" dirty="0" smtClean="0"/>
+            <a:endParaRPr lang="es-CO" dirty="0"/>
+          </a:p>
+          <a:p>
+            <a:r>
+              <a:rPr lang="es-CO" dirty="0"/>
               <a:t>Con </a:t>
             </a:r>
             <a:r>
-              <a:rPr lang="es-CO" dirty="0" err="1" smtClean="0"/>
+              <a:rPr lang="es-CO" dirty="0" err="1"/>
               <a:t>FaaS</a:t>
             </a:r>
             <a:r>
-              <a:rPr lang="es-CO" dirty="0" smtClean="0"/>
+              <a:rPr lang="es-CO" dirty="0"/>
               <a:t>, los desarrolladores pueden llamar a aplicaciones sin servidor a través de API que el proveedor de </a:t>
             </a:r>
             <a:r>
-              <a:rPr lang="es-CO" dirty="0" err="1" smtClean="0"/>
+              <a:rPr lang="es-CO" dirty="0" err="1"/>
               <a:t>FaaS</a:t>
             </a:r>
             <a:r>
-              <a:rPr lang="es-CO" dirty="0" smtClean="0"/>
+              <a:rPr lang="es-CO" dirty="0"/>
               <a:t> maneja a través de una puerta de enlace API (API Gateway).</a:t>
             </a:r>
-            <a:endParaRPr lang="es-CO" dirty="0"/>
           </a:p>
         </p:txBody>
       </p:sp>
@@ -2188,19 +2183,19 @@
           <a:lstStyle/>
           <a:p>
             <a:r>
-              <a:rPr lang="es-CO" dirty="0" smtClean="0"/>
+              <a:rPr lang="es-CO" dirty="0"/>
               <a:t>https://spring</a:t>
             </a:r>
           </a:p>
           <a:p>
-            <a:endParaRPr lang="es-CO" dirty="0" smtClean="0"/>
-          </a:p>
-          <a:p>
-            <a:r>
-              <a:rPr lang="es-CO" b="1" dirty="0" err="1" smtClean="0"/>
+            <a:endParaRPr lang="es-CO" dirty="0"/>
+          </a:p>
+          <a:p>
+            <a:r>
+              <a:rPr lang="es-CO" b="1" dirty="0" err="1"/>
               <a:t>FaaS</a:t>
             </a:r>
-            <a:endParaRPr lang="es-CO" b="1" dirty="0" smtClean="0"/>
+            <a:endParaRPr lang="es-CO" b="1" dirty="0"/>
           </a:p>
           <a:p>
             <a:pPr marL="171450" indent="-171450">
@@ -2208,7 +2203,7 @@
               <a:buChar char="-"/>
             </a:pPr>
             <a:r>
-              <a:rPr lang="es-CO" dirty="0" smtClean="0"/>
+              <a:rPr lang="es-CO" dirty="0"/>
               <a:t>Ejecución dirigida por eventos.</a:t>
             </a:r>
           </a:p>
@@ -2218,15 +2213,15 @@
               <a:buChar char="-"/>
             </a:pPr>
             <a:r>
-              <a:rPr lang="es-CO" dirty="0" smtClean="0"/>
+              <a:rPr lang="es-CO" dirty="0"/>
               <a:t>Los desarrolladores delegan todas las tareas específicas del servidor a la plataforma </a:t>
             </a:r>
             <a:r>
-              <a:rPr lang="es-CO" dirty="0" err="1" smtClean="0"/>
+              <a:rPr lang="es-CO" dirty="0" err="1"/>
               <a:t>FaaS</a:t>
             </a:r>
             <a:r>
-              <a:rPr lang="es-CO" dirty="0" smtClean="0"/>
+              <a:rPr lang="es-CO" dirty="0"/>
               <a:t>.</a:t>
             </a:r>
           </a:p>
@@ -2236,29 +2231,29 @@
               <a:buChar char="-"/>
             </a:pPr>
             <a:r>
-              <a:rPr lang="es-CO" dirty="0" smtClean="0"/>
+              <a:rPr lang="es-CO" dirty="0"/>
               <a:t>Los desarrolladores solo escriben la lógica comercial que invoca la plataforma, lo que permite una evolución de requisitos más resistente a medida que cambian las necesidades comerciales..</a:t>
             </a:r>
             <a:r>
-              <a:rPr lang="es-CO" dirty="0" err="1" smtClean="0"/>
+              <a:rPr lang="es-CO" dirty="0" err="1"/>
               <a:t>io</a:t>
             </a:r>
             <a:r>
-              <a:rPr lang="es-CO" dirty="0" smtClean="0"/>
+              <a:rPr lang="es-CO" dirty="0"/>
               <a:t>/</a:t>
             </a:r>
             <a:r>
-              <a:rPr lang="es-CO" dirty="0" err="1" smtClean="0"/>
+              <a:rPr lang="es-CO" dirty="0" err="1"/>
               <a:t>serverless</a:t>
             </a:r>
-            <a:endParaRPr lang="es-CO" dirty="0" smtClean="0"/>
+            <a:endParaRPr lang="es-CO" dirty="0"/>
           </a:p>
           <a:p>
             <a:pPr marL="0" indent="0">
               <a:buFontTx/>
               <a:buNone/>
             </a:pPr>
-            <a:endParaRPr lang="es-CO" dirty="0" smtClean="0"/>
+            <a:endParaRPr lang="es-CO" dirty="0"/>
           </a:p>
           <a:p>
             <a:pPr marL="0" indent="0">
@@ -2266,7 +2261,7 @@
               <a:buNone/>
             </a:pPr>
             <a:r>
-              <a:rPr lang="es-CO" b="1" dirty="0" smtClean="0"/>
+              <a:rPr lang="es-CO" b="1" dirty="0"/>
               <a:t>Tradicional</a:t>
             </a:r>
           </a:p>
@@ -2275,7 +2270,7 @@
               <a:buFontTx/>
               <a:buNone/>
             </a:pPr>
-            <a:endParaRPr lang="es-CO" dirty="0" smtClean="0"/>
+            <a:endParaRPr lang="es-CO" dirty="0"/>
           </a:p>
           <a:p>
             <a:pPr marL="171450" indent="-171450">
@@ -2283,7 +2278,7 @@
               <a:buChar char="-"/>
             </a:pPr>
             <a:r>
-              <a:rPr lang="es-CO" dirty="0" smtClean="0"/>
+              <a:rPr lang="es-CO" dirty="0"/>
               <a:t>Debe mantener la infraestructura del servidor (instalación, configuración, aplicación de parches, actualización, etc.).</a:t>
             </a:r>
           </a:p>
@@ -2293,7 +2288,7 @@
               <a:buChar char="-"/>
             </a:pPr>
             <a:r>
-              <a:rPr lang="es-CO" dirty="0" smtClean="0"/>
+              <a:rPr lang="es-CO" dirty="0"/>
               <a:t>La infraestructura se escala de formas que pueden no ser lo suficientemente dinámicas para la carga de trabajo (desperdicio de recursos).</a:t>
             </a:r>
           </a:p>
@@ -2303,7 +2298,7 @@
               <a:buChar char="-"/>
             </a:pPr>
             <a:r>
-              <a:rPr lang="es-CO" dirty="0" smtClean="0"/>
+              <a:rPr lang="es-CO" dirty="0"/>
               <a:t>Los desarrolladores escriben código de integración para manejar plataformas de mensajería, solicitudes/respuestas HTTP, etc.</a:t>
             </a:r>
           </a:p>
@@ -2398,30 +2393,30 @@
           <a:lstStyle/>
           <a:p>
             <a:r>
-              <a:rPr lang="es-CO" dirty="0" smtClean="0"/>
+              <a:rPr lang="es-CO" dirty="0"/>
               <a:t>https://www.nubersia.com/es/blog/serverless-es/tecnologia-serverless-y-sus-ventajas/</a:t>
             </a:r>
           </a:p>
           <a:p>
-            <a:endParaRPr lang="es-CO" b="1" dirty="0" smtClean="0"/>
-          </a:p>
-          <a:p>
-            <a:r>
-              <a:rPr lang="es-CO" b="1" dirty="0" smtClean="0"/>
+            <a:endParaRPr lang="es-CO" b="1" dirty="0"/>
+          </a:p>
+          <a:p>
+            <a:r>
+              <a:rPr lang="es-CO" b="1" dirty="0"/>
               <a:t>Servicio </a:t>
             </a:r>
             <a:r>
-              <a:rPr lang="es-CO" b="1" dirty="0" err="1" smtClean="0"/>
+              <a:rPr lang="es-CO" b="1" dirty="0" err="1"/>
               <a:t>serverless</a:t>
             </a:r>
             <a:r>
-              <a:rPr lang="es-CO" b="1" dirty="0" smtClean="0"/>
+              <a:rPr lang="es-CO" b="1" dirty="0"/>
               <a:t> AWS Lambda</a:t>
             </a:r>
           </a:p>
           <a:p>
             <a:r>
-              <a:rPr lang="es-CO" sz="1200" b="0" i="0" kern="1200" dirty="0" smtClean="0">
+              <a:rPr lang="es-CO" sz="1200" b="0" i="0" kern="1200" dirty="0">
                 <a:solidFill>
                   <a:schemeClr val="tx1"/>
                 </a:solidFill>
@@ -2433,7 +2428,7 @@
               <a:t>Es el más conocido y usado del mercado. Entre las aplicaciones que puede usar están Python, </a:t>
             </a:r>
             <a:r>
-              <a:rPr lang="es-CO" sz="1200" b="0" i="0" kern="1200" dirty="0" err="1" smtClean="0">
+              <a:rPr lang="es-CO" sz="1200" b="0" i="0" kern="1200" dirty="0" err="1">
                 <a:solidFill>
                   <a:schemeClr val="tx1"/>
                 </a:solidFill>
@@ -2445,7 +2440,7 @@
               <a:t>Go</a:t>
             </a:r>
             <a:r>
-              <a:rPr lang="es-CO" sz="1200" b="0" i="0" kern="1200" dirty="0" smtClean="0">
+              <a:rPr lang="es-CO" sz="1200" b="0" i="0" kern="1200" dirty="0">
                 <a:solidFill>
                   <a:schemeClr val="tx1"/>
                 </a:solidFill>
@@ -2457,7 +2452,7 @@
               <a:t>, Java, C# o Node.js. Además, está perfectamente integrado con todos los servicios de Amazon como son </a:t>
             </a:r>
             <a:r>
-              <a:rPr lang="es-CO" sz="1200" b="0" i="0" kern="1200" dirty="0" err="1" smtClean="0">
+              <a:rPr lang="es-CO" sz="1200" b="0" i="0" kern="1200" dirty="0" err="1">
                 <a:solidFill>
                   <a:schemeClr val="tx1"/>
                 </a:solidFill>
@@ -2469,7 +2464,7 @@
               <a:t>DynamoDB</a:t>
             </a:r>
             <a:r>
-              <a:rPr lang="es-CO" sz="1200" b="0" i="0" kern="1200" dirty="0" smtClean="0">
+              <a:rPr lang="es-CO" sz="1200" b="0" i="0" kern="1200" dirty="0">
                 <a:solidFill>
                   <a:schemeClr val="tx1"/>
                 </a:solidFill>
@@ -2481,7 +2476,7 @@
               <a:t>, SNS, RDS… lo puedes </a:t>
             </a:r>
             <a:r>
-              <a:rPr lang="es-CO" sz="1200" b="0" i="0" kern="1200" dirty="0" err="1" smtClean="0">
+              <a:rPr lang="es-CO" sz="1200" b="0" i="0" kern="1200" dirty="0" err="1">
                 <a:solidFill>
                   <a:schemeClr val="tx1"/>
                 </a:solidFill>
@@ -2493,7 +2488,7 @@
               <a:t>virtualizar</a:t>
             </a:r>
             <a:r>
-              <a:rPr lang="es-CO" sz="1200" b="0" i="0" kern="1200" dirty="0" smtClean="0">
+              <a:rPr lang="es-CO" sz="1200" b="0" i="0" kern="1200" dirty="0">
                 <a:solidFill>
                   <a:schemeClr val="tx1"/>
                 </a:solidFill>
@@ -2505,7 +2500,7 @@
               <a:t> con </a:t>
             </a:r>
             <a:r>
-              <a:rPr lang="es-CO" sz="1200" b="0" i="0" kern="1200" dirty="0" err="1" smtClean="0">
+              <a:rPr lang="es-CO" sz="1200" b="0" i="0" kern="1200" dirty="0" err="1">
                 <a:solidFill>
                   <a:schemeClr val="tx1"/>
                 </a:solidFill>
@@ -2517,7 +2512,7 @@
               <a:t>CloudWatch</a:t>
             </a:r>
             <a:r>
-              <a:rPr lang="es-CO" sz="1200" b="0" i="0" kern="1200" dirty="0" smtClean="0">
+              <a:rPr lang="es-CO" sz="1200" b="0" i="0" kern="1200" dirty="0">
                 <a:solidFill>
                   <a:schemeClr val="tx1"/>
                 </a:solidFill>
@@ -2529,7 +2524,7 @@
               <a:t> y lo usan empresas tan conocidas como </a:t>
             </a:r>
             <a:r>
-              <a:rPr lang="es-CO" sz="1200" b="1" i="0" kern="1200" dirty="0" err="1" smtClean="0">
+              <a:rPr lang="es-CO" sz="1200" b="1" i="0" kern="1200" dirty="0" err="1">
                 <a:solidFill>
                   <a:schemeClr val="tx1"/>
                 </a:solidFill>
@@ -2541,7 +2536,7 @@
               <a:t>Netflix</a:t>
             </a:r>
             <a:r>
-              <a:rPr lang="es-CO" sz="1200" b="0" i="0" kern="1200" dirty="0" smtClean="0">
+              <a:rPr lang="es-CO" sz="1200" b="0" i="0" kern="1200" dirty="0">
                 <a:solidFill>
                   <a:schemeClr val="tx1"/>
                 </a:solidFill>
@@ -2555,7 +2550,7 @@
           </a:p>
           <a:p>
             <a:r>
-              <a:rPr lang="es-CO" sz="1200" b="1" i="0" kern="1200" dirty="0" err="1" smtClean="0">
+              <a:rPr lang="es-CO" sz="1200" b="1" i="0" kern="1200" dirty="0" err="1">
                 <a:solidFill>
                   <a:schemeClr val="tx1"/>
                 </a:solidFill>
@@ -2567,7 +2562,7 @@
               <a:t>Azure</a:t>
             </a:r>
             <a:r>
-              <a:rPr lang="es-CO" sz="1200" b="1" i="0" kern="1200" dirty="0" smtClean="0">
+              <a:rPr lang="es-CO" sz="1200" b="1" i="0" kern="1200" dirty="0">
                 <a:solidFill>
                   <a:schemeClr val="tx1"/>
                 </a:solidFill>
@@ -2579,7 +2574,7 @@
               <a:t> </a:t>
             </a:r>
             <a:r>
-              <a:rPr lang="es-CO" sz="1200" b="1" i="0" kern="1200" dirty="0" err="1" smtClean="0">
+              <a:rPr lang="es-CO" sz="1200" b="1" i="0" kern="1200" dirty="0" err="1">
                 <a:solidFill>
                   <a:schemeClr val="tx1"/>
                 </a:solidFill>
@@ -2590,7 +2585,7 @@
               </a:rPr>
               <a:t>Functions</a:t>
             </a:r>
-            <a:endParaRPr lang="es-CO" sz="1200" b="0" i="0" kern="1200" dirty="0" smtClean="0">
+            <a:endParaRPr lang="es-CO" sz="1200" b="0" i="0" kern="1200" dirty="0">
               <a:solidFill>
                 <a:schemeClr val="tx1"/>
               </a:solidFill>
@@ -2602,7 +2597,7 @@
           </a:p>
           <a:p>
             <a:r>
-              <a:rPr lang="es-CO" sz="1200" b="0" i="0" kern="1200" dirty="0" smtClean="0">
+              <a:rPr lang="es-CO" sz="1200" b="0" i="0" kern="1200" dirty="0">
                 <a:solidFill>
                   <a:schemeClr val="tx1"/>
                 </a:solidFill>
@@ -2614,7 +2609,7 @@
               <a:t>Está desarrollado por Microsoft desde hace dos años y puedes utilizar con él aplicaciones como </a:t>
             </a:r>
             <a:r>
-              <a:rPr lang="es-CO" sz="1200" b="0" i="0" kern="1200" dirty="0" err="1" smtClean="0">
+              <a:rPr lang="es-CO" sz="1200" b="0" i="0" kern="1200" dirty="0" err="1">
                 <a:solidFill>
                   <a:schemeClr val="tx1"/>
                 </a:solidFill>
@@ -2626,7 +2621,7 @@
               <a:t>Bash</a:t>
             </a:r>
             <a:r>
-              <a:rPr lang="es-CO" sz="1200" b="0" i="0" kern="1200" dirty="0" smtClean="0">
+              <a:rPr lang="es-CO" sz="1200" b="0" i="0" kern="1200" dirty="0">
                 <a:solidFill>
                   <a:schemeClr val="tx1"/>
                 </a:solidFill>
@@ -2638,7 +2633,7 @@
               <a:t>, </a:t>
             </a:r>
             <a:r>
-              <a:rPr lang="es-CO" sz="1200" b="0" i="0" kern="1200" dirty="0" err="1" smtClean="0">
+              <a:rPr lang="es-CO" sz="1200" b="0" i="0" kern="1200" dirty="0" err="1">
                 <a:solidFill>
                   <a:schemeClr val="tx1"/>
                 </a:solidFill>
@@ -2650,7 +2645,7 @@
               <a:t>Powershell</a:t>
             </a:r>
             <a:r>
-              <a:rPr lang="es-CO" sz="1200" b="0" i="0" kern="1200" dirty="0" smtClean="0">
+              <a:rPr lang="es-CO" sz="1200" b="0" i="0" kern="1200" dirty="0">
                 <a:solidFill>
                   <a:schemeClr val="tx1"/>
                 </a:solidFill>
@@ -2662,7 +2657,7 @@
               <a:t>, Java, Python, C#, F#, PHP o </a:t>
             </a:r>
             <a:r>
-              <a:rPr lang="es-CO" sz="1200" b="0" i="0" kern="1200" dirty="0" err="1" smtClean="0">
+              <a:rPr lang="es-CO" sz="1200" b="0" i="0" kern="1200" dirty="0" err="1">
                 <a:solidFill>
                   <a:schemeClr val="tx1"/>
                 </a:solidFill>
@@ -2674,7 +2669,7 @@
               <a:t>Batch</a:t>
             </a:r>
             <a:r>
-              <a:rPr lang="es-CO" sz="1200" b="0" i="0" kern="1200" dirty="0" smtClean="0">
+              <a:rPr lang="es-CO" sz="1200" b="0" i="0" kern="1200" dirty="0">
                 <a:solidFill>
                   <a:schemeClr val="tx1"/>
                 </a:solidFill>
@@ -2686,7 +2681,7 @@
               <a:t>. Muchos de los servicios de Microsoft de su sistema </a:t>
             </a:r>
             <a:r>
-              <a:rPr lang="es-CO" sz="1200" b="0" i="0" kern="1200" dirty="0" err="1" smtClean="0">
+              <a:rPr lang="es-CO" sz="1200" b="0" i="0" kern="1200" dirty="0" err="1">
                 <a:solidFill>
                   <a:schemeClr val="tx1"/>
                 </a:solidFill>
@@ -2698,7 +2693,7 @@
               <a:t>Azure</a:t>
             </a:r>
             <a:r>
-              <a:rPr lang="es-CO" sz="1200" b="0" i="0" kern="1200" dirty="0" smtClean="0">
+              <a:rPr lang="es-CO" sz="1200" b="0" i="0" kern="1200" dirty="0">
                 <a:solidFill>
                   <a:schemeClr val="tx1"/>
                 </a:solidFill>
@@ -2710,7 +2705,7 @@
               <a:t> se pueden usar como por ejemplo </a:t>
             </a:r>
             <a:r>
-              <a:rPr lang="es-CO" sz="1200" b="0" i="0" kern="1200" dirty="0" err="1" smtClean="0">
+              <a:rPr lang="es-CO" sz="1200" b="0" i="0" kern="1200" dirty="0" err="1">
                 <a:solidFill>
                   <a:schemeClr val="tx1"/>
                 </a:solidFill>
@@ -2722,7 +2717,7 @@
               <a:t>Cortana</a:t>
             </a:r>
             <a:r>
-              <a:rPr lang="es-CO" sz="1200" b="0" i="0" kern="1200" dirty="0" smtClean="0">
+              <a:rPr lang="es-CO" sz="1200" b="0" i="0" kern="1200" dirty="0">
                 <a:solidFill>
                   <a:schemeClr val="tx1"/>
                 </a:solidFill>
@@ -2736,7 +2731,7 @@
           </a:p>
           <a:p>
             <a:r>
-              <a:rPr lang="es-CO" sz="1200" b="1" i="0" kern="1200" dirty="0" smtClean="0">
+              <a:rPr lang="es-CO" sz="1200" b="1" i="0" kern="1200" dirty="0">
                 <a:solidFill>
                   <a:schemeClr val="tx1"/>
                 </a:solidFill>
@@ -2748,7 +2743,7 @@
               <a:t>Google Cloud </a:t>
             </a:r>
             <a:r>
-              <a:rPr lang="es-CO" sz="1200" b="1" i="0" kern="1200" dirty="0" err="1" smtClean="0">
+              <a:rPr lang="es-CO" sz="1200" b="1" i="0" kern="1200" dirty="0" err="1">
                 <a:solidFill>
                   <a:schemeClr val="tx1"/>
                 </a:solidFill>
@@ -2759,7 +2754,7 @@
               </a:rPr>
               <a:t>Functions</a:t>
             </a:r>
-            <a:endParaRPr lang="es-CO" sz="1200" b="0" i="0" kern="1200" dirty="0" smtClean="0">
+            <a:endParaRPr lang="es-CO" sz="1200" b="0" i="0" kern="1200" dirty="0">
               <a:solidFill>
                 <a:schemeClr val="tx1"/>
               </a:solidFill>
@@ -2771,7 +2766,7 @@
           </a:p>
           <a:p>
             <a:r>
-              <a:rPr lang="es-CO" sz="1200" b="0" i="0" kern="1200" dirty="0" smtClean="0">
+              <a:rPr lang="es-CO" sz="1200" b="0" i="0" kern="1200" dirty="0">
                 <a:solidFill>
                   <a:schemeClr val="tx1"/>
                 </a:solidFill>
@@ -2783,7 +2778,7 @@
               <a:t>Lo puedes encontrar en la plataforma de Google y solo se puede usar con el código </a:t>
             </a:r>
             <a:r>
-              <a:rPr lang="es-CO" sz="1200" b="0" i="0" kern="1200" dirty="0" err="1" smtClean="0">
+              <a:rPr lang="es-CO" sz="1200" b="0" i="0" kern="1200" dirty="0" err="1">
                 <a:solidFill>
                   <a:schemeClr val="tx1"/>
                 </a:solidFill>
@@ -2795,7 +2790,7 @@
               <a:t>Javascript</a:t>
             </a:r>
             <a:r>
-              <a:rPr lang="es-CO" sz="1200" b="0" i="0" kern="1200" dirty="0" smtClean="0">
+              <a:rPr lang="es-CO" sz="1200" b="0" i="0" kern="1200" dirty="0">
                 <a:solidFill>
                   <a:schemeClr val="tx1"/>
                 </a:solidFill>
@@ -2807,7 +2802,7 @@
               <a:t> para ejecutarse en un entorno Node.js. Se integra con el resto de servicios de la compañía como son </a:t>
             </a:r>
             <a:r>
-              <a:rPr lang="es-CO" sz="1200" b="0" i="0" kern="1200" dirty="0" err="1" smtClean="0">
+              <a:rPr lang="es-CO" sz="1200" b="0" i="0" kern="1200" dirty="0" err="1">
                 <a:solidFill>
                   <a:schemeClr val="tx1"/>
                 </a:solidFill>
@@ -2819,7 +2814,7 @@
               <a:t>Firebase</a:t>
             </a:r>
             <a:r>
-              <a:rPr lang="es-CO" sz="1200" b="0" i="0" kern="1200" dirty="0" smtClean="0">
+              <a:rPr lang="es-CO" sz="1200" b="0" i="0" kern="1200" dirty="0">
                 <a:solidFill>
                   <a:schemeClr val="tx1"/>
                 </a:solidFill>
@@ -2831,7 +2826,7 @@
               <a:t>, Pub/Sub, Storage o </a:t>
             </a:r>
             <a:r>
-              <a:rPr lang="es-CO" sz="1200" b="0" i="0" kern="1200" dirty="0" err="1" smtClean="0">
+              <a:rPr lang="es-CO" sz="1200" b="0" i="0" kern="1200" dirty="0" err="1">
                 <a:solidFill>
                   <a:schemeClr val="tx1"/>
                 </a:solidFill>
@@ -2843,7 +2838,7 @@
               <a:t>Spanner</a:t>
             </a:r>
             <a:r>
-              <a:rPr lang="es-CO" sz="1200" b="0" i="0" kern="1200" dirty="0" smtClean="0">
+              <a:rPr lang="es-CO" sz="1200" b="0" i="0" kern="1200" dirty="0">
                 <a:solidFill>
                   <a:schemeClr val="tx1"/>
                 </a:solidFill>
@@ -2855,7 +2850,7 @@
               <a:t>. Lo puedes monitorizar con </a:t>
             </a:r>
             <a:r>
-              <a:rPr lang="es-CO" sz="1200" b="0" i="0" kern="1200" dirty="0" err="1" smtClean="0">
+              <a:rPr lang="es-CO" sz="1200" b="0" i="0" kern="1200" dirty="0" err="1">
                 <a:solidFill>
                   <a:schemeClr val="tx1"/>
                 </a:solidFill>
@@ -2867,7 +2862,7 @@
               <a:t>Stackdriver</a:t>
             </a:r>
             <a:r>
-              <a:rPr lang="es-CO" sz="1200" b="0" i="0" kern="1200" dirty="0" smtClean="0">
+              <a:rPr lang="es-CO" sz="1200" b="0" i="0" kern="1200" dirty="0">
                 <a:solidFill>
                   <a:schemeClr val="tx1"/>
                 </a:solidFill>
@@ -3038,7 +3033,7 @@
           </a:lstStyle>
           <a:p>
             <a:r>
-              <a:rPr lang="en-US" smtClean="0"/>
+              <a:rPr lang="en-US"/>
               <a:t>Click to edit Master title style</a:t>
             </a:r>
             <a:endParaRPr lang="es-CO"/>
@@ -3157,7 +3152,7 @@
           </a:lstStyle>
           <a:p>
             <a:r>
-              <a:rPr lang="en-US" smtClean="0"/>
+              <a:rPr lang="en-US"/>
               <a:t>Click to edit Master subtitle style</a:t>
             </a:r>
             <a:endParaRPr lang="es-CO"/>
@@ -3182,7 +3177,7 @@
             <a:fld id="{42C1F1CB-57C8-46CD-A207-903DDF210919}" type="datetimeFigureOut">
               <a:rPr lang="es-CO" smtClean="0"/>
               <a:pPr/>
-              <a:t>1/04/2022</a:t>
+              <a:t>24/05/2025</a:t>
             </a:fld>
             <a:endParaRPr lang="es-CO" dirty="0"/>
           </a:p>
@@ -3356,7 +3351,7 @@
           </a:lstStyle>
           <a:p>
             <a:r>
-              <a:rPr lang="en-US" smtClean="0"/>
+              <a:rPr lang="en-US"/>
               <a:t>Click to edit Master title style</a:t>
             </a:r>
             <a:endParaRPr lang="es-CO"/>
@@ -3475,7 +3470,7 @@
           </a:lstStyle>
           <a:p>
             <a:r>
-              <a:rPr lang="en-US" smtClean="0"/>
+              <a:rPr lang="en-US"/>
               <a:t>Click to edit Master subtitle style</a:t>
             </a:r>
             <a:endParaRPr lang="es-CO"/>
@@ -3500,7 +3495,7 @@
             <a:fld id="{42C1F1CB-57C8-46CD-A207-903DDF210919}" type="datetimeFigureOut">
               <a:rPr lang="es-CO" smtClean="0"/>
               <a:pPr/>
-              <a:t>1/04/2022</a:t>
+              <a:t>24/05/2025</a:t>
             </a:fld>
             <a:endParaRPr lang="es-CO" dirty="0"/>
           </a:p>
@@ -3659,7 +3654,7 @@
           <a:lstStyle/>
           <a:p>
             <a:r>
-              <a:rPr lang="en-US" smtClean="0"/>
+              <a:rPr lang="en-US"/>
               <a:t>Click to edit Master title style</a:t>
             </a:r>
             <a:endParaRPr lang="es-CO"/>
@@ -3694,35 +3689,35 @@
           <a:p>
             <a:pPr lvl="0"/>
             <a:r>
-              <a:rPr lang="en-US" smtClean="0"/>
+              <a:rPr lang="en-US"/>
               <a:t>Click to edit Master text styles</a:t>
             </a:r>
           </a:p>
           <a:p>
             <a:pPr lvl="1"/>
             <a:r>
-              <a:rPr lang="en-US" smtClean="0"/>
+              <a:rPr lang="en-US"/>
               <a:t>Second level</a:t>
             </a:r>
           </a:p>
           <a:p>
             <a:pPr lvl="2"/>
             <a:r>
-              <a:rPr lang="en-US" smtClean="0"/>
+              <a:rPr lang="en-US"/>
               <a:t>Third level</a:t>
             </a:r>
           </a:p>
           <a:p>
             <a:pPr lvl="3"/>
             <a:r>
-              <a:rPr lang="en-US" smtClean="0"/>
+              <a:rPr lang="en-US"/>
               <a:t>Fourth level</a:t>
             </a:r>
           </a:p>
           <a:p>
             <a:pPr lvl="4"/>
             <a:r>
-              <a:rPr lang="en-US" smtClean="0"/>
+              <a:rPr lang="en-US"/>
               <a:t>Fifth level</a:t>
             </a:r>
             <a:endParaRPr lang="es-CO" dirty="0"/>
@@ -3747,7 +3742,7 @@
             <a:fld id="{42C1F1CB-57C8-46CD-A207-903DDF210919}" type="datetimeFigureOut">
               <a:rPr lang="es-CO" smtClean="0"/>
               <a:pPr/>
-              <a:t>1/04/2022</a:t>
+              <a:t>24/05/2025</a:t>
             </a:fld>
             <a:endParaRPr lang="es-CO" dirty="0"/>
           </a:p>
@@ -3906,7 +3901,7 @@
           <a:lstStyle/>
           <a:p>
             <a:r>
-              <a:rPr lang="en-US" smtClean="0"/>
+              <a:rPr lang="en-US"/>
               <a:t>Click to edit Master title style</a:t>
             </a:r>
             <a:endParaRPr lang="es-CO"/>
@@ -3935,35 +3930,35 @@
           <a:p>
             <a:pPr lvl="0"/>
             <a:r>
-              <a:rPr lang="en-US" smtClean="0"/>
+              <a:rPr lang="en-US"/>
               <a:t>Click to edit Master text styles</a:t>
             </a:r>
           </a:p>
           <a:p>
             <a:pPr lvl="1"/>
             <a:r>
-              <a:rPr lang="en-US" smtClean="0"/>
+              <a:rPr lang="en-US"/>
               <a:t>Second level</a:t>
             </a:r>
           </a:p>
           <a:p>
             <a:pPr lvl="2"/>
             <a:r>
-              <a:rPr lang="en-US" smtClean="0"/>
+              <a:rPr lang="en-US"/>
               <a:t>Third level</a:t>
             </a:r>
           </a:p>
           <a:p>
             <a:pPr lvl="3"/>
             <a:r>
-              <a:rPr lang="en-US" smtClean="0"/>
+              <a:rPr lang="en-US"/>
               <a:t>Fourth level</a:t>
             </a:r>
           </a:p>
           <a:p>
             <a:pPr lvl="4"/>
             <a:r>
-              <a:rPr lang="en-US" smtClean="0"/>
+              <a:rPr lang="en-US"/>
               <a:t>Fifth level</a:t>
             </a:r>
             <a:endParaRPr lang="es-CO"/>
@@ -3988,7 +3983,7 @@
             <a:fld id="{42C1F1CB-57C8-46CD-A207-903DDF210919}" type="datetimeFigureOut">
               <a:rPr lang="es-CO" smtClean="0"/>
               <a:pPr/>
-              <a:t>1/04/2022</a:t>
+              <a:t>24/05/2025</a:t>
             </a:fld>
             <a:endParaRPr lang="es-CO" dirty="0"/>
           </a:p>
@@ -4147,7 +4142,7 @@
           <a:lstStyle/>
           <a:p>
             <a:r>
-              <a:rPr lang="en-US" smtClean="0"/>
+              <a:rPr lang="en-US"/>
               <a:t>Click to edit Master title style</a:t>
             </a:r>
             <a:endParaRPr lang="es-CO"/>
@@ -4176,35 +4171,35 @@
           <a:p>
             <a:pPr lvl="0"/>
             <a:r>
-              <a:rPr lang="en-US" smtClean="0"/>
+              <a:rPr lang="en-US"/>
               <a:t>Click to edit Master text styles</a:t>
             </a:r>
           </a:p>
           <a:p>
             <a:pPr lvl="1"/>
             <a:r>
-              <a:rPr lang="en-US" smtClean="0"/>
+              <a:rPr lang="en-US"/>
               <a:t>Second level</a:t>
             </a:r>
           </a:p>
           <a:p>
             <a:pPr lvl="2"/>
             <a:r>
-              <a:rPr lang="en-US" smtClean="0"/>
+              <a:rPr lang="en-US"/>
               <a:t>Third level</a:t>
             </a:r>
           </a:p>
           <a:p>
             <a:pPr lvl="3"/>
             <a:r>
-              <a:rPr lang="en-US" smtClean="0"/>
+              <a:rPr lang="en-US"/>
               <a:t>Fourth level</a:t>
             </a:r>
           </a:p>
           <a:p>
             <a:pPr lvl="4"/>
             <a:r>
-              <a:rPr lang="en-US" smtClean="0"/>
+              <a:rPr lang="en-US"/>
               <a:t>Fifth level</a:t>
             </a:r>
             <a:endParaRPr lang="es-CO"/>
@@ -4229,7 +4224,7 @@
             <a:fld id="{42C1F1CB-57C8-46CD-A207-903DDF210919}" type="datetimeFigureOut">
               <a:rPr lang="es-CO" smtClean="0"/>
               <a:pPr/>
-              <a:t>1/04/2022</a:t>
+              <a:t>24/05/2025</a:t>
             </a:fld>
             <a:endParaRPr lang="es-CO" dirty="0"/>
           </a:p>
@@ -4398,7 +4393,7 @@
           <a:lstStyle/>
           <a:p>
             <a:r>
-              <a:rPr lang="en-US" smtClean="0"/>
+              <a:rPr lang="en-US"/>
               <a:t>Click to edit Master title style</a:t>
             </a:r>
             <a:endParaRPr lang="es-CO"/>
@@ -4432,35 +4427,35 @@
           <a:p>
             <a:pPr lvl="0"/>
             <a:r>
-              <a:rPr lang="en-US" smtClean="0"/>
+              <a:rPr lang="en-US"/>
               <a:t>Click to edit Master text styles</a:t>
             </a:r>
           </a:p>
           <a:p>
             <a:pPr lvl="1"/>
             <a:r>
-              <a:rPr lang="en-US" smtClean="0"/>
+              <a:rPr lang="en-US"/>
               <a:t>Second level</a:t>
             </a:r>
           </a:p>
           <a:p>
             <a:pPr lvl="2"/>
             <a:r>
-              <a:rPr lang="en-US" smtClean="0"/>
+              <a:rPr lang="en-US"/>
               <a:t>Third level</a:t>
             </a:r>
           </a:p>
           <a:p>
             <a:pPr lvl="3"/>
             <a:r>
-              <a:rPr lang="en-US" smtClean="0"/>
+              <a:rPr lang="en-US"/>
               <a:t>Fourth level</a:t>
             </a:r>
           </a:p>
           <a:p>
             <a:pPr lvl="4"/>
             <a:r>
-              <a:rPr lang="en-US" smtClean="0"/>
+              <a:rPr lang="en-US"/>
               <a:t>Fifth level</a:t>
             </a:r>
             <a:endParaRPr lang="es-CO" dirty="0"/>
@@ -4503,7 +4498,7 @@
             <a:fld id="{42C1F1CB-57C8-46CD-A207-903DDF210919}" type="datetimeFigureOut">
               <a:rPr lang="es-CO" smtClean="0"/>
               <a:pPr/>
-              <a:t>1/04/2022</a:t>
+              <a:t>24/05/2025</a:t>
             </a:fld>
             <a:endParaRPr lang="es-CO" dirty="0"/>
           </a:p>
@@ -4906,11 +4901,11 @@
           <a:lstStyle/>
           <a:p>
             <a:r>
-              <a:rPr lang="es-CO" dirty="0" err="1" smtClean="0"/>
+              <a:rPr lang="es-CO" dirty="0" err="1"/>
               <a:t>Serverless</a:t>
             </a:r>
             <a:r>
-              <a:rPr lang="es-CO" dirty="0" smtClean="0"/>
+              <a:rPr lang="es-CO" dirty="0"/>
               <a:t> Computing</a:t>
             </a:r>
           </a:p>
@@ -4940,7 +4935,7 @@
           <a:lstStyle/>
           <a:p>
             <a:r>
-              <a:rPr lang="es-CO" sz="8000" dirty="0" err="1" smtClean="0"/>
+              <a:rPr lang="es-CO" sz="8000" dirty="0" err="1"/>
               <a:t>Serverless</a:t>
             </a:r>
             <a:endParaRPr lang="es-CO" sz="8000" dirty="0"/>
@@ -4970,10 +4965,9 @@
           <a:lstStyle/>
           <a:p>
             <a:r>
-              <a:rPr lang="es-CO" dirty="0" smtClean="0"/>
+              <a:rPr lang="es-CO" dirty="0"/>
               <a:t>Julio Cesar Robles Uribe</a:t>
             </a:r>
-            <a:endParaRPr lang="es-CO" dirty="0"/>
           </a:p>
         </p:txBody>
       </p:sp>
@@ -5000,18 +4994,13 @@
           <a:lstStyle/>
           <a:p>
             <a:r>
-              <a:rPr lang="es-CO" sz="1400" dirty="0" smtClean="0">
+              <a:rPr lang="es-CO" sz="1400" dirty="0">
                 <a:solidFill>
                   <a:srgbClr val="0070C0"/>
                 </a:solidFill>
               </a:rPr>
               <a:t>Arquitecto de Soluciones</a:t>
             </a:r>
-            <a:endParaRPr lang="es-CO" sz="1400" dirty="0">
-              <a:solidFill>
-                <a:srgbClr val="0070C0"/>
-              </a:solidFill>
-            </a:endParaRPr>
           </a:p>
         </p:txBody>
       </p:sp>
@@ -5050,13 +5039,6 @@
   <p:clrMapOvr>
     <a:masterClrMapping/>
   </p:clrMapOvr>
-  <p:timing>
-    <p:tnLst>
-      <p:par>
-        <p:cTn id="1" dur="indefinite" restart="never" nodeType="tmRoot"/>
-      </p:par>
-    </p:tnLst>
-  </p:timing>
 </p:sld>
 </file>
 
@@ -5093,14 +5075,13 @@
           <a:lstStyle/>
           <a:p>
             <a:r>
-              <a:rPr lang="es-CO" dirty="0" err="1" smtClean="0"/>
+              <a:rPr lang="es-CO" dirty="0" err="1"/>
               <a:t>Quiz</a:t>
             </a:r>
             <a:r>
-              <a:rPr lang="es-CO" dirty="0" smtClean="0"/>
+              <a:rPr lang="es-CO" dirty="0"/>
               <a:t> – Verdadero o Falso</a:t>
             </a:r>
-            <a:endParaRPr lang="es-CO" dirty="0"/>
           </a:p>
         </p:txBody>
       </p:sp>
@@ -5128,43 +5109,34 @@
           <a:p>
             <a:r>
               <a:rPr lang="es-CO" sz="2000" dirty="0"/>
-              <a:t>Una arquitectura sin servidor ayuda a las empresas a escribir e implementar código sin preocuparse en absoluto por la </a:t>
-            </a:r>
-            <a:r>
-              <a:rPr lang="es-CO" sz="2000" dirty="0" smtClean="0"/>
-              <a:t>infraestructura.</a:t>
+              <a:t>Una arquitectura sin servidor ayuda a las empresas a escribir e implementar código sin preocuparse en absoluto por la infraestructura.</a:t>
             </a:r>
           </a:p>
           <a:p>
             <a:pPr lvl="1"/>
             <a:r>
-              <a:rPr lang="es-CO" sz="1600" b="1" dirty="0" smtClean="0">
+              <a:rPr lang="es-CO" sz="1600" b="1" dirty="0">
                 <a:solidFill>
                   <a:srgbClr val="00B050"/>
                 </a:solidFill>
               </a:rPr>
               <a:t>Verdadero</a:t>
             </a:r>
-            <a:endParaRPr lang="es-CO" sz="1600" b="1" dirty="0">
-              <a:solidFill>
-                <a:srgbClr val="00B050"/>
-              </a:solidFill>
-            </a:endParaRPr>
-          </a:p>
-          <a:p>
-            <a:r>
-              <a:rPr lang="es-CO" sz="2000" dirty="0" err="1" smtClean="0"/>
+          </a:p>
+          <a:p>
+            <a:r>
+              <a:rPr lang="es-CO" sz="2000" dirty="0" err="1"/>
               <a:t>Serverless</a:t>
             </a:r>
             <a:r>
-              <a:rPr lang="es-CO" sz="2000" dirty="0" smtClean="0"/>
+              <a:rPr lang="es-CO" sz="2000" dirty="0"/>
               <a:t> es la mejor forma de simplificar código, convirtiéndose en la bala mágica de los desarrolladores</a:t>
             </a:r>
           </a:p>
           <a:p>
             <a:pPr lvl="1"/>
             <a:r>
-              <a:rPr lang="es-CO" sz="1600" b="1" dirty="0" smtClean="0">
+              <a:rPr lang="es-CO" sz="1600" b="1" dirty="0">
                 <a:solidFill>
                   <a:srgbClr val="FF0000"/>
                 </a:solidFill>
@@ -5174,22 +5146,22 @@
           </a:p>
           <a:p>
             <a:r>
-              <a:rPr lang="es-CO" sz="2000" dirty="0" smtClean="0"/>
+              <a:rPr lang="es-CO" sz="2000" dirty="0"/>
               <a:t>Con </a:t>
             </a:r>
             <a:r>
-              <a:rPr lang="es-CO" sz="2000" dirty="0" err="1" smtClean="0"/>
+              <a:rPr lang="es-CO" sz="2000" dirty="0" err="1"/>
               <a:t>Serverless</a:t>
             </a:r>
             <a:r>
-              <a:rPr lang="es-CO" sz="2000" dirty="0" smtClean="0"/>
+              <a:rPr lang="es-CO" sz="2000" dirty="0"/>
               <a:t>, los desarrolladores solo se deben preocupar por las políticas de escalamiento y no por el código.</a:t>
             </a:r>
           </a:p>
           <a:p>
             <a:pPr lvl="1"/>
             <a:r>
-              <a:rPr lang="es-CO" sz="1600" b="1" dirty="0" smtClean="0">
+              <a:rPr lang="es-CO" sz="1600" b="1" dirty="0">
                 <a:solidFill>
                   <a:srgbClr val="FF0000"/>
                 </a:solidFill>
@@ -5199,18 +5171,18 @@
           </a:p>
           <a:p>
             <a:r>
-              <a:rPr lang="es-CO" sz="2000" dirty="0" err="1" smtClean="0"/>
+              <a:rPr lang="es-CO" sz="2000" dirty="0" err="1"/>
               <a:t>Serverless</a:t>
             </a:r>
             <a:r>
-              <a:rPr lang="es-CO" sz="2000" dirty="0" smtClean="0"/>
+              <a:rPr lang="es-CO" sz="2000" dirty="0"/>
               <a:t> permite ejecutar funciones más rápidamente que otros métodos.</a:t>
             </a:r>
           </a:p>
           <a:p>
             <a:pPr lvl="1"/>
             <a:r>
-              <a:rPr lang="es-CO" sz="1600" b="1" dirty="0" smtClean="0">
+              <a:rPr lang="es-CO" sz="1600" b="1" dirty="0">
                 <a:solidFill>
                   <a:srgbClr val="FF0000"/>
                 </a:solidFill>
@@ -5220,28 +5192,16 @@
           </a:p>
           <a:p>
             <a:r>
-              <a:rPr lang="es-CO" sz="2000" dirty="0" err="1" smtClean="0"/>
+              <a:rPr lang="es-CO" sz="2000" dirty="0" err="1"/>
               <a:t>FaaS</a:t>
             </a:r>
             <a:r>
-              <a:rPr lang="es-CO" sz="2000" dirty="0" smtClean="0"/>
-              <a:t> </a:t>
-            </a:r>
-            <a:r>
               <a:rPr lang="es-CO" sz="2000" dirty="0"/>
-              <a:t>ofrece un mayor grado de control a los desarrolladores, </a:t>
-            </a:r>
-            <a:r>
-              <a:rPr lang="es-CO" sz="2000" dirty="0" smtClean="0"/>
-              <a:t>porque no dependen </a:t>
-            </a:r>
-            <a:r>
-              <a:rPr lang="es-CO" sz="2000" dirty="0"/>
-              <a:t>de una biblioteca de servicios </a:t>
+              <a:t> ofrece un mayor grado de control a los desarrolladores, porque no dependen de una biblioteca de servicios </a:t>
             </a:r>
             <a:r>
               <a:rPr lang="es-CO" sz="2000" dirty="0" err="1"/>
-              <a:t>preescritos</a:t>
+              <a:t>pre-escritos</a:t>
             </a:r>
             <a:r>
               <a:rPr lang="es-CO" sz="2000" dirty="0"/>
@@ -5251,18 +5211,13 @@
           <a:p>
             <a:pPr lvl="1"/>
             <a:r>
-              <a:rPr lang="es-CO" sz="1600" b="1" dirty="0" smtClean="0">
+              <a:rPr lang="es-CO" sz="1600" b="1" dirty="0">
                 <a:solidFill>
                   <a:srgbClr val="00B050"/>
                 </a:solidFill>
               </a:rPr>
               <a:t>Verdadero</a:t>
             </a:r>
-            <a:endParaRPr lang="es-CO" sz="1600" b="1" dirty="0">
-              <a:solidFill>
-                <a:srgbClr val="00B050"/>
-              </a:solidFill>
-            </a:endParaRPr>
           </a:p>
         </p:txBody>
       </p:sp>
@@ -5833,10 +5788,9 @@
           <a:p>
             <a:pPr algn="ctr"/>
             <a:r>
-              <a:rPr lang="es-CO" dirty="0" smtClean="0"/>
+              <a:rPr lang="es-CO" dirty="0"/>
               <a:t>Preguntas?</a:t>
             </a:r>
-            <a:endParaRPr lang="es-CO" dirty="0"/>
           </a:p>
         </p:txBody>
       </p:sp>
@@ -5871,13 +5825,6 @@
   <p:clrMapOvr>
     <a:masterClrMapping/>
   </p:clrMapOvr>
-  <p:timing>
-    <p:tnLst>
-      <p:par>
-        <p:cTn id="1" dur="indefinite" restart="never" nodeType="tmRoot"/>
-      </p:par>
-    </p:tnLst>
-  </p:timing>
 </p:sld>
 </file>
 
@@ -5936,7 +5883,7 @@
           <a:p>
             <a:pPr algn="ctr"/>
             <a:r>
-              <a:rPr lang="en-US" sz="6600" b="1" cap="all" dirty="0" smtClean="0">
+              <a:rPr lang="en-US" sz="6600" b="1" cap="all" dirty="0">
                 <a:ln w="0"/>
                 <a:solidFill>
                   <a:srgbClr val="0066CC">
@@ -5950,18 +5897,6 @@
               </a:rPr>
               <a:t>Gracias!!!</a:t>
             </a:r>
-            <a:endParaRPr lang="en-US" sz="6600" b="1" cap="all" dirty="0">
-              <a:ln w="0"/>
-              <a:solidFill>
-                <a:srgbClr val="0066CC">
-                  <a:alpha val="74000"/>
-                </a:srgbClr>
-              </a:solidFill>
-              <a:effectLst>
-                <a:reflection blurRad="12700" stA="50000" endPos="50000" dist="5000" dir="5400000" sy="-100000" rotWithShape="0"/>
-              </a:effectLst>
-              <a:latin typeface="Berlin Sans FB Demi" pitchFamily="34" charset="0"/>
-            </a:endParaRPr>
           </a:p>
         </p:txBody>
       </p:sp>
@@ -5970,13 +5905,6 @@
   <p:clrMapOvr>
     <a:masterClrMapping/>
   </p:clrMapOvr>
-  <p:timing>
-    <p:tnLst>
-      <p:par>
-        <p:cTn id="1" dur="indefinite" restart="never" nodeType="tmRoot"/>
-      </p:par>
-    </p:tnLst>
-  </p:timing>
 </p:sld>
 </file>
 
@@ -6013,18 +5941,17 @@
           <a:lstStyle/>
           <a:p>
             <a:r>
-              <a:rPr lang="es-CO" dirty="0" smtClean="0"/>
+              <a:rPr lang="es-CO" dirty="0"/>
               <a:t>Qué es </a:t>
             </a:r>
             <a:r>
-              <a:rPr lang="es-CO" dirty="0" err="1" smtClean="0"/>
+              <a:rPr lang="es-CO" dirty="0" err="1"/>
               <a:t>Serverless</a:t>
             </a:r>
             <a:r>
-              <a:rPr lang="es-CO" dirty="0" smtClean="0"/>
+              <a:rPr lang="es-CO" dirty="0"/>
               <a:t> Computing?</a:t>
             </a:r>
-            <a:endParaRPr lang="es-CO" dirty="0"/>
           </a:p>
         </p:txBody>
       </p:sp>
@@ -6050,15 +5977,7 @@
             </a:r>
             <a:r>
               <a:rPr lang="es-CO" dirty="0"/>
-              <a:t> es un modelo de ejecución de computación en la nube en el que el proveedor </a:t>
-            </a:r>
-            <a:r>
-              <a:rPr lang="es-CO" dirty="0" smtClean="0"/>
-              <a:t>administra </a:t>
-            </a:r>
-            <a:r>
-              <a:rPr lang="es-CO" dirty="0"/>
-              <a:t>dinámicamente la asignación y el aprovisionamiento de servidores.</a:t>
+              <a:t> es un modelo de ejecución de computación en la nube en el que el proveedor administra dinámicamente la asignación y el aprovisionamiento de servidores.</a:t>
             </a:r>
           </a:p>
         </p:txBody>
@@ -6114,13 +6033,6 @@
   <p:clrMapOvr>
     <a:masterClrMapping/>
   </p:clrMapOvr>
-  <p:timing>
-    <p:tnLst>
-      <p:par>
-        <p:cTn id="1" dur="indefinite" restart="never" nodeType="tmRoot"/>
-      </p:par>
-    </p:tnLst>
-  </p:timing>
 </p:sld>
 </file>
 
@@ -6157,18 +6069,17 @@
           <a:lstStyle/>
           <a:p>
             <a:r>
-              <a:rPr lang="es-CO" dirty="0" smtClean="0"/>
+              <a:rPr lang="es-CO" dirty="0"/>
               <a:t>Por que usar </a:t>
             </a:r>
             <a:r>
-              <a:rPr lang="es-CO" dirty="0" err="1" smtClean="0"/>
+              <a:rPr lang="es-CO" dirty="0" err="1"/>
               <a:t>Serverless</a:t>
             </a:r>
             <a:r>
-              <a:rPr lang="es-CO" dirty="0" smtClean="0"/>
+              <a:rPr lang="es-CO" dirty="0"/>
               <a:t>?</a:t>
             </a:r>
-            <a:endParaRPr lang="es-CO" dirty="0"/>
           </a:p>
         </p:txBody>
       </p:sp>
@@ -6189,21 +6100,13 @@
           <a:p>
             <a:r>
               <a:rPr lang="es-CO" dirty="0"/>
-              <a:t>La computación sin servidor puede simplificar el proceso de implementación de código en producción</a:t>
-            </a:r>
-            <a:r>
-              <a:rPr lang="es-CO" dirty="0" smtClean="0"/>
-              <a:t>.</a:t>
-            </a:r>
-          </a:p>
-          <a:p>
-            <a:r>
-              <a:rPr lang="es-CO" dirty="0" smtClean="0"/>
-              <a:t>Solo </a:t>
-            </a:r>
-            <a:r>
-              <a:rPr lang="es-CO" dirty="0"/>
-              <a:t>se le facturan los recursos utilizados durante la ejecución de esas funciones.</a:t>
+              <a:t>La computación sin servidor puede simplificar el proceso de implementación de código en producción.</a:t>
+            </a:r>
+          </a:p>
+          <a:p>
+            <a:r>
+              <a:rPr lang="es-CO" dirty="0"/>
+              <a:t>Solo se le facturan los recursos utilizados durante la ejecución de esas funciones.</a:t>
             </a:r>
           </a:p>
         </p:txBody>
@@ -6259,13 +6162,6 @@
   <p:clrMapOvr>
     <a:masterClrMapping/>
   </p:clrMapOvr>
-  <p:timing>
-    <p:tnLst>
-      <p:par>
-        <p:cTn id="1" dur="indefinite" restart="never" nodeType="tmRoot"/>
-      </p:par>
-    </p:tnLst>
-  </p:timing>
 </p:sld>
 </file>
 
@@ -6302,11 +6198,11 @@
           <a:lstStyle/>
           <a:p>
             <a:r>
-              <a:rPr lang="es-CO" dirty="0" smtClean="0"/>
+              <a:rPr lang="es-CO" dirty="0"/>
               <a:t>Ventajas de </a:t>
             </a:r>
             <a:r>
-              <a:rPr lang="es-CO" dirty="0" err="1" smtClean="0"/>
+              <a:rPr lang="es-CO" dirty="0" err="1"/>
               <a:t>Serverless</a:t>
             </a:r>
             <a:endParaRPr lang="es-CO" dirty="0"/>
@@ -6329,37 +6225,37 @@
           <a:lstStyle/>
           <a:p>
             <a:r>
-              <a:rPr lang="es-CO" dirty="0" smtClean="0"/>
+              <a:rPr lang="es-CO" dirty="0"/>
               <a:t>Bajos Costos</a:t>
             </a:r>
           </a:p>
           <a:p>
             <a:r>
-              <a:rPr lang="es-CO" dirty="0" smtClean="0"/>
+              <a:rPr lang="es-CO" dirty="0"/>
               <a:t>Sin Administración</a:t>
             </a:r>
           </a:p>
           <a:p>
             <a:r>
-              <a:rPr lang="es-CO" dirty="0" smtClean="0"/>
+              <a:rPr lang="es-CO" dirty="0"/>
               <a:t>Escalabilidad Simplificada</a:t>
             </a:r>
           </a:p>
           <a:p>
             <a:r>
-              <a:rPr lang="es-CO" dirty="0" smtClean="0"/>
+              <a:rPr lang="es-CO" dirty="0"/>
               <a:t>Actualizaciones rápidas</a:t>
             </a:r>
           </a:p>
           <a:p>
             <a:r>
-              <a:rPr lang="es-CO" dirty="0" smtClean="0"/>
+              <a:rPr lang="es-CO" dirty="0"/>
               <a:t>Código Simplificado</a:t>
             </a:r>
           </a:p>
           <a:p>
             <a:r>
-              <a:rPr lang="es-CO" dirty="0" smtClean="0"/>
+              <a:rPr lang="es-CO" dirty="0"/>
               <a:t>Entrega más rápida</a:t>
             </a:r>
           </a:p>
@@ -6408,13 +6304,6 @@
   <p:clrMapOvr>
     <a:masterClrMapping/>
   </p:clrMapOvr>
-  <p:timing>
-    <p:tnLst>
-      <p:par>
-        <p:cTn id="1" dur="indefinite" restart="never" nodeType="tmRoot"/>
-      </p:par>
-    </p:tnLst>
-  </p:timing>
 </p:sld>
 </file>
 
@@ -6451,11 +6340,11 @@
           <a:lstStyle/>
           <a:p>
             <a:r>
-              <a:rPr lang="es-CO" dirty="0" smtClean="0"/>
+              <a:rPr lang="es-CO" dirty="0"/>
               <a:t>Desventajas de usar </a:t>
             </a:r>
             <a:r>
-              <a:rPr lang="es-CO" dirty="0" err="1" smtClean="0"/>
+              <a:rPr lang="es-CO" dirty="0" err="1"/>
               <a:t>Serverless</a:t>
             </a:r>
             <a:endParaRPr lang="es-CO" dirty="0"/>
@@ -6480,13 +6369,13 @@
           <a:lstStyle/>
           <a:p>
             <a:r>
-              <a:rPr lang="es-CO" sz="2800" dirty="0" smtClean="0"/>
+              <a:rPr lang="es-CO" sz="2800" dirty="0"/>
               <a:t>Rendimiento</a:t>
             </a:r>
           </a:p>
           <a:p>
             <a:r>
-              <a:rPr lang="es-CO" sz="2800" dirty="0" smtClean="0"/>
+              <a:rPr lang="es-CO" sz="2800" dirty="0"/>
               <a:t>Limites de recursos</a:t>
             </a:r>
           </a:p>
@@ -6498,19 +6387,19 @@
           </a:p>
           <a:p>
             <a:r>
-              <a:rPr lang="es-CO" sz="2800" dirty="0" smtClean="0"/>
+              <a:rPr lang="es-CO" sz="2800" dirty="0"/>
               <a:t>Seguridad</a:t>
             </a:r>
           </a:p>
           <a:p>
             <a:r>
-              <a:rPr lang="es-CO" sz="2800" dirty="0" smtClean="0"/>
+              <a:rPr lang="es-CO" sz="2800" dirty="0"/>
               <a:t>Privacidad</a:t>
             </a:r>
           </a:p>
           <a:p>
             <a:r>
-              <a:rPr lang="es-CO" sz="2800" dirty="0" smtClean="0"/>
+              <a:rPr lang="es-CO" sz="2800" dirty="0"/>
               <a:t>Estándares</a:t>
             </a:r>
           </a:p>
@@ -6522,18 +6411,9 @@
           </a:p>
           <a:p>
             <a:r>
-              <a:rPr lang="es-CO" sz="2800" dirty="0" smtClean="0"/>
-              <a:t>Dependencia </a:t>
-            </a:r>
-            <a:r>
               <a:rPr lang="es-CO" sz="2800" dirty="0"/>
-              <a:t>de un </a:t>
-            </a:r>
-            <a:r>
-              <a:rPr lang="es-CO" sz="2800" dirty="0" smtClean="0"/>
-              <a:t>proveedor</a:t>
-            </a:r>
-            <a:endParaRPr lang="es-CO" sz="2800" dirty="0"/>
+              <a:t>Dependencia de un proveedor</a:t>
+            </a:r>
           </a:p>
         </p:txBody>
       </p:sp>
@@ -6577,13 +6457,6 @@
   <p:clrMapOvr>
     <a:masterClrMapping/>
   </p:clrMapOvr>
-  <p:timing>
-    <p:tnLst>
-      <p:par>
-        <p:cTn id="1" dur="indefinite" restart="never" nodeType="tmRoot"/>
-      </p:par>
-    </p:tnLst>
-  </p:timing>
 </p:sld>
 </file>
 
@@ -6620,15 +6493,15 @@
           <a:lstStyle/>
           <a:p>
             <a:r>
-              <a:rPr lang="es-CO" dirty="0" err="1" smtClean="0"/>
+              <a:rPr lang="es-CO" dirty="0" err="1"/>
               <a:t>Serverless</a:t>
             </a:r>
             <a:r>
-              <a:rPr lang="es-CO" dirty="0" smtClean="0"/>
+              <a:rPr lang="es-CO" dirty="0"/>
               <a:t> vs </a:t>
             </a:r>
             <a:r>
-              <a:rPr lang="es-CO" dirty="0" err="1" smtClean="0"/>
+              <a:rPr lang="es-CO" dirty="0" err="1"/>
               <a:t>Containers</a:t>
             </a:r>
             <a:endParaRPr lang="es-CO" dirty="0"/>
@@ -6654,36 +6527,20 @@
           <a:p>
             <a:pPr algn="just"/>
             <a:r>
-              <a:rPr lang="es-CO" sz="2800" dirty="0" err="1" smtClean="0"/>
+              <a:rPr lang="es-CO" sz="2800" dirty="0" err="1"/>
               <a:t>Serverless</a:t>
             </a:r>
             <a:r>
-              <a:rPr lang="es-CO" sz="2800" dirty="0" smtClean="0"/>
+              <a:rPr lang="es-CO" sz="2800" dirty="0"/>
               <a:t> y </a:t>
             </a:r>
             <a:r>
-              <a:rPr lang="es-CO" sz="2800" dirty="0" err="1" smtClean="0"/>
+              <a:rPr lang="es-CO" sz="2800" dirty="0" err="1"/>
               <a:t>Containers</a:t>
             </a:r>
             <a:r>
-              <a:rPr lang="es-CO" sz="2800" dirty="0" smtClean="0"/>
-              <a:t> permiten crear </a:t>
-            </a:r>
-            <a:r>
               <a:rPr lang="es-CO" sz="2800" dirty="0"/>
-              <a:t>aplicaciones con muchos menos gastos </a:t>
-            </a:r>
-            <a:r>
-              <a:rPr lang="es-CO" sz="2800" dirty="0" smtClean="0"/>
-              <a:t>y </a:t>
-            </a:r>
-            <a:r>
-              <a:rPr lang="es-CO" sz="2800" dirty="0"/>
-              <a:t>más </a:t>
-            </a:r>
-            <a:r>
-              <a:rPr lang="es-CO" sz="2800" dirty="0" smtClean="0"/>
-              <a:t>flexibilidad.</a:t>
+              <a:t> permiten crear aplicaciones con muchos menos gastos y más flexibilidad.</a:t>
             </a:r>
           </a:p>
           <a:p>
@@ -6692,35 +6549,21 @@
               <a:rPr lang="es-CO" sz="2800" dirty="0"/>
               <a:t>Los contenedores brindan un entorno de ejecución más liviano, </a:t>
             </a:r>
-            <a:endParaRPr lang="es-CO" sz="2800" dirty="0" smtClean="0"/>
           </a:p>
           <a:p>
             <a:pPr algn="just"/>
             <a:r>
-              <a:rPr lang="es-CO" sz="2800" dirty="0" smtClean="0"/>
+              <a:rPr lang="es-CO" sz="2800" dirty="0"/>
               <a:t>Con </a:t>
             </a:r>
             <a:r>
-              <a:rPr lang="es-CO" sz="2800" dirty="0" err="1" smtClean="0"/>
+              <a:rPr lang="es-CO" sz="2800" dirty="0" err="1"/>
               <a:t>Serverless</a:t>
             </a:r>
             <a:r>
               <a:rPr lang="es-CO" sz="2800" dirty="0"/>
-              <a:t>, el proveedor de la nube </a:t>
-            </a:r>
-            <a:r>
-              <a:rPr lang="es-CO" sz="2800" dirty="0" smtClean="0"/>
-              <a:t>debe asegurarse que </a:t>
-            </a:r>
-            <a:r>
-              <a:rPr lang="es-CO" sz="2800" dirty="0"/>
-              <a:t>el código de la aplicación se cargue y </a:t>
-            </a:r>
-            <a:r>
-              <a:rPr lang="es-CO" sz="2800" dirty="0" smtClean="0"/>
-              <a:t>ejecute</a:t>
-            </a:r>
-            <a:endParaRPr lang="es-CO" sz="2800" dirty="0"/>
+              <a:t>, el proveedor de la nube debe asegurarse que el código de la aplicación se cargue y ejecute</a:t>
+            </a:r>
           </a:p>
         </p:txBody>
       </p:sp>
@@ -6794,13 +6637,6 @@
   <p:clrMapOvr>
     <a:masterClrMapping/>
   </p:clrMapOvr>
-  <p:timing>
-    <p:tnLst>
-      <p:par>
-        <p:cTn id="1" dur="indefinite" restart="never" nodeType="tmRoot"/>
-      </p:par>
-    </p:tnLst>
-  </p:timing>
 </p:sld>
 </file>
 
@@ -6837,14 +6673,13 @@
           <a:lstStyle/>
           <a:p>
             <a:r>
-              <a:rPr lang="es-CO" dirty="0" err="1" smtClean="0"/>
+              <a:rPr lang="es-CO" dirty="0" err="1"/>
               <a:t>Serverless</a:t>
             </a:r>
             <a:r>
-              <a:rPr lang="es-CO" dirty="0" smtClean="0"/>
+              <a:rPr lang="es-CO" dirty="0"/>
               <a:t> Roles</a:t>
             </a:r>
-            <a:endParaRPr lang="es-CO" dirty="0"/>
           </a:p>
         </p:txBody>
       </p:sp>
@@ -6867,82 +6702,80 @@
           <a:p>
             <a:pPr algn="just"/>
             <a:r>
-              <a:rPr lang="es-CO" dirty="0" err="1" smtClean="0"/>
+              <a:rPr lang="es-CO" dirty="0" err="1"/>
               <a:t>Backend</a:t>
             </a:r>
             <a:r>
-              <a:rPr lang="es-CO" dirty="0" smtClean="0"/>
+              <a:rPr lang="es-CO" dirty="0"/>
               <a:t> as a </a:t>
             </a:r>
             <a:r>
-              <a:rPr lang="es-CO" dirty="0" err="1" smtClean="0"/>
+              <a:rPr lang="es-CO" dirty="0" err="1"/>
               <a:t>Service</a:t>
             </a:r>
             <a:r>
-              <a:rPr lang="es-CO" dirty="0" smtClean="0"/>
+              <a:rPr lang="es-CO" dirty="0"/>
               <a:t> (</a:t>
             </a:r>
-            <a:r>
-              <a:rPr lang="es-CO" dirty="0" err="1" smtClean="0"/>
-              <a:t>BaaS</a:t>
-            </a:r>
-            <a:r>
-              <a:rPr lang="es-CO" dirty="0" smtClean="0"/>
-              <a:t>)</a:t>
-            </a:r>
-          </a:p>
-          <a:p>
-            <a:pPr lvl="1" algn="just"/>
             <a:r>
               <a:rPr lang="es-CO" dirty="0" err="1"/>
               <a:t>BaaS</a:t>
             </a:r>
             <a:r>
               <a:rPr lang="es-CO" dirty="0"/>
-              <a:t> brinda a los desarrolladores acceso a una variedad de servicios y aplicaciones de terceros. </a:t>
-            </a:r>
-            <a:endParaRPr lang="es-CO" dirty="0" smtClean="0"/>
+              <a:t>)</a:t>
+            </a:r>
           </a:p>
           <a:p>
             <a:pPr lvl="1" algn="just"/>
-            <a:r>
-              <a:rPr lang="es-CO" dirty="0" smtClean="0"/>
-              <a:t>Con </a:t>
-            </a:r>
             <a:r>
               <a:rPr lang="es-CO" dirty="0" err="1"/>
               <a:t>BaaS</a:t>
             </a:r>
             <a:r>
               <a:rPr lang="es-CO" dirty="0"/>
+              <a:t> brinda a los desarrolladores acceso a una variedad de servicios y aplicaciones de terceros. </a:t>
+            </a:r>
+          </a:p>
+          <a:p>
+            <a:pPr lvl="1" algn="just"/>
+            <a:r>
+              <a:rPr lang="es-CO" dirty="0"/>
+              <a:t>Con </a:t>
+            </a:r>
+            <a:r>
+              <a:rPr lang="es-CO" dirty="0" err="1"/>
+              <a:t>BaaS</a:t>
+            </a:r>
+            <a:r>
+              <a:rPr lang="es-CO" dirty="0"/>
               <a:t>, las funciones sin servidor generalmente se llaman a través de interfaces de programación de aplicaciones (API).</a:t>
             </a:r>
-            <a:endParaRPr lang="es-CO" dirty="0" smtClean="0"/>
           </a:p>
           <a:p>
             <a:pPr algn="just"/>
             <a:r>
-              <a:rPr lang="es-CO" dirty="0" err="1" smtClean="0"/>
+              <a:rPr lang="es-CO" dirty="0" err="1"/>
               <a:t>Function</a:t>
             </a:r>
             <a:r>
-              <a:rPr lang="es-CO" dirty="0" smtClean="0"/>
+              <a:rPr lang="es-CO" dirty="0"/>
               <a:t> as a </a:t>
             </a:r>
             <a:r>
-              <a:rPr lang="es-CO" dirty="0" err="1" smtClean="0"/>
+              <a:rPr lang="es-CO" dirty="0" err="1"/>
               <a:t>Service</a:t>
             </a:r>
             <a:r>
-              <a:rPr lang="es-CO" dirty="0" smtClean="0"/>
+              <a:rPr lang="es-CO" dirty="0"/>
               <a:t> (</a:t>
             </a:r>
             <a:r>
-              <a:rPr lang="es-CO" dirty="0" err="1" smtClean="0"/>
+              <a:rPr lang="es-CO" dirty="0" err="1"/>
               <a:t>FaaS</a:t>
             </a:r>
             <a:r>
-              <a:rPr lang="es-CO" dirty="0" smtClean="0"/>
+              <a:rPr lang="es-CO" dirty="0"/>
               <a:t>)</a:t>
             </a:r>
           </a:p>
@@ -6969,13 +6802,6 @@
   <p:clrMapOvr>
     <a:masterClrMapping/>
   </p:clrMapOvr>
-  <p:timing>
-    <p:tnLst>
-      <p:par>
-        <p:cTn id="1" dur="indefinite" restart="never" nodeType="tmRoot"/>
-      </p:par>
-    </p:tnLst>
-  </p:timing>
 </p:sld>
 </file>
 
@@ -7012,15 +6838,15 @@
           <a:lstStyle/>
           <a:p>
             <a:r>
-              <a:rPr lang="es-CO" dirty="0" err="1" smtClean="0"/>
+              <a:rPr lang="es-CO" dirty="0" err="1"/>
               <a:t>FaaS</a:t>
             </a:r>
             <a:r>
-              <a:rPr lang="es-CO" dirty="0" smtClean="0"/>
+              <a:rPr lang="es-CO" dirty="0"/>
               <a:t> vs </a:t>
             </a:r>
             <a:r>
-              <a:rPr lang="es-CO" dirty="0" err="1" smtClean="0"/>
+              <a:rPr lang="es-CO" dirty="0" err="1"/>
               <a:t>Traditional</a:t>
             </a:r>
             <a:endParaRPr lang="es-CO" dirty="0"/>
@@ -7053,31 +6879,26 @@
               <a:buNone/>
             </a:pPr>
             <a:r>
-              <a:rPr lang="es-CO" sz="2400" b="1" dirty="0" err="1" smtClean="0"/>
+              <a:rPr lang="es-CO" sz="2400" b="1" dirty="0" err="1"/>
               <a:t>FaaS</a:t>
             </a:r>
-            <a:endParaRPr lang="es-CO" sz="2400" b="1" dirty="0" smtClean="0"/>
-          </a:p>
-          <a:p>
-            <a:r>
-              <a:rPr lang="es-CO" sz="2400" dirty="0" smtClean="0"/>
-              <a:t>Ejecución </a:t>
-            </a:r>
+            <a:endParaRPr lang="es-CO" sz="2400" b="1" dirty="0"/>
+          </a:p>
+          <a:p>
             <a:r>
               <a:rPr lang="es-CO" sz="2400" dirty="0"/>
-              <a:t>dirigida por eventos.</a:t>
-            </a:r>
-          </a:p>
-          <a:p>
-            <a:r>
-              <a:rPr lang="es-CO" sz="2400" dirty="0" smtClean="0"/>
+              <a:t>Ejecución dirigida por eventos.</a:t>
+            </a:r>
+          </a:p>
+          <a:p>
+            <a:r>
+              <a:rPr lang="es-CO" sz="2400" dirty="0"/>
               <a:t>Delegan tareas específicas</a:t>
             </a:r>
-            <a:endParaRPr lang="es-CO" sz="2400" dirty="0"/>
-          </a:p>
-          <a:p>
-            <a:r>
-              <a:rPr lang="es-CO" sz="2400" dirty="0" smtClean="0"/>
+          </a:p>
+          <a:p>
+            <a:r>
+              <a:rPr lang="es-CO" sz="2400" dirty="0"/>
               <a:t>Solo uso de la lógica del Negocio</a:t>
             </a:r>
           </a:p>
@@ -7262,7 +7083,7 @@
               <a:buNone/>
             </a:pPr>
             <a:r>
-              <a:rPr lang="es-CO" sz="2400" b="1" dirty="0" smtClean="0"/>
+              <a:rPr lang="es-CO" sz="2400" b="1" dirty="0"/>
               <a:t>Tradicional</a:t>
             </a:r>
           </a:p>
@@ -7271,17 +7092,16 @@
               <a:rPr lang="es-CO" sz="2400" dirty="0"/>
               <a:t>Debe mantener la infraestructura del servidor </a:t>
             </a:r>
-            <a:endParaRPr lang="es-CO" sz="2400" dirty="0" smtClean="0"/>
-          </a:p>
-          <a:p>
-            <a:r>
-              <a:rPr lang="es-CO" sz="2400" dirty="0" smtClean="0"/>
+          </a:p>
+          <a:p>
+            <a:r>
+              <a:rPr lang="es-CO" sz="2400" dirty="0"/>
               <a:t>Escalamiento no dinámico</a:t>
             </a:r>
           </a:p>
           <a:p>
             <a:r>
-              <a:rPr lang="es-CO" sz="2400" dirty="0" smtClean="0"/>
+              <a:rPr lang="es-CO" sz="2400" dirty="0"/>
               <a:t>Adición de código de Integración (API)</a:t>
             </a:r>
           </a:p>
@@ -7327,13 +7147,6 @@
   <p:clrMapOvr>
     <a:masterClrMapping/>
   </p:clrMapOvr>
-  <p:timing>
-    <p:tnLst>
-      <p:par>
-        <p:cTn id="1" dur="indefinite" restart="never" nodeType="tmRoot"/>
-      </p:par>
-    </p:tnLst>
-  </p:timing>
 </p:sld>
 </file>
 
@@ -7370,11 +7183,11 @@
           <a:lstStyle/>
           <a:p>
             <a:r>
-              <a:rPr lang="es-CO" dirty="0" smtClean="0"/>
+              <a:rPr lang="es-CO" dirty="0"/>
               <a:t>Proveedores de </a:t>
             </a:r>
             <a:r>
-              <a:rPr lang="es-CO" dirty="0" err="1" smtClean="0"/>
+              <a:rPr lang="es-CO" dirty="0" err="1"/>
               <a:t>Serverless</a:t>
             </a:r>
             <a:endParaRPr lang="es-CO" dirty="0"/>
@@ -7527,16 +7340,12 @@
           <a:lstStyle/>
           <a:p>
             <a:r>
-              <a:rPr lang="es-CO" dirty="0" smtClean="0"/>
+              <a:rPr lang="es-CO" dirty="0"/>
               <a:t>AWS </a:t>
             </a:r>
             <a:r>
               <a:rPr lang="es-CO" dirty="0" err="1"/>
-              <a:t>L</a:t>
-            </a:r>
-            <a:r>
-              <a:rPr lang="es-CO" dirty="0" err="1" smtClean="0"/>
-              <a:t>amda</a:t>
+              <a:t>Lamda</a:t>
             </a:r>
             <a:endParaRPr lang="es-CO" dirty="0"/>
           </a:p>
@@ -7565,15 +7374,15 @@
           <a:lstStyle/>
           <a:p>
             <a:r>
-              <a:rPr lang="es-CO" dirty="0" err="1" smtClean="0"/>
+              <a:rPr lang="es-CO" dirty="0" err="1"/>
               <a:t>Azure</a:t>
             </a:r>
             <a:r>
-              <a:rPr lang="es-CO" dirty="0" smtClean="0"/>
+              <a:rPr lang="es-CO" dirty="0"/>
               <a:t> </a:t>
             </a:r>
             <a:r>
-              <a:rPr lang="es-CO" dirty="0" err="1" smtClean="0"/>
+              <a:rPr lang="es-CO" dirty="0" err="1"/>
               <a:t>Functions</a:t>
             </a:r>
             <a:endParaRPr lang="es-CO" dirty="0"/>
@@ -7603,11 +7412,11 @@
           <a:lstStyle/>
           <a:p>
             <a:r>
-              <a:rPr lang="es-CO" dirty="0" smtClean="0"/>
+              <a:rPr lang="es-CO" dirty="0"/>
               <a:t>Google Cloud </a:t>
             </a:r>
             <a:r>
-              <a:rPr lang="es-CO" dirty="0" err="1" smtClean="0"/>
+              <a:rPr lang="es-CO" dirty="0" err="1"/>
               <a:t>Functions</a:t>
             </a:r>
             <a:endParaRPr lang="es-CO" dirty="0"/>
@@ -7624,13 +7433,6 @@
   <p:clrMapOvr>
     <a:masterClrMapping/>
   </p:clrMapOvr>
-  <p:timing>
-    <p:tnLst>
-      <p:par>
-        <p:cTn id="1" dur="indefinite" restart="never" nodeType="tmRoot"/>
-      </p:par>
-    </p:tnLst>
-  </p:timing>
 </p:sld>
 </file>
 

--- a/Classes/SvcDev-08-Serverless.pptx
+++ b/Classes/SvcDev-08-Serverless.pptx
@@ -220,7 +220,7 @@
             <a:fld id="{2C5F02C1-A2C2-45D1-8D60-D454C04B5E27}" type="datetimeFigureOut">
               <a:rPr lang="es-CO" smtClean="0"/>
               <a:pPr/>
-              <a:t>24/05/2025</a:t>
+              <a:t>1/04/2022</a:t>
             </a:fld>
             <a:endParaRPr lang="es-CO" dirty="0"/>
           </a:p>
@@ -286,35 +286,35 @@
           <a:p>
             <a:pPr lvl="0"/>
             <a:r>
-              <a:rPr lang="en-US"/>
+              <a:rPr lang="en-US" smtClean="0"/>
               <a:t>Click to edit Master text styles</a:t>
             </a:r>
           </a:p>
           <a:p>
             <a:pPr lvl="1"/>
             <a:r>
-              <a:rPr lang="en-US"/>
+              <a:rPr lang="en-US" smtClean="0"/>
               <a:t>Second level</a:t>
             </a:r>
           </a:p>
           <a:p>
             <a:pPr lvl="2"/>
             <a:r>
-              <a:rPr lang="en-US"/>
+              <a:rPr lang="en-US" smtClean="0"/>
               <a:t>Third level</a:t>
             </a:r>
           </a:p>
           <a:p>
             <a:pPr lvl="3"/>
             <a:r>
-              <a:rPr lang="en-US"/>
+              <a:rPr lang="en-US" smtClean="0"/>
               <a:t>Fourth level</a:t>
             </a:r>
           </a:p>
           <a:p>
             <a:pPr lvl="4"/>
             <a:r>
-              <a:rPr lang="en-US"/>
+              <a:rPr lang="en-US" smtClean="0"/>
               <a:t>Fifth level</a:t>
             </a:r>
             <a:endParaRPr lang="es-CO"/>
@@ -625,79 +625,79 @@
           <a:lstStyle/>
           <a:p>
             <a:r>
-              <a:rPr lang="es-CO" dirty="0"/>
+              <a:rPr lang="es-CO" dirty="0" smtClean="0"/>
               <a:t>https://www.globaldots.com/resources/blog/what-is-serverless-computing/</a:t>
             </a:r>
           </a:p>
           <a:p>
             <a:r>
-              <a:rPr lang="es-CO" dirty="0"/>
+              <a:rPr lang="es-CO" dirty="0" smtClean="0"/>
               <a:t>https://blog.back4app.com/serverless-hosting-providers/</a:t>
             </a:r>
           </a:p>
           <a:p>
-            <a:endParaRPr lang="es-CO" dirty="0"/>
-          </a:p>
-          <a:p>
-            <a:r>
-              <a:rPr lang="es-CO" dirty="0"/>
+            <a:endParaRPr lang="es-CO" dirty="0" smtClean="0"/>
+          </a:p>
+          <a:p>
+            <a:r>
+              <a:rPr lang="es-CO" dirty="0" smtClean="0"/>
               <a:t>En los primeros días de la web, cualquier persona que quisiera crear una aplicación web tenía que poseer el hardware físico necesario para ejecutar un servidor, lo cual es una tarea engorrosa y costosa.</a:t>
             </a:r>
           </a:p>
           <a:p>
-            <a:endParaRPr lang="es-CO" dirty="0"/>
-          </a:p>
-          <a:p>
-            <a:r>
-              <a:rPr lang="es-CO" dirty="0"/>
+            <a:endParaRPr lang="es-CO" dirty="0" smtClean="0"/>
+          </a:p>
+          <a:p>
+            <a:r>
+              <a:rPr lang="es-CO" dirty="0" smtClean="0"/>
               <a:t>Luego vino la nube, donde se podían alquilar de forma remota números fijos de servidores o cantidades de espacio de servidor. Los desarrolladores y las empresas que alquilan estas unidades fijas de espacio de servidor generalmente compran en exceso para garantizar que un aumento en el tráfico o la actividad no exceda sus límites mensuales y rompa sus aplicaciones. Esto significaba que gran parte del espacio del servidor que se pagaba por lo general se desperdiciaba. </a:t>
             </a:r>
           </a:p>
           <a:p>
-            <a:endParaRPr lang="es-CO" dirty="0"/>
-          </a:p>
-          <a:p>
-            <a:r>
-              <a:rPr lang="es-CO" dirty="0"/>
+            <a:endParaRPr lang="es-CO" dirty="0" smtClean="0"/>
+          </a:p>
+          <a:p>
+            <a:r>
+              <a:rPr lang="es-CO" dirty="0" smtClean="0"/>
               <a:t>Los proveedores de la nube han introducido modelos de escalado automático para abordar el problema, pero incluso con el escalado automático, un pico de actividad no deseado, como un ataque </a:t>
             </a:r>
             <a:r>
-              <a:rPr lang="es-CO" dirty="0" err="1"/>
+              <a:rPr lang="es-CO" dirty="0" err="1" smtClean="0"/>
               <a:t>DDoS</a:t>
             </a:r>
             <a:r>
-              <a:rPr lang="es-CO" dirty="0"/>
+              <a:rPr lang="es-CO" dirty="0" smtClean="0"/>
               <a:t>, podría terminar siendo muy costoso.</a:t>
             </a:r>
           </a:p>
           <a:p>
-            <a:endParaRPr lang="es-CO" dirty="0"/>
-          </a:p>
-          <a:p>
-            <a:r>
-              <a:rPr lang="es-CO" b="1" dirty="0" err="1"/>
+            <a:endParaRPr lang="es-CO" dirty="0" smtClean="0"/>
+          </a:p>
+          <a:p>
+            <a:r>
+              <a:rPr lang="es-CO" b="1" dirty="0" err="1" smtClean="0"/>
               <a:t>Serverless</a:t>
             </a:r>
             <a:r>
-              <a:rPr lang="es-CO" dirty="0"/>
+              <a:rPr lang="es-CO" dirty="0" smtClean="0"/>
               <a:t> es un modelo de ejecución de computación en la nube en el que el proveedor de la nube administra dinámicamente la asignación y el aprovisionamiento de servidores. </a:t>
             </a:r>
           </a:p>
           <a:p>
-            <a:endParaRPr lang="es-CO" dirty="0"/>
-          </a:p>
-          <a:p>
-            <a:r>
-              <a:rPr lang="es-CO" dirty="0"/>
+            <a:endParaRPr lang="es-CO" dirty="0" smtClean="0"/>
+          </a:p>
+          <a:p>
+            <a:r>
+              <a:rPr lang="es-CO" dirty="0" smtClean="0"/>
               <a:t>Una aplicación sin servidor se ejecuta en contenedores de cómputo sin estado que son activados por eventos, efímeros (pueden durar una sola invocación) y completamente administrados por el proveedor de la nube. El precio se basa en la cantidad de ejecuciones en lugar de la capacidad de cómputo comprada previamente.</a:t>
             </a:r>
           </a:p>
           <a:p>
-            <a:endParaRPr lang="es-CO" dirty="0"/>
-          </a:p>
-          <a:p>
-            <a:r>
-              <a:rPr lang="es-CO" dirty="0"/>
+            <a:endParaRPr lang="es-CO" dirty="0" smtClean="0"/>
+          </a:p>
+          <a:p>
+            <a:r>
+              <a:rPr lang="es-CO" dirty="0" smtClean="0"/>
               <a:t>Una arquitectura sin servidor ayuda a las empresas a escribir e implementar código sin preocuparse en absoluto por la infraestructura subyacente.</a:t>
             </a:r>
           </a:p>
@@ -790,79 +790,80 @@
           <a:lstStyle/>
           <a:p>
             <a:r>
-              <a:rPr lang="es-CO" dirty="0"/>
+              <a:rPr lang="es-CO" dirty="0" smtClean="0"/>
               <a:t>https://www.globaldots.com/resources/blog/what-is-serverless-computing/</a:t>
             </a:r>
           </a:p>
           <a:p>
+            <a:endParaRPr lang="es-CO" dirty="0" smtClean="0"/>
+          </a:p>
+          <a:p>
+            <a:r>
+              <a:rPr lang="es-CO" dirty="0" smtClean="0"/>
+              <a:t>La computación sin servidor ofrece una serie de ventajas sobre la infraestructura tradicional basada en la nube o centrada en el servidor. </a:t>
+            </a:r>
+          </a:p>
+          <a:p>
+            <a:endParaRPr lang="es-CO" dirty="0" smtClean="0"/>
+          </a:p>
+          <a:p>
+            <a:r>
+              <a:rPr lang="es-CO" dirty="0" smtClean="0"/>
+              <a:t>Para muchos desarrolladores, las arquitecturas sin servidor ofrecen una mayor escalabilidad, más flexibilidad y un tiempo de lanzamiento más rápido, todo a un costo reducido. </a:t>
+            </a:r>
+          </a:p>
+          <a:p>
+            <a:endParaRPr lang="es-CO" dirty="0" smtClean="0"/>
+          </a:p>
+          <a:p>
+            <a:r>
+              <a:rPr lang="es-CO" dirty="0" smtClean="0"/>
+              <a:t>Con las arquitecturas sin servidor, los desarrolladores no necesitan preocuparse por comprar, aprovisionar y administrar servidores </a:t>
+            </a:r>
+            <a:r>
+              <a:rPr lang="es-CO" dirty="0" err="1" smtClean="0"/>
+              <a:t>backend</a:t>
+            </a:r>
+            <a:r>
+              <a:rPr lang="es-CO" dirty="0" smtClean="0"/>
+              <a:t>. Sin embargo, la computación sin servidor no es una bala mágica para todos los desarrolladores de aplicaciones web.</a:t>
+            </a:r>
+          </a:p>
+          <a:p>
+            <a:endParaRPr lang="es-CO" dirty="0" smtClean="0"/>
+          </a:p>
+          <a:p>
+            <a:r>
+              <a:rPr lang="es-CO" dirty="0" smtClean="0"/>
+              <a:t>La computación sin servidor puede simplificar el proceso de implementación de código en producción. </a:t>
+            </a:r>
+          </a:p>
+          <a:p>
+            <a:endParaRPr lang="es-CO" dirty="0" smtClean="0"/>
+          </a:p>
+          <a:p>
+            <a:r>
+              <a:rPr lang="es-CO" dirty="0" smtClean="0"/>
+              <a:t>Las operaciones de escalado, planificación de capacidad y mantenimiento pueden estar ocultas para el desarrollador u operador. El código sin servidor se puede usar junto con el código implementado en estilos tradicionales, como los </a:t>
+            </a:r>
+            <a:r>
+              <a:rPr lang="es-CO" dirty="0" err="1" smtClean="0"/>
+              <a:t>microservicios</a:t>
+            </a:r>
+            <a:r>
+              <a:rPr lang="es-CO" dirty="0" smtClean="0"/>
+              <a:t>. Alternativamente, las aplicaciones se pueden escribir para ser puramente sin servidor y no utilizar servidores aprovisionados en absoluto.</a:t>
+            </a:r>
+          </a:p>
+          <a:p>
+            <a:endParaRPr lang="es-CO" dirty="0" smtClean="0"/>
+          </a:p>
+          <a:p>
+            <a:r>
+              <a:rPr lang="es-CO" dirty="0" smtClean="0"/>
+              <a:t>La diferencia entre la computación en la nube tradicional y la sin servidor es que usted, el cliente que requiere la computación, no paga por los recursos infrautilizados. En lugar de activar un servidor en AWS, por ejemplo, solo está activando el tiempo de ejecución del código. El servicio de computación sin servidor toma sus funciones como entrada, realiza la lógica, devuelve su salida y luego se apaga. Solo se le facturan los recursos utilizados durante la ejecución de esas funciones.</a:t>
+            </a:r>
             <a:endParaRPr lang="es-CO" dirty="0"/>
-          </a:p>
-          <a:p>
-            <a:r>
-              <a:rPr lang="es-CO" dirty="0"/>
-              <a:t>La computación sin servidor ofrece una serie de ventajas sobre la infraestructura tradicional basada en la nube o centrada en el servidor. </a:t>
-            </a:r>
-          </a:p>
-          <a:p>
-            <a:endParaRPr lang="es-CO" dirty="0"/>
-          </a:p>
-          <a:p>
-            <a:r>
-              <a:rPr lang="es-CO" dirty="0"/>
-              <a:t>Para muchos desarrolladores, las arquitecturas sin servidor ofrecen una mayor escalabilidad, más flexibilidad y un tiempo de lanzamiento más rápido, todo a un costo reducido. </a:t>
-            </a:r>
-          </a:p>
-          <a:p>
-            <a:endParaRPr lang="es-CO" dirty="0"/>
-          </a:p>
-          <a:p>
-            <a:r>
-              <a:rPr lang="es-CO" dirty="0"/>
-              <a:t>Con las arquitecturas sin servidor, los desarrolladores no necesitan preocuparse por comprar, aprovisionar y administrar servidores </a:t>
-            </a:r>
-            <a:r>
-              <a:rPr lang="es-CO" dirty="0" err="1"/>
-              <a:t>backend</a:t>
-            </a:r>
-            <a:r>
-              <a:rPr lang="es-CO" dirty="0"/>
-              <a:t>. Sin embargo, la computación sin servidor no es una bala mágica para todos los desarrolladores de aplicaciones web.</a:t>
-            </a:r>
-          </a:p>
-          <a:p>
-            <a:endParaRPr lang="es-CO" dirty="0"/>
-          </a:p>
-          <a:p>
-            <a:r>
-              <a:rPr lang="es-CO" dirty="0"/>
-              <a:t>La computación sin servidor puede simplificar el proceso de implementación de código en producción. </a:t>
-            </a:r>
-          </a:p>
-          <a:p>
-            <a:endParaRPr lang="es-CO" dirty="0"/>
-          </a:p>
-          <a:p>
-            <a:r>
-              <a:rPr lang="es-CO" dirty="0"/>
-              <a:t>Las operaciones de escalado, planificación de capacidad y mantenimiento pueden estar ocultas para el desarrollador u operador. El código sin servidor se puede usar junto con el código implementado en estilos tradicionales, como los </a:t>
-            </a:r>
-            <a:r>
-              <a:rPr lang="es-CO" dirty="0" err="1"/>
-              <a:t>microservicios</a:t>
-            </a:r>
-            <a:r>
-              <a:rPr lang="es-CO" dirty="0"/>
-              <a:t>. Alternativamente, las aplicaciones se pueden escribir para ser puramente sin servidor y no utilizar servidores aprovisionados en absoluto.</a:t>
-            </a:r>
-          </a:p>
-          <a:p>
-            <a:endParaRPr lang="es-CO" dirty="0"/>
-          </a:p>
-          <a:p>
-            <a:r>
-              <a:rPr lang="es-CO" dirty="0"/>
-              <a:t>La diferencia entre la computación en la nube tradicional y la sin servidor es que usted, el cliente que requiere la computación, no paga por los recursos infrautilizados. En lugar de activar un servidor en AWS, por ejemplo, solo está activando el tiempo de ejecución del código. El servicio de computación sin servidor toma sus funciones como entrada, realiza la lógica, devuelve su salida y luego se apaga. Solo se le facturan los recursos utilizados durante la ejecución de esas funciones.</a:t>
-            </a:r>
           </a:p>
         </p:txBody>
       </p:sp>
@@ -950,149 +951,150 @@
           <a:lstStyle/>
           <a:p>
             <a:r>
-              <a:rPr lang="es-CO" dirty="0"/>
+              <a:rPr lang="es-CO" dirty="0" smtClean="0"/>
               <a:t>https://www.globaldots.com/resources/blog/what-is-serverless-computing/</a:t>
             </a:r>
           </a:p>
           <a:p>
+            <a:endParaRPr lang="es-CO" dirty="0" smtClean="0"/>
+          </a:p>
+          <a:p>
+            <a:r>
+              <a:rPr lang="es-CO" b="1" dirty="0" smtClean="0"/>
+              <a:t>Costos mas bajos</a:t>
+            </a:r>
+          </a:p>
+          <a:p>
+            <a:endParaRPr lang="es-CO" dirty="0" smtClean="0"/>
+          </a:p>
+          <a:p>
+            <a:r>
+              <a:rPr lang="es-CO" dirty="0" smtClean="0"/>
+              <a:t>La informática sin servidor suele ser muy rentable, ya que los proveedores de nube tradicionales de servicios de back-</a:t>
+            </a:r>
+            <a:r>
+              <a:rPr lang="es-CO" dirty="0" err="1" smtClean="0"/>
+              <a:t>end</a:t>
+            </a:r>
+            <a:r>
+              <a:rPr lang="es-CO" dirty="0" smtClean="0"/>
+              <a:t> (asignación de servidores) a menudo hacen que el usuario pague por el espacio no utilizado o el tiempo de CPU inactivo.</a:t>
+            </a:r>
+          </a:p>
+          <a:p>
+            <a:endParaRPr lang="es-CO" dirty="0" smtClean="0"/>
+          </a:p>
+          <a:p>
+            <a:r>
+              <a:rPr lang="es-CO" b="1" dirty="0" smtClean="0"/>
+              <a:t>Sin administración de servidor</a:t>
+            </a:r>
+          </a:p>
+          <a:p>
+            <a:endParaRPr lang="es-CO" dirty="0" smtClean="0"/>
+          </a:p>
+          <a:p>
+            <a:r>
+              <a:rPr lang="es-CO" dirty="0" smtClean="0"/>
+              <a:t>Aunque la computación 'sin servidor' en realidad tiene lugar en servidores, los desarrolladores nunca tienen que lidiar con los servidores. Son administrados por el proveedor. Esto puede reducir la inversión necesaria en </a:t>
+            </a:r>
+            <a:r>
+              <a:rPr lang="es-CO" dirty="0" err="1" smtClean="0"/>
+              <a:t>DevOps</a:t>
+            </a:r>
+            <a:r>
+              <a:rPr lang="es-CO" dirty="0" smtClean="0"/>
+              <a:t>, lo que reduce los gastos y también libera a los desarrolladores para que creen y amplíen sus aplicaciones sin estar limitados por la capacidad del servidor.</a:t>
+            </a:r>
+          </a:p>
+          <a:p>
+            <a:endParaRPr lang="es-CO" dirty="0" smtClean="0"/>
+          </a:p>
+          <a:p>
+            <a:r>
+              <a:rPr lang="es-CO" b="1" dirty="0" smtClean="0"/>
+              <a:t>Escalabilidad simplificada</a:t>
+            </a:r>
+          </a:p>
+          <a:p>
+            <a:endParaRPr lang="es-CO" dirty="0" smtClean="0"/>
+          </a:p>
+          <a:p>
+            <a:r>
+              <a:rPr lang="es-CO" dirty="0" smtClean="0"/>
+              <a:t>Los desarrolladores que utilizan una arquitectura sin servidor no tienen que preocuparse por las políticas para escalar su código. El proveedor sin servidor maneja todo el escalado bajo demanda. Como resultado, una aplicación sin servidor podrá manejar una cantidad inusualmente alta de solicitudes tan bien como puede procesar una sola solicitud de un solo usuario. Una aplicación estructurada de forma tradicional con una cantidad fija de espacio en el servidor puede verse abrumada por un aumento repentino en el uso.</a:t>
+            </a:r>
+          </a:p>
+          <a:p>
+            <a:endParaRPr lang="es-CO" dirty="0" smtClean="0"/>
+          </a:p>
+          <a:p>
+            <a:r>
+              <a:rPr lang="es-CO" b="1" dirty="0" smtClean="0"/>
+              <a:t>Implementaciones y actualizaciones rápidas</a:t>
+            </a:r>
+          </a:p>
+          <a:p>
+            <a:endParaRPr lang="es-CO" dirty="0" smtClean="0"/>
+          </a:p>
+          <a:p>
+            <a:r>
+              <a:rPr lang="es-CO" dirty="0" smtClean="0"/>
+              <a:t>Con una infraestructura sin servidor, no es necesario cargar código en los servidores ni realizar ninguna configuración de back-</a:t>
+            </a:r>
+            <a:r>
+              <a:rPr lang="es-CO" dirty="0" err="1" smtClean="0"/>
+              <a:t>end</a:t>
+            </a:r>
+            <a:r>
+              <a:rPr lang="es-CO" dirty="0" smtClean="0"/>
+              <a:t> para lanzar una versión funcional de una aplicación. Los desarrolladores pueden cargar fragmentos de código muy rápidamente y lanzar un nuevo producto. Pueden cargar el código todo a la vez o una función a la vez, ya que la aplicación no es una sola pila monolítica, sino una colección de funciones aprovisionadas por el proveedor.</a:t>
+            </a:r>
+          </a:p>
+          <a:p>
+            <a:endParaRPr lang="es-CO" dirty="0" smtClean="0"/>
+          </a:p>
+          <a:p>
+            <a:r>
+              <a:rPr lang="es-CO" b="1" dirty="0" smtClean="0"/>
+              <a:t>Código de back-</a:t>
+            </a:r>
+            <a:r>
+              <a:rPr lang="es-CO" b="1" dirty="0" err="1" smtClean="0"/>
+              <a:t>end</a:t>
+            </a:r>
+            <a:r>
+              <a:rPr lang="es-CO" b="1" dirty="0" smtClean="0"/>
+              <a:t> simplificado</a:t>
+            </a:r>
+          </a:p>
+          <a:p>
+            <a:endParaRPr lang="es-CO" dirty="0" smtClean="0"/>
+          </a:p>
+          <a:p>
+            <a:r>
+              <a:rPr lang="es-CO" dirty="0" smtClean="0"/>
+              <a:t>Debido a que la aplicación no está alojada en un servidor de origen, su código se puede ejecutar desde cualquier lugar. Por lo tanto, es posible, según el proveedor utilizado, ejecutar funciones de aplicación en servidores que están cerca del usuario final. Esto reduce la latencia porque las solicitudes del usuario ya no tienen que viajar hasta un servidor de origen.</a:t>
+            </a:r>
+          </a:p>
+          <a:p>
+            <a:endParaRPr lang="es-CO" dirty="0" smtClean="0"/>
+          </a:p>
+          <a:p>
+            <a:r>
+              <a:rPr lang="es-CO" b="1" dirty="0" smtClean="0"/>
+              <a:t>Entrega más rápida</a:t>
+            </a:r>
+          </a:p>
+          <a:p>
+            <a:endParaRPr lang="es-CO" dirty="0" smtClean="0"/>
+          </a:p>
+          <a:p>
+            <a:r>
+              <a:rPr lang="es-CO" dirty="0" smtClean="0"/>
+              <a:t>La arquitectura sin servidor puede reducir significativamente el tiempo de comercialización. En lugar de necesitar un proceso de implementación complicado para implementar correcciones de errores y nuevas funciones, los desarrolladores pueden agregar y modificar el código poco a poco.</a:t>
+            </a:r>
             <a:endParaRPr lang="es-CO" dirty="0"/>
-          </a:p>
-          <a:p>
-            <a:r>
-              <a:rPr lang="es-CO" b="1" dirty="0"/>
-              <a:t>Costos mas bajos</a:t>
-            </a:r>
-          </a:p>
-          <a:p>
-            <a:endParaRPr lang="es-CO" dirty="0"/>
-          </a:p>
-          <a:p>
-            <a:r>
-              <a:rPr lang="es-CO" dirty="0"/>
-              <a:t>La informática sin servidor suele ser muy rentable, ya que los proveedores de nube tradicionales de servicios de back-</a:t>
-            </a:r>
-            <a:r>
-              <a:rPr lang="es-CO" dirty="0" err="1"/>
-              <a:t>end</a:t>
-            </a:r>
-            <a:r>
-              <a:rPr lang="es-CO" dirty="0"/>
-              <a:t> (asignación de servidores) a menudo hacen que el usuario pague por el espacio no utilizado o el tiempo de CPU inactivo.</a:t>
-            </a:r>
-          </a:p>
-          <a:p>
-            <a:endParaRPr lang="es-CO" dirty="0"/>
-          </a:p>
-          <a:p>
-            <a:r>
-              <a:rPr lang="es-CO" b="1" dirty="0"/>
-              <a:t>Sin administración de servidor</a:t>
-            </a:r>
-          </a:p>
-          <a:p>
-            <a:endParaRPr lang="es-CO" dirty="0"/>
-          </a:p>
-          <a:p>
-            <a:r>
-              <a:rPr lang="es-CO" dirty="0"/>
-              <a:t>Aunque la computación 'sin servidor' en realidad tiene lugar en servidores, los desarrolladores nunca tienen que lidiar con los servidores. Son administrados por el proveedor. Esto puede reducir la inversión necesaria en </a:t>
-            </a:r>
-            <a:r>
-              <a:rPr lang="es-CO" dirty="0" err="1"/>
-              <a:t>DevOps</a:t>
-            </a:r>
-            <a:r>
-              <a:rPr lang="es-CO" dirty="0"/>
-              <a:t>, lo que reduce los gastos y también libera a los desarrolladores para que creen y amplíen sus aplicaciones sin estar limitados por la capacidad del servidor.</a:t>
-            </a:r>
-          </a:p>
-          <a:p>
-            <a:endParaRPr lang="es-CO" dirty="0"/>
-          </a:p>
-          <a:p>
-            <a:r>
-              <a:rPr lang="es-CO" b="1" dirty="0"/>
-              <a:t>Escalabilidad simplificada</a:t>
-            </a:r>
-          </a:p>
-          <a:p>
-            <a:endParaRPr lang="es-CO" dirty="0"/>
-          </a:p>
-          <a:p>
-            <a:r>
-              <a:rPr lang="es-CO" dirty="0"/>
-              <a:t>Los desarrolladores que utilizan una arquitectura sin servidor no tienen que preocuparse por las políticas para escalar su código. El proveedor sin servidor maneja todo el escalado bajo demanda. Como resultado, una aplicación sin servidor podrá manejar una cantidad inusualmente alta de solicitudes tan bien como puede procesar una sola solicitud de un solo usuario. Una aplicación estructurada de forma tradicional con una cantidad fija de espacio en el servidor puede verse abrumada por un aumento repentino en el uso.</a:t>
-            </a:r>
-          </a:p>
-          <a:p>
-            <a:endParaRPr lang="es-CO" dirty="0"/>
-          </a:p>
-          <a:p>
-            <a:r>
-              <a:rPr lang="es-CO" b="1" dirty="0"/>
-              <a:t>Implementaciones y actualizaciones rápidas</a:t>
-            </a:r>
-          </a:p>
-          <a:p>
-            <a:endParaRPr lang="es-CO" dirty="0"/>
-          </a:p>
-          <a:p>
-            <a:r>
-              <a:rPr lang="es-CO" dirty="0"/>
-              <a:t>Con una infraestructura sin servidor, no es necesario cargar código en los servidores ni realizar ninguna configuración de back-</a:t>
-            </a:r>
-            <a:r>
-              <a:rPr lang="es-CO" dirty="0" err="1"/>
-              <a:t>end</a:t>
-            </a:r>
-            <a:r>
-              <a:rPr lang="es-CO" dirty="0"/>
-              <a:t> para lanzar una versión funcional de una aplicación. Los desarrolladores pueden cargar fragmentos de código muy rápidamente y lanzar un nuevo producto. Pueden cargar el código todo a la vez o una función a la vez, ya que la aplicación no es una sola pila monolítica, sino una colección de funciones aprovisionadas por el proveedor.</a:t>
-            </a:r>
-          </a:p>
-          <a:p>
-            <a:endParaRPr lang="es-CO" dirty="0"/>
-          </a:p>
-          <a:p>
-            <a:r>
-              <a:rPr lang="es-CO" b="1" dirty="0"/>
-              <a:t>Código de back-</a:t>
-            </a:r>
-            <a:r>
-              <a:rPr lang="es-CO" b="1" dirty="0" err="1"/>
-              <a:t>end</a:t>
-            </a:r>
-            <a:r>
-              <a:rPr lang="es-CO" b="1" dirty="0"/>
-              <a:t> simplificado</a:t>
-            </a:r>
-          </a:p>
-          <a:p>
-            <a:endParaRPr lang="es-CO" dirty="0"/>
-          </a:p>
-          <a:p>
-            <a:r>
-              <a:rPr lang="es-CO" dirty="0"/>
-              <a:t>Debido a que la aplicación no está alojada en un servidor de origen, su código se puede ejecutar desde cualquier lugar. Por lo tanto, es posible, según el proveedor utilizado, ejecutar funciones de aplicación en servidores que están cerca del usuario final. Esto reduce la latencia porque las solicitudes del usuario ya no tienen que viajar hasta un servidor de origen.</a:t>
-            </a:r>
-          </a:p>
-          <a:p>
-            <a:endParaRPr lang="es-CO" dirty="0"/>
-          </a:p>
-          <a:p>
-            <a:r>
-              <a:rPr lang="es-CO" b="1" dirty="0"/>
-              <a:t>Entrega más rápida</a:t>
-            </a:r>
-          </a:p>
-          <a:p>
-            <a:endParaRPr lang="es-CO" dirty="0"/>
-          </a:p>
-          <a:p>
-            <a:r>
-              <a:rPr lang="es-CO" dirty="0"/>
-              <a:t>La arquitectura sin servidor puede reducir significativamente el tiempo de comercialización. En lugar de necesitar un proceso de implementación complicado para implementar correcciones de errores y nuevas funciones, los desarrolladores pueden agregar y modificar el código poco a poco.</a:t>
-            </a:r>
           </a:p>
         </p:txBody>
       </p:sp>
@@ -1180,194 +1182,194 @@
           <a:lstStyle/>
           <a:p>
             <a:r>
-              <a:rPr lang="es-CO" dirty="0"/>
+              <a:rPr lang="es-CO" dirty="0" smtClean="0"/>
               <a:t>https://en.wikipedia.org/wiki/Serverless_computing</a:t>
             </a:r>
           </a:p>
           <a:p>
-            <a:endParaRPr lang="es-CO" dirty="0"/>
-          </a:p>
-          <a:p>
-            <a:r>
-              <a:rPr lang="es-CO" b="1" dirty="0"/>
+            <a:endParaRPr lang="es-CO" dirty="0" smtClean="0"/>
+          </a:p>
+          <a:p>
+            <a:r>
+              <a:rPr lang="es-CO" b="1" dirty="0" smtClean="0"/>
               <a:t>Rendimiento</a:t>
             </a:r>
           </a:p>
           <a:p>
             <a:r>
-              <a:rPr lang="es-CO" dirty="0"/>
+              <a:rPr lang="es-CO" dirty="0" smtClean="0"/>
               <a:t>El código sin servidor que se usa con poca frecuencia puede sufrir una mayor latencia de respuesta que el código que se ejecuta continuamente en un servidor dedicado, una máquina virtual o un contenedor. Esto se debe a que, a diferencia del ajuste de escala automático, el proveedor de la nube generalmente "reduce" el código sin servidor por completo cuando no está en uso. Esto significa que si el tiempo de ejecución (por ejemplo, el tiempo de ejecución de Java) requiere una cantidad significativa de tiempo para iniciarse, creará una latencia adicional.</a:t>
             </a:r>
           </a:p>
           <a:p>
-            <a:endParaRPr lang="es-CO" dirty="0"/>
-          </a:p>
-          <a:p>
-            <a:r>
-              <a:rPr lang="es-CO" b="1" dirty="0"/>
+            <a:endParaRPr lang="es-CO" dirty="0" smtClean="0"/>
+          </a:p>
+          <a:p>
+            <a:r>
+              <a:rPr lang="es-CO" b="1" dirty="0" smtClean="0"/>
               <a:t>Límites de recursos</a:t>
             </a:r>
           </a:p>
           <a:p>
             <a:r>
-              <a:rPr lang="es-CO" dirty="0"/>
+              <a:rPr lang="es-CO" dirty="0" smtClean="0"/>
               <a:t>La computación sin servidor no es adecuada para algunas cargas de trabajo informáticas, como la informática de alto rendimiento, debido a los límites de recursos impuestos por los proveedores de la nube y también porque probablemente sería más económico aprovisionar en masa la cantidad de servidores que se cree que se requieren en un momento dado. punto en el tiempo.</a:t>
             </a:r>
           </a:p>
           <a:p>
-            <a:endParaRPr lang="es-CO" dirty="0"/>
-          </a:p>
-          <a:p>
-            <a:r>
-              <a:rPr lang="es-CO" b="1" dirty="0"/>
+            <a:endParaRPr lang="es-CO" dirty="0" smtClean="0"/>
+          </a:p>
+          <a:p>
+            <a:r>
+              <a:rPr lang="es-CO" b="1" dirty="0" smtClean="0"/>
               <a:t>Supervisión y depuración</a:t>
             </a:r>
           </a:p>
           <a:p>
             <a:r>
-              <a:rPr lang="es-CO" dirty="0"/>
+              <a:rPr lang="es-CO" dirty="0" smtClean="0"/>
               <a:t>El diagnóstico de problemas de rendimiento o uso excesivo de recursos con código sin servidor puede ser más difícil que con el código de servidor tradicional, porque aunque se pueden programar funciones completas, por lo general no existe la posibilidad de profundizar en más detalles adjuntando generadores de perfiles, depuradores o herramientas APM. Además, el entorno en el que se ejecuta el código normalmente no es de código abierto, por lo que sus características de rendimiento no se pueden replicar con precisión en un entorno local.</a:t>
             </a:r>
           </a:p>
           <a:p>
-            <a:endParaRPr lang="es-CO" dirty="0"/>
-          </a:p>
-          <a:p>
-            <a:r>
-              <a:rPr lang="es-CO" b="1" dirty="0"/>
+            <a:endParaRPr lang="es-CO" dirty="0" smtClean="0"/>
+          </a:p>
+          <a:p>
+            <a:r>
+              <a:rPr lang="es-CO" b="1" dirty="0" smtClean="0"/>
               <a:t>Seguridad</a:t>
             </a:r>
           </a:p>
           <a:p>
             <a:r>
-              <a:rPr lang="es-CO" dirty="0" err="1"/>
+              <a:rPr lang="es-CO" dirty="0" err="1" smtClean="0"/>
               <a:t>Serverless</a:t>
             </a:r>
             <a:r>
-              <a:rPr lang="es-CO" dirty="0"/>
+              <a:rPr lang="es-CO" dirty="0" smtClean="0"/>
               <a:t> a veces se considera erróneamente como más seguro que las arquitecturas tradicionales. Si bien esto es cierto hasta cierto punto porque el proveedor de la nube se ocupa de las vulnerabilidades del sistema operativo, la superficie de ataque total es significativamente mayor, ya que hay muchos más componentes en la aplicación en comparación con las arquitecturas tradicionales y cada componente es un punto de entrada a la aplicación sin servidor. . Además, las soluciones de seguridad que los clientes solían tener para proteger sus cargas de trabajo en la nube se vuelven irrelevantes, ya que los clientes no pueden controlar ni instalar nada en el punto final ni en el nivel de la red, como un sistema de detección/prevención de intrusos (IDS/IPS).</a:t>
             </a:r>
           </a:p>
           <a:p>
-            <a:endParaRPr lang="es-CO" dirty="0"/>
-          </a:p>
-          <a:p>
-            <a:r>
-              <a:rPr lang="es-CO" dirty="0"/>
+            <a:endParaRPr lang="es-CO" dirty="0" smtClean="0"/>
+          </a:p>
+          <a:p>
+            <a:r>
+              <a:rPr lang="es-CO" dirty="0" smtClean="0"/>
               <a:t>Esto se ve intensificado por las propiedades de monocultivo de toda la red de servidores. (Se puede aplicar un único defecto a nivel mundial). Según </a:t>
             </a:r>
             <a:r>
-              <a:rPr lang="es-CO" dirty="0" err="1"/>
+              <a:rPr lang="es-CO" dirty="0" err="1" smtClean="0"/>
               <a:t>Protego</a:t>
             </a:r>
             <a:r>
-              <a:rPr lang="es-CO" dirty="0"/>
+              <a:rPr lang="es-CO" dirty="0" smtClean="0"/>
               <a:t>, la "solución para proteger las aplicaciones sin servidor es una estrecha colaboración entre los desarrolladores, </a:t>
             </a:r>
             <a:r>
-              <a:rPr lang="es-CO" dirty="0" err="1"/>
+              <a:rPr lang="es-CO" dirty="0" err="1" smtClean="0"/>
               <a:t>DevOps</a:t>
             </a:r>
             <a:r>
-              <a:rPr lang="es-CO" dirty="0"/>
+              <a:rPr lang="es-CO" dirty="0" smtClean="0"/>
               <a:t> y </a:t>
             </a:r>
             <a:r>
-              <a:rPr lang="es-CO" dirty="0" err="1"/>
+              <a:rPr lang="es-CO" dirty="0" err="1" smtClean="0"/>
               <a:t>AppSec</a:t>
             </a:r>
             <a:r>
-              <a:rPr lang="es-CO" dirty="0"/>
+              <a:rPr lang="es-CO" dirty="0" smtClean="0"/>
               <a:t>, también conocido como </a:t>
             </a:r>
             <a:r>
-              <a:rPr lang="es-CO" dirty="0" err="1"/>
+              <a:rPr lang="es-CO" dirty="0" err="1" smtClean="0"/>
               <a:t>DevSecOps</a:t>
             </a:r>
             <a:r>
-              <a:rPr lang="es-CO" dirty="0"/>
+              <a:rPr lang="es-CO" dirty="0" smtClean="0"/>
               <a:t>. Encuentre el equilibrio donde los desarrolladores no son dueños de la seguridad, pero tampoco están exentos de responsabilidad. Tome medidas para que sea un problema de todos. Cree equipos multifuncionales y trabaje hacia una estrecha integración entre los especialistas en seguridad y los equipos de desarrollo. Colabore para que su organización pueda resolver los riesgos de seguridad a la velocidad de la ausencia de servidor".</a:t>
             </a:r>
           </a:p>
           <a:p>
-            <a:endParaRPr lang="es-CO" dirty="0"/>
-          </a:p>
-          <a:p>
-            <a:r>
-              <a:rPr lang="es-CO" b="1" dirty="0"/>
+            <a:endParaRPr lang="es-CO" dirty="0" smtClean="0"/>
+          </a:p>
+          <a:p>
+            <a:r>
+              <a:rPr lang="es-CO" b="1" dirty="0" smtClean="0"/>
               <a:t>Privacidad</a:t>
             </a:r>
           </a:p>
           <a:p>
             <a:r>
-              <a:rPr lang="es-CO" dirty="0"/>
+              <a:rPr lang="es-CO" dirty="0" smtClean="0"/>
               <a:t>Muchos entornos de funciones sin servidor se basan en entornos de nube pública patentados. Aquí, se deben considerar algunas implicaciones de privacidad, como los recursos compartidos y el acceso de empleados externos. Sin embargo, la computación sin servidor también se puede realizar en un entorno de nube privada o incluso en las instalaciones, utilizando, por ejemplo, la plataforma </a:t>
             </a:r>
             <a:r>
-              <a:rPr lang="es-CO" dirty="0" err="1"/>
+              <a:rPr lang="es-CO" dirty="0" err="1" smtClean="0"/>
               <a:t>Kubernetes</a:t>
             </a:r>
             <a:r>
-              <a:rPr lang="es-CO" dirty="0"/>
+              <a:rPr lang="es-CO" dirty="0" smtClean="0"/>
               <a:t>. Esto les da a las empresas un control total sobre los mecanismos de privacidad, al igual que con el alojamiento en configuraciones de servidores tradicionales.</a:t>
             </a:r>
           </a:p>
           <a:p>
-            <a:endParaRPr lang="es-CO" dirty="0"/>
-          </a:p>
-          <a:p>
-            <a:r>
-              <a:rPr lang="es-CO" b="1" dirty="0"/>
+            <a:endParaRPr lang="es-CO" dirty="0" smtClean="0"/>
+          </a:p>
+          <a:p>
+            <a:r>
+              <a:rPr lang="es-CO" b="1" dirty="0" smtClean="0"/>
               <a:t>Estándares</a:t>
             </a:r>
           </a:p>
           <a:p>
             <a:r>
-              <a:rPr lang="es-CO" dirty="0"/>
+              <a:rPr lang="es-CO" dirty="0" smtClean="0"/>
               <a:t>La informática sin servidor está cubierta por la Autoridad Internacional de Centros de Datos (IDCA) en su Marco AE360.[23] Sin embargo, la parte relacionada con la portabilidad puede ser un problema al mover la lógica empresarial de una nube pública a otra para la que se creó la solución </a:t>
             </a:r>
             <a:r>
-              <a:rPr lang="es-CO" dirty="0" err="1"/>
+              <a:rPr lang="es-CO" dirty="0" err="1" smtClean="0"/>
               <a:t>Docker</a:t>
             </a:r>
             <a:r>
-              <a:rPr lang="es-CO" dirty="0"/>
+              <a:rPr lang="es-CO" dirty="0" smtClean="0"/>
               <a:t>. Cloud </a:t>
             </a:r>
             <a:r>
-              <a:rPr lang="es-CO" dirty="0" err="1"/>
+              <a:rPr lang="es-CO" dirty="0" err="1" smtClean="0"/>
               <a:t>Native</a:t>
             </a:r>
             <a:r>
-              <a:rPr lang="es-CO" dirty="0"/>
+              <a:rPr lang="es-CO" dirty="0" smtClean="0"/>
               <a:t> Computing </a:t>
             </a:r>
             <a:r>
-              <a:rPr lang="es-CO" dirty="0" err="1"/>
+              <a:rPr lang="es-CO" dirty="0" err="1" smtClean="0"/>
               <a:t>Foundation</a:t>
             </a:r>
             <a:r>
-              <a:rPr lang="es-CO" dirty="0"/>
+              <a:rPr lang="es-CO" dirty="0" smtClean="0"/>
               <a:t> (CNCF) también está trabajando en el desarrollo de una especificación con Oracle.[24]</a:t>
             </a:r>
           </a:p>
           <a:p>
-            <a:endParaRPr lang="es-CO" dirty="0"/>
-          </a:p>
-          <a:p>
-            <a:r>
-              <a:rPr lang="es-CO" b="1" dirty="0"/>
+            <a:endParaRPr lang="es-CO" dirty="0" smtClean="0"/>
+          </a:p>
+          <a:p>
+            <a:r>
+              <a:rPr lang="es-CO" b="1" dirty="0" smtClean="0"/>
               <a:t>Usos/funciones</a:t>
             </a:r>
           </a:p>
           <a:p>
             <a:r>
-              <a:rPr lang="es-CO" dirty="0"/>
+              <a:rPr lang="es-CO" dirty="0" smtClean="0"/>
               <a:t>Las funciones sin servidor se pueden utilizar para:[25]</a:t>
             </a:r>
           </a:p>
           <a:p>
-            <a:endParaRPr lang="es-CO" dirty="0"/>
+            <a:endParaRPr lang="es-CO" dirty="0" smtClean="0"/>
           </a:p>
           <a:p>
             <a:pPr marL="171450" indent="-171450">
@@ -1375,7 +1377,7 @@
               <a:buChar char="-"/>
             </a:pPr>
             <a:r>
-              <a:rPr lang="es-CO" dirty="0"/>
+              <a:rPr lang="es-CO" dirty="0" smtClean="0"/>
               <a:t>Análisis de datos</a:t>
             </a:r>
           </a:p>
@@ -1385,7 +1387,7 @@
               <a:buChar char="-"/>
             </a:pPr>
             <a:r>
-              <a:rPr lang="es-CO" dirty="0"/>
+              <a:rPr lang="es-CO" dirty="0" smtClean="0"/>
               <a:t>Operaciones CI/CD</a:t>
             </a:r>
           </a:p>
@@ -1395,7 +1397,7 @@
               <a:buChar char="-"/>
             </a:pPr>
             <a:r>
-              <a:rPr lang="es-CO" dirty="0"/>
+              <a:rPr lang="es-CO" dirty="0" smtClean="0"/>
               <a:t>Conversiones de archivos</a:t>
             </a:r>
           </a:p>
@@ -1405,7 +1407,7 @@
               <a:buChar char="-"/>
             </a:pPr>
             <a:r>
-              <a:rPr lang="es-CO" dirty="0"/>
+              <a:rPr lang="es-CO" dirty="0" smtClean="0"/>
               <a:t>Agregación y reestructuración de registros</a:t>
             </a:r>
           </a:p>
@@ -1415,38 +1417,39 @@
               <a:buChar char="-"/>
             </a:pPr>
             <a:r>
-              <a:rPr lang="es-CO" dirty="0"/>
+              <a:rPr lang="es-CO" dirty="0" smtClean="0"/>
               <a:t>Soporte para contenido de sitio web dinámico</a:t>
             </a:r>
           </a:p>
           <a:p>
+            <a:endParaRPr lang="es-CO" dirty="0" smtClean="0"/>
+          </a:p>
+          <a:p>
+            <a:r>
+              <a:rPr lang="es-CO" b="1" dirty="0" smtClean="0"/>
+              <a:t>Dependencia de un proveedor</a:t>
+            </a:r>
+          </a:p>
+          <a:p>
+            <a:r>
+              <a:rPr lang="es-CO" dirty="0" smtClean="0"/>
+              <a:t>La informática sin servidor se proporciona como un servicio de terceros. Las aplicaciones y el software que se ejecutan en el entorno sin servidor están bloqueados de forma predeterminada para un proveedor de nube </a:t>
+            </a:r>
+          </a:p>
+          <a:p>
+            <a:r>
+              <a:rPr lang="es-CO" dirty="0" smtClean="0"/>
+              <a:t>específico.[26] Por lo tanto, </a:t>
+            </a:r>
+            <a:r>
+              <a:rPr lang="es-CO" dirty="0" err="1" smtClean="0"/>
+              <a:t>serverless</a:t>
+            </a:r>
+            <a:r>
+              <a:rPr lang="es-CO" dirty="0" smtClean="0"/>
+              <a:t> puede causar múltiples problemas durante la migración.[27]</a:t>
+            </a:r>
             <a:endParaRPr lang="es-CO" dirty="0"/>
-          </a:p>
-          <a:p>
-            <a:r>
-              <a:rPr lang="es-CO" b="1" dirty="0"/>
-              <a:t>Dependencia de un proveedor</a:t>
-            </a:r>
-          </a:p>
-          <a:p>
-            <a:r>
-              <a:rPr lang="es-CO" dirty="0"/>
-              <a:t>La informática sin servidor se proporciona como un servicio de terceros. Las aplicaciones y el software que se ejecutan en el entorno sin servidor están bloqueados de forma predeterminada para un proveedor de nube </a:t>
-            </a:r>
-          </a:p>
-          <a:p>
-            <a:r>
-              <a:rPr lang="es-CO" dirty="0"/>
-              <a:t>específico.[26] Por lo tanto, </a:t>
-            </a:r>
-            <a:r>
-              <a:rPr lang="es-CO" dirty="0" err="1"/>
-              <a:t>serverless</a:t>
-            </a:r>
-            <a:r>
-              <a:rPr lang="es-CO" dirty="0"/>
-              <a:t> puede causar múltiples problemas durante la migración.[27]</a:t>
-            </a:r>
           </a:p>
         </p:txBody>
       </p:sp>
@@ -1532,44 +1535,45 @@
           <a:lstStyle/>
           <a:p>
             <a:r>
-              <a:rPr lang="es-CO" dirty="0"/>
+              <a:rPr lang="es-CO" dirty="0" smtClean="0"/>
               <a:t>https://www.globaldots.com/resources/blog/what-is-serverless-computing/</a:t>
             </a:r>
           </a:p>
           <a:p>
+            <a:endParaRPr lang="es-CO" dirty="0" smtClean="0"/>
+          </a:p>
+          <a:p>
+            <a:r>
+              <a:rPr lang="es-CO" dirty="0" smtClean="0"/>
+              <a:t>Tanto la informática sin servidor como los contenedores permiten a los desarrolladores crear aplicaciones con muchos menos gastos generales y más flexibilidad que las aplicaciones alojadas en servidores tradicionales o máquinas virtuales. El estilo de arquitectura que debe usar un desarrollador depende de las necesidades de la aplicación, pero las aplicaciones sin servidor son más escalables y, por lo general, más rentables.</a:t>
+            </a:r>
+          </a:p>
+          <a:p>
+            <a:endParaRPr lang="es-CO" dirty="0" smtClean="0"/>
+          </a:p>
+          <a:p>
+            <a:r>
+              <a:rPr lang="es-CO" dirty="0" smtClean="0"/>
+              <a:t>Los contenedores brindan un entorno de ejecución más liviano, lo que hace que la creación de instancias sea más rápida y aumenta la utilización del hardware, pero no cambian el proceso de operaciones de la aplicación fundamental. Todavía se espera que los usuarios asuman la mayor parte de asegurarse de que la aplicación permanezca en funcionamiento.</a:t>
+            </a:r>
+          </a:p>
+          <a:p>
+            <a:endParaRPr lang="es-CO" dirty="0" smtClean="0"/>
+          </a:p>
+          <a:p>
+            <a:r>
+              <a:rPr lang="es-CO" dirty="0" smtClean="0"/>
+              <a:t>Con </a:t>
+            </a:r>
+            <a:r>
+              <a:rPr lang="es-CO" dirty="0" err="1" smtClean="0"/>
+              <a:t>serverless</a:t>
+            </a:r>
+            <a:r>
+              <a:rPr lang="es-CO" dirty="0" smtClean="0"/>
+              <a:t>, el proveedor de la nube asume la responsabilidad de asegurarse de que el código de la aplicación se cargue y ejecute, y garantiza que haya suficientes recursos informáticos disponibles para ejecutar su código, sin importar cuánto procesamiento requiera.</a:t>
+            </a:r>
             <a:endParaRPr lang="es-CO" dirty="0"/>
-          </a:p>
-          <a:p>
-            <a:r>
-              <a:rPr lang="es-CO" dirty="0"/>
-              <a:t>Tanto la informática sin servidor como los contenedores permiten a los desarrolladores crear aplicaciones con muchos menos gastos generales y más flexibilidad que las aplicaciones alojadas en servidores tradicionales o máquinas virtuales. El estilo de arquitectura que debe usar un desarrollador depende de las necesidades de la aplicación, pero las aplicaciones sin servidor son más escalables y, por lo general, más rentables.</a:t>
-            </a:r>
-          </a:p>
-          <a:p>
-            <a:endParaRPr lang="es-CO" dirty="0"/>
-          </a:p>
-          <a:p>
-            <a:r>
-              <a:rPr lang="es-CO" dirty="0"/>
-              <a:t>Los contenedores brindan un entorno de ejecución más liviano, lo que hace que la creación de instancias sea más rápida y aumenta la utilización del hardware, pero no cambian el proceso de operaciones de la aplicación fundamental. Todavía se espera que los usuarios asuman la mayor parte de asegurarse de que la aplicación permanezca en funcionamiento.</a:t>
-            </a:r>
-          </a:p>
-          <a:p>
-            <a:endParaRPr lang="es-CO" dirty="0"/>
-          </a:p>
-          <a:p>
-            <a:r>
-              <a:rPr lang="es-CO" dirty="0"/>
-              <a:t>Con </a:t>
-            </a:r>
-            <a:r>
-              <a:rPr lang="es-CO" dirty="0" err="1"/>
-              <a:t>serverless</a:t>
-            </a:r>
-            <a:r>
-              <a:rPr lang="es-CO" dirty="0"/>
-              <a:t>, el proveedor de la nube asume la responsabilidad de asegurarse de que el código de la aplicación se cargue y ejecute, y garantiza que haya suficientes recursos informáticos disponibles para ejecutar su código, sin importar cuánto procesamiento requiera.</a:t>
-            </a:r>
           </a:p>
         </p:txBody>
       </p:sp>
@@ -1657,12 +1661,12 @@
           <a:lstStyle/>
           <a:p>
             <a:r>
-              <a:rPr lang="es-CO" dirty="0"/>
+              <a:rPr lang="es-CO" dirty="0" smtClean="0"/>
               <a:t>https://www.redhat.com/en/topics/cloud-native-apps/what-is-serverless</a:t>
             </a:r>
           </a:p>
           <a:p>
-            <a:endParaRPr lang="es-CO" sz="1200" b="1" i="0" kern="1200" dirty="0">
+            <a:endParaRPr lang="es-CO" sz="1200" b="1" i="0" kern="1200" dirty="0" smtClean="0">
               <a:solidFill>
                 <a:schemeClr val="tx1"/>
               </a:solidFill>
@@ -1674,7 +1678,7 @@
           </a:p>
           <a:p>
             <a:r>
-              <a:rPr lang="es-CO" sz="1200" b="1" i="0" kern="1200" dirty="0" err="1">
+              <a:rPr lang="es-CO" sz="1200" b="1" i="0" kern="1200" dirty="0" err="1" smtClean="0">
                 <a:solidFill>
                   <a:schemeClr val="tx1"/>
                 </a:solidFill>
@@ -1686,7 +1690,7 @@
               <a:t>Backend</a:t>
             </a:r>
             <a:r>
-              <a:rPr lang="es-CO" sz="1200" b="1" i="0" kern="1200" dirty="0">
+              <a:rPr lang="es-CO" sz="1200" b="1" i="0" kern="1200" dirty="0" smtClean="0">
                 <a:solidFill>
                   <a:schemeClr val="tx1"/>
                 </a:solidFill>
@@ -1698,7 +1702,7 @@
               <a:t>-as-a-</a:t>
             </a:r>
             <a:r>
-              <a:rPr lang="es-CO" sz="1200" b="1" i="0" kern="1200" dirty="0" err="1">
+              <a:rPr lang="es-CO" sz="1200" b="1" i="0" kern="1200" dirty="0" err="1" smtClean="0">
                 <a:solidFill>
                   <a:schemeClr val="tx1"/>
                 </a:solidFill>
@@ -1710,7 +1714,7 @@
               <a:t>Service</a:t>
             </a:r>
             <a:r>
-              <a:rPr lang="es-CO" sz="1200" b="1" i="0" kern="1200" dirty="0">
+              <a:rPr lang="es-CO" sz="1200" b="1" i="0" kern="1200" dirty="0" smtClean="0">
                 <a:solidFill>
                   <a:schemeClr val="tx1"/>
                 </a:solidFill>
@@ -1722,7 +1726,7 @@
               <a:t> (</a:t>
             </a:r>
             <a:r>
-              <a:rPr lang="es-CO" sz="1200" b="1" i="0" kern="1200" dirty="0" err="1">
+              <a:rPr lang="es-CO" sz="1200" b="1" i="0" kern="1200" dirty="0" err="1" smtClean="0">
                 <a:solidFill>
                   <a:schemeClr val="tx1"/>
                 </a:solidFill>
@@ -1734,7 +1738,7 @@
               <a:t>BaaS</a:t>
             </a:r>
             <a:r>
-              <a:rPr lang="es-CO" sz="1200" b="1" i="0" kern="1200" dirty="0">
+              <a:rPr lang="es-CO" sz="1200" b="1" i="0" kern="1200" dirty="0" smtClean="0">
                 <a:solidFill>
                   <a:schemeClr val="tx1"/>
                 </a:solidFill>
@@ -1745,294 +1749,294 @@
               </a:rPr>
               <a:t>)</a:t>
             </a:r>
-            <a:endParaRPr lang="es-CO" b="1" dirty="0"/>
-          </a:p>
-          <a:p>
-            <a:r>
-              <a:rPr lang="es-CO" dirty="0"/>
+            <a:endParaRPr lang="es-CO" b="1" dirty="0" smtClean="0"/>
+          </a:p>
+          <a:p>
+            <a:r>
+              <a:rPr lang="es-CO" dirty="0" smtClean="0"/>
               <a:t>Bajo un modelo sin servidor, un proveedor de la nube ejecuta servidores físicos y asigna dinámicamente sus recursos en nombre de los usuarios que pueden implementar el código directamente en producción.</a:t>
             </a:r>
           </a:p>
           <a:p>
-            <a:endParaRPr lang="es-CO" dirty="0"/>
-          </a:p>
-          <a:p>
-            <a:r>
-              <a:rPr lang="es-CO" dirty="0"/>
+            <a:endParaRPr lang="es-CO" dirty="0" smtClean="0"/>
+          </a:p>
+          <a:p>
+            <a:r>
+              <a:rPr lang="es-CO" dirty="0" smtClean="0"/>
               <a:t>Las ofertas de computación sin servidor generalmente se dividen en dos grupos, </a:t>
             </a:r>
             <a:r>
-              <a:rPr lang="es-CO" dirty="0" err="1"/>
+              <a:rPr lang="es-CO" dirty="0" err="1" smtClean="0"/>
               <a:t>backend</a:t>
             </a:r>
             <a:r>
-              <a:rPr lang="es-CO" dirty="0"/>
+              <a:rPr lang="es-CO" dirty="0" smtClean="0"/>
               <a:t> como servicio (</a:t>
             </a:r>
             <a:r>
-              <a:rPr lang="es-CO" dirty="0" err="1"/>
+              <a:rPr lang="es-CO" dirty="0" err="1" smtClean="0"/>
               <a:t>BaaS</a:t>
             </a:r>
             <a:r>
-              <a:rPr lang="es-CO" dirty="0"/>
+              <a:rPr lang="es-CO" dirty="0" smtClean="0"/>
               <a:t>) y función como servicio (</a:t>
             </a:r>
             <a:r>
-              <a:rPr lang="es-CO" dirty="0" err="1"/>
+              <a:rPr lang="es-CO" dirty="0" err="1" smtClean="0"/>
               <a:t>FaaS</a:t>
             </a:r>
             <a:r>
-              <a:rPr lang="es-CO" dirty="0"/>
+              <a:rPr lang="es-CO" dirty="0" smtClean="0"/>
               <a:t>).</a:t>
             </a:r>
           </a:p>
           <a:p>
-            <a:endParaRPr lang="es-CO" dirty="0"/>
-          </a:p>
-          <a:p>
-            <a:r>
-              <a:rPr lang="es-CO" dirty="0" err="1"/>
+            <a:endParaRPr lang="es-CO" dirty="0" smtClean="0"/>
+          </a:p>
+          <a:p>
+            <a:r>
+              <a:rPr lang="es-CO" dirty="0" err="1" smtClean="0"/>
               <a:t>BaaS</a:t>
             </a:r>
             <a:r>
-              <a:rPr lang="es-CO" dirty="0"/>
+              <a:rPr lang="es-CO" dirty="0" smtClean="0"/>
               <a:t> brinda a los desarrolladores acceso a una variedad de servicios y aplicaciones de terceros. Por ejemplo, un proveedor de la nube puede ofrecer servicios de autenticación, encriptación adicional, bases de datos accesibles en la nube y datos de uso de alta fidelidad. Con </a:t>
             </a:r>
             <a:r>
-              <a:rPr lang="es-CO" dirty="0" err="1"/>
+              <a:rPr lang="es-CO" dirty="0" err="1" smtClean="0"/>
               <a:t>BaaS</a:t>
             </a:r>
             <a:r>
-              <a:rPr lang="es-CO" dirty="0"/>
+              <a:rPr lang="es-CO" dirty="0" smtClean="0"/>
               <a:t>, las funciones sin servidor generalmente se llaman a través de interfaces de programación de aplicaciones (API).</a:t>
             </a:r>
           </a:p>
           <a:p>
-            <a:endParaRPr lang="es-CO" dirty="0"/>
-          </a:p>
-          <a:p>
-            <a:r>
-              <a:rPr lang="es-CO" dirty="0"/>
+            <a:endParaRPr lang="es-CO" dirty="0" smtClean="0"/>
+          </a:p>
+          <a:p>
+            <a:r>
+              <a:rPr lang="es-CO" dirty="0" smtClean="0"/>
               <a:t>Más comúnmente, cuando los desarrolladores se refieren a </a:t>
             </a:r>
             <a:r>
-              <a:rPr lang="es-CO" dirty="0" err="1"/>
+              <a:rPr lang="es-CO" dirty="0" err="1" smtClean="0"/>
               <a:t>serverless</a:t>
             </a:r>
             <a:r>
-              <a:rPr lang="es-CO" dirty="0"/>
+              <a:rPr lang="es-CO" dirty="0" smtClean="0"/>
               <a:t>, están hablando de un modelo </a:t>
             </a:r>
             <a:r>
-              <a:rPr lang="es-CO" dirty="0" err="1"/>
+              <a:rPr lang="es-CO" dirty="0" err="1" smtClean="0"/>
               <a:t>FaaS</a:t>
             </a:r>
             <a:r>
-              <a:rPr lang="es-CO" dirty="0"/>
+              <a:rPr lang="es-CO" dirty="0" smtClean="0"/>
               <a:t>. Bajo </a:t>
             </a:r>
             <a:r>
-              <a:rPr lang="es-CO" dirty="0" err="1"/>
+              <a:rPr lang="es-CO" dirty="0" err="1" smtClean="0"/>
               <a:t>FaaS</a:t>
             </a:r>
             <a:r>
-              <a:rPr lang="es-CO" dirty="0"/>
+              <a:rPr lang="es-CO" dirty="0" smtClean="0"/>
               <a:t>, los desarrolladores aún escriben una lógica personalizada del lado del servidor, pero se ejecuta en contenedores totalmente administrados por un proveedor de servicios en la nube.</a:t>
             </a:r>
           </a:p>
           <a:p>
-            <a:endParaRPr lang="es-CO" dirty="0"/>
-          </a:p>
-          <a:p>
-            <a:r>
-              <a:rPr lang="es-CO" dirty="0"/>
+            <a:endParaRPr lang="es-CO" dirty="0" smtClean="0"/>
+          </a:p>
+          <a:p>
+            <a:r>
+              <a:rPr lang="es-CO" dirty="0" smtClean="0"/>
               <a:t>Los principales proveedores de nube pública tienen una o más ofertas de </a:t>
             </a:r>
             <a:r>
-              <a:rPr lang="es-CO" dirty="0" err="1"/>
+              <a:rPr lang="es-CO" dirty="0" err="1" smtClean="0"/>
               <a:t>FaaS</a:t>
             </a:r>
             <a:r>
-              <a:rPr lang="es-CO" dirty="0"/>
+              <a:rPr lang="es-CO" dirty="0" smtClean="0"/>
               <a:t>. Incluyen Amazon Web </a:t>
             </a:r>
             <a:r>
-              <a:rPr lang="es-CO" dirty="0" err="1"/>
+              <a:rPr lang="es-CO" dirty="0" err="1" smtClean="0"/>
               <a:t>Services</a:t>
             </a:r>
             <a:r>
-              <a:rPr lang="es-CO" dirty="0"/>
+              <a:rPr lang="es-CO" dirty="0" smtClean="0"/>
               <a:t> con AWS Lambda, Microsoft </a:t>
             </a:r>
             <a:r>
-              <a:rPr lang="es-CO" dirty="0" err="1"/>
+              <a:rPr lang="es-CO" dirty="0" err="1" smtClean="0"/>
               <a:t>Azure</a:t>
             </a:r>
             <a:r>
-              <a:rPr lang="es-CO" dirty="0"/>
+              <a:rPr lang="es-CO" dirty="0" smtClean="0"/>
               <a:t> con </a:t>
             </a:r>
             <a:r>
-              <a:rPr lang="es-CO" dirty="0" err="1"/>
+              <a:rPr lang="es-CO" dirty="0" err="1" smtClean="0"/>
               <a:t>Azure</a:t>
             </a:r>
             <a:r>
-              <a:rPr lang="es-CO" dirty="0"/>
+              <a:rPr lang="es-CO" dirty="0" smtClean="0"/>
               <a:t> </a:t>
             </a:r>
             <a:r>
-              <a:rPr lang="es-CO" dirty="0" err="1"/>
+              <a:rPr lang="es-CO" dirty="0" err="1" smtClean="0"/>
               <a:t>Functions</a:t>
             </a:r>
             <a:r>
-              <a:rPr lang="es-CO" dirty="0"/>
+              <a:rPr lang="es-CO" dirty="0" smtClean="0"/>
               <a:t>, Google Cloud con múltiples ofertas e IBM Cloud con IBM Cloud </a:t>
             </a:r>
             <a:r>
-              <a:rPr lang="es-CO" dirty="0" err="1"/>
+              <a:rPr lang="es-CO" dirty="0" err="1" smtClean="0"/>
               <a:t>Functions</a:t>
             </a:r>
             <a:r>
-              <a:rPr lang="es-CO" dirty="0"/>
+              <a:rPr lang="es-CO" dirty="0" smtClean="0"/>
               <a:t>, entre otros.</a:t>
             </a:r>
           </a:p>
           <a:p>
-            <a:endParaRPr lang="es-CO" dirty="0"/>
-          </a:p>
-          <a:p>
-            <a:r>
-              <a:rPr lang="es-CO" dirty="0"/>
+            <a:endParaRPr lang="es-CO" dirty="0" smtClean="0"/>
+          </a:p>
+          <a:p>
+            <a:r>
+              <a:rPr lang="es-CO" dirty="0" smtClean="0"/>
               <a:t>Algunas organizaciones optan por operar sus propios entornos </a:t>
             </a:r>
             <a:r>
-              <a:rPr lang="es-CO" dirty="0" err="1"/>
+              <a:rPr lang="es-CO" dirty="0" err="1" smtClean="0"/>
               <a:t>FaaS</a:t>
             </a:r>
             <a:r>
-              <a:rPr lang="es-CO" dirty="0"/>
+              <a:rPr lang="es-CO" dirty="0" smtClean="0"/>
               <a:t> utilizando plataformas sin servidor de código abierto, incluido Red </a:t>
             </a:r>
             <a:r>
-              <a:rPr lang="es-CO" dirty="0" err="1"/>
+              <a:rPr lang="es-CO" dirty="0" err="1" smtClean="0"/>
               <a:t>Hat</a:t>
             </a:r>
             <a:r>
-              <a:rPr lang="es-CO" dirty="0"/>
+              <a:rPr lang="es-CO" dirty="0" smtClean="0"/>
               <a:t>® </a:t>
             </a:r>
             <a:r>
-              <a:rPr lang="es-CO" dirty="0" err="1"/>
+              <a:rPr lang="es-CO" dirty="0" err="1" smtClean="0"/>
               <a:t>OpenShift</a:t>
             </a:r>
             <a:r>
-              <a:rPr lang="es-CO" dirty="0"/>
+              <a:rPr lang="es-CO" dirty="0" smtClean="0"/>
               <a:t>® </a:t>
             </a:r>
             <a:r>
-              <a:rPr lang="es-CO" dirty="0" err="1"/>
+              <a:rPr lang="es-CO" dirty="0" err="1" smtClean="0"/>
               <a:t>Serverless</a:t>
             </a:r>
             <a:r>
-              <a:rPr lang="es-CO" dirty="0"/>
+              <a:rPr lang="es-CO" dirty="0" smtClean="0"/>
               <a:t>, que se basa en el proyecto </a:t>
             </a:r>
             <a:r>
-              <a:rPr lang="es-CO" dirty="0" err="1"/>
+              <a:rPr lang="es-CO" dirty="0" err="1" smtClean="0"/>
               <a:t>Knative</a:t>
             </a:r>
             <a:r>
-              <a:rPr lang="es-CO" dirty="0"/>
+              <a:rPr lang="es-CO" dirty="0" smtClean="0"/>
               <a:t> para </a:t>
             </a:r>
             <a:r>
-              <a:rPr lang="es-CO" dirty="0" err="1"/>
+              <a:rPr lang="es-CO" dirty="0" err="1" smtClean="0"/>
               <a:t>Kubernetes</a:t>
             </a:r>
             <a:r>
-              <a:rPr lang="es-CO" dirty="0"/>
+              <a:rPr lang="es-CO" dirty="0" smtClean="0"/>
               <a:t>.</a:t>
             </a:r>
           </a:p>
           <a:p>
-            <a:endParaRPr lang="es-CO" dirty="0"/>
-          </a:p>
-          <a:p>
-            <a:r>
-              <a:rPr lang="es-CO" b="1" dirty="0" err="1"/>
+            <a:endParaRPr lang="es-CO" dirty="0" smtClean="0"/>
+          </a:p>
+          <a:p>
+            <a:r>
+              <a:rPr lang="es-CO" b="1" dirty="0" err="1" smtClean="0"/>
               <a:t>Function</a:t>
             </a:r>
             <a:r>
-              <a:rPr lang="es-CO" b="1" dirty="0"/>
+              <a:rPr lang="es-CO" b="1" dirty="0" smtClean="0"/>
               <a:t>-as-a-</a:t>
             </a:r>
             <a:r>
-              <a:rPr lang="es-CO" b="1" dirty="0" err="1"/>
+              <a:rPr lang="es-CO" b="1" dirty="0" err="1" smtClean="0"/>
               <a:t>Service</a:t>
             </a:r>
             <a:r>
-              <a:rPr lang="es-CO" b="1" dirty="0"/>
+              <a:rPr lang="es-CO" b="1" dirty="0" smtClean="0"/>
               <a:t> (</a:t>
             </a:r>
             <a:r>
-              <a:rPr lang="es-CO" b="1" dirty="0" err="1"/>
+              <a:rPr lang="es-CO" b="1" dirty="0" err="1" smtClean="0"/>
               <a:t>FaaS</a:t>
             </a:r>
             <a:r>
-              <a:rPr lang="es-CO" b="1" dirty="0"/>
+              <a:rPr lang="es-CO" b="1" dirty="0" smtClean="0"/>
               <a:t>) </a:t>
             </a:r>
           </a:p>
           <a:p>
             <a:r>
-              <a:rPr lang="es-CO" dirty="0"/>
+              <a:rPr lang="es-CO" dirty="0" smtClean="0"/>
               <a:t>Es un modelo de ejecución informática basado en eventos en el que los desarrolladores escriben lógica que se implementa en contenedores totalmente administrados por una plataforma y luego se ejecuta bajo demanda.</a:t>
             </a:r>
           </a:p>
           <a:p>
-            <a:endParaRPr lang="es-CO" dirty="0"/>
-          </a:p>
-          <a:p>
-            <a:r>
-              <a:rPr lang="es-CO" dirty="0"/>
+            <a:endParaRPr lang="es-CO" dirty="0" smtClean="0"/>
+          </a:p>
+          <a:p>
+            <a:r>
+              <a:rPr lang="es-CO" dirty="0" smtClean="0"/>
               <a:t>A diferencia de </a:t>
             </a:r>
             <a:r>
-              <a:rPr lang="es-CO" dirty="0" err="1"/>
+              <a:rPr lang="es-CO" dirty="0" err="1" smtClean="0"/>
               <a:t>BaaS</a:t>
             </a:r>
             <a:r>
-              <a:rPr lang="es-CO" dirty="0"/>
+              <a:rPr lang="es-CO" dirty="0" smtClean="0"/>
               <a:t>, </a:t>
             </a:r>
             <a:r>
-              <a:rPr lang="es-CO" dirty="0" err="1"/>
+              <a:rPr lang="es-CO" dirty="0" err="1" smtClean="0"/>
               <a:t>FaaS</a:t>
             </a:r>
             <a:r>
-              <a:rPr lang="es-CO" dirty="0"/>
+              <a:rPr lang="es-CO" dirty="0" smtClean="0"/>
               <a:t> ofrece un mayor grado de control a los desarrolladores, quienes crean aplicaciones personalizadas en lugar de depender de una biblioteca de servicios </a:t>
             </a:r>
             <a:r>
-              <a:rPr lang="es-CO" dirty="0" err="1"/>
+              <a:rPr lang="es-CO" dirty="0" err="1" smtClean="0"/>
               <a:t>preescritos</a:t>
             </a:r>
             <a:r>
-              <a:rPr lang="es-CO" dirty="0"/>
+              <a:rPr lang="es-CO" dirty="0" smtClean="0"/>
               <a:t>.</a:t>
             </a:r>
           </a:p>
           <a:p>
-            <a:endParaRPr lang="es-CO" dirty="0"/>
-          </a:p>
-          <a:p>
-            <a:r>
-              <a:rPr lang="es-CO" dirty="0"/>
+            <a:endParaRPr lang="es-CO" dirty="0" smtClean="0"/>
+          </a:p>
+          <a:p>
+            <a:r>
+              <a:rPr lang="es-CO" dirty="0" smtClean="0"/>
               <a:t>El código se implementa en contenedores administrados por un proveedor de la nube. En concreto, estos contenedores son:</a:t>
             </a:r>
           </a:p>
           <a:p>
-            <a:endParaRPr lang="es-CO" dirty="0"/>
+            <a:endParaRPr lang="es-CO" dirty="0" smtClean="0"/>
           </a:p>
           <a:p>
             <a:pPr marL="171450" indent="-171450">
@@ -2040,7 +2044,7 @@
               <a:buChar char="-"/>
             </a:pPr>
             <a:r>
-              <a:rPr lang="es-CO" dirty="0"/>
+              <a:rPr lang="es-CO" dirty="0" smtClean="0"/>
               <a:t>Sin estado, lo que simplifica la integración de datos.</a:t>
             </a:r>
           </a:p>
@@ -2050,7 +2054,7 @@
               <a:buChar char="-"/>
             </a:pPr>
             <a:r>
-              <a:rPr lang="es-CO" dirty="0"/>
+              <a:rPr lang="es-CO" dirty="0" smtClean="0"/>
               <a:t>Efímeras, lo que les permite ser ejecutadas por un tiempo muy corto.</a:t>
             </a:r>
           </a:p>
@@ -2060,7 +2064,7 @@
               <a:buChar char="-"/>
             </a:pPr>
             <a:r>
-              <a:rPr lang="es-CO" dirty="0"/>
+              <a:rPr lang="es-CO" dirty="0" smtClean="0"/>
               <a:t>Activado por eventos, para que puedan ejecutarse automáticamente cuando sea necesario.</a:t>
             </a:r>
           </a:p>
@@ -2070,34 +2074,35 @@
               <a:buChar char="-"/>
             </a:pPr>
             <a:r>
-              <a:rPr lang="es-CO" dirty="0"/>
+              <a:rPr lang="es-CO" dirty="0" smtClean="0"/>
               <a:t>Totalmente administrado por un proveedor de la nube, para que solo pague por lo que necesita, no por aplicaciones y servidores siempre activos.</a:t>
             </a:r>
           </a:p>
           <a:p>
+            <a:endParaRPr lang="es-CO" dirty="0" smtClean="0"/>
+          </a:p>
+          <a:p>
+            <a:r>
+              <a:rPr lang="es-CO" dirty="0" smtClean="0"/>
+              <a:t>Con </a:t>
+            </a:r>
+            <a:r>
+              <a:rPr lang="es-CO" dirty="0" err="1" smtClean="0"/>
+              <a:t>FaaS</a:t>
+            </a:r>
+            <a:r>
+              <a:rPr lang="es-CO" dirty="0" smtClean="0"/>
+              <a:t>, los desarrolladores pueden llamar a aplicaciones sin servidor a través de API que el proveedor de </a:t>
+            </a:r>
+            <a:r>
+              <a:rPr lang="es-CO" dirty="0" err="1" smtClean="0"/>
+              <a:t>FaaS</a:t>
+            </a:r>
+            <a:r>
+              <a:rPr lang="es-CO" dirty="0" smtClean="0"/>
+              <a:t> maneja a través de una puerta de enlace API (API Gateway).</a:t>
+            </a:r>
             <a:endParaRPr lang="es-CO" dirty="0"/>
-          </a:p>
-          <a:p>
-            <a:r>
-              <a:rPr lang="es-CO" dirty="0"/>
-              <a:t>Con </a:t>
-            </a:r>
-            <a:r>
-              <a:rPr lang="es-CO" dirty="0" err="1"/>
-              <a:t>FaaS</a:t>
-            </a:r>
-            <a:r>
-              <a:rPr lang="es-CO" dirty="0"/>
-              <a:t>, los desarrolladores pueden llamar a aplicaciones sin servidor a través de API que el proveedor de </a:t>
-            </a:r>
-            <a:r>
-              <a:rPr lang="es-CO" dirty="0" err="1"/>
-              <a:t>FaaS</a:t>
-            </a:r>
-            <a:r>
-              <a:rPr lang="es-CO" dirty="0"/>
-              <a:t> maneja a través de una puerta de enlace API (API Gateway).</a:t>
-            </a:r>
           </a:p>
         </p:txBody>
       </p:sp>
@@ -2183,19 +2188,19 @@
           <a:lstStyle/>
           <a:p>
             <a:r>
-              <a:rPr lang="es-CO" dirty="0"/>
+              <a:rPr lang="es-CO" dirty="0" smtClean="0"/>
               <a:t>https://spring</a:t>
             </a:r>
           </a:p>
           <a:p>
-            <a:endParaRPr lang="es-CO" dirty="0"/>
-          </a:p>
-          <a:p>
-            <a:r>
-              <a:rPr lang="es-CO" b="1" dirty="0" err="1"/>
+            <a:endParaRPr lang="es-CO" dirty="0" smtClean="0"/>
+          </a:p>
+          <a:p>
+            <a:r>
+              <a:rPr lang="es-CO" b="1" dirty="0" err="1" smtClean="0"/>
               <a:t>FaaS</a:t>
             </a:r>
-            <a:endParaRPr lang="es-CO" b="1" dirty="0"/>
+            <a:endParaRPr lang="es-CO" b="1" dirty="0" smtClean="0"/>
           </a:p>
           <a:p>
             <a:pPr marL="171450" indent="-171450">
@@ -2203,7 +2208,7 @@
               <a:buChar char="-"/>
             </a:pPr>
             <a:r>
-              <a:rPr lang="es-CO" dirty="0"/>
+              <a:rPr lang="es-CO" dirty="0" smtClean="0"/>
               <a:t>Ejecución dirigida por eventos.</a:t>
             </a:r>
           </a:p>
@@ -2213,15 +2218,15 @@
               <a:buChar char="-"/>
             </a:pPr>
             <a:r>
-              <a:rPr lang="es-CO" dirty="0"/>
+              <a:rPr lang="es-CO" dirty="0" smtClean="0"/>
               <a:t>Los desarrolladores delegan todas las tareas específicas del servidor a la plataforma </a:t>
             </a:r>
             <a:r>
-              <a:rPr lang="es-CO" dirty="0" err="1"/>
+              <a:rPr lang="es-CO" dirty="0" err="1" smtClean="0"/>
               <a:t>FaaS</a:t>
             </a:r>
             <a:r>
-              <a:rPr lang="es-CO" dirty="0"/>
+              <a:rPr lang="es-CO" dirty="0" smtClean="0"/>
               <a:t>.</a:t>
             </a:r>
           </a:p>
@@ -2231,29 +2236,29 @@
               <a:buChar char="-"/>
             </a:pPr>
             <a:r>
-              <a:rPr lang="es-CO" dirty="0"/>
+              <a:rPr lang="es-CO" dirty="0" smtClean="0"/>
               <a:t>Los desarrolladores solo escriben la lógica comercial que invoca la plataforma, lo que permite una evolución de requisitos más resistente a medida que cambian las necesidades comerciales..</a:t>
             </a:r>
             <a:r>
-              <a:rPr lang="es-CO" dirty="0" err="1"/>
+              <a:rPr lang="es-CO" dirty="0" err="1" smtClean="0"/>
               <a:t>io</a:t>
             </a:r>
             <a:r>
-              <a:rPr lang="es-CO" dirty="0"/>
+              <a:rPr lang="es-CO" dirty="0" smtClean="0"/>
               <a:t>/</a:t>
             </a:r>
             <a:r>
-              <a:rPr lang="es-CO" dirty="0" err="1"/>
+              <a:rPr lang="es-CO" dirty="0" err="1" smtClean="0"/>
               <a:t>serverless</a:t>
             </a:r>
-            <a:endParaRPr lang="es-CO" dirty="0"/>
+            <a:endParaRPr lang="es-CO" dirty="0" smtClean="0"/>
           </a:p>
           <a:p>
             <a:pPr marL="0" indent="0">
               <a:buFontTx/>
               <a:buNone/>
             </a:pPr>
-            <a:endParaRPr lang="es-CO" dirty="0"/>
+            <a:endParaRPr lang="es-CO" dirty="0" smtClean="0"/>
           </a:p>
           <a:p>
             <a:pPr marL="0" indent="0">
@@ -2261,7 +2266,7 @@
               <a:buNone/>
             </a:pPr>
             <a:r>
-              <a:rPr lang="es-CO" b="1" dirty="0"/>
+              <a:rPr lang="es-CO" b="1" dirty="0" smtClean="0"/>
               <a:t>Tradicional</a:t>
             </a:r>
           </a:p>
@@ -2270,7 +2275,7 @@
               <a:buFontTx/>
               <a:buNone/>
             </a:pPr>
-            <a:endParaRPr lang="es-CO" dirty="0"/>
+            <a:endParaRPr lang="es-CO" dirty="0" smtClean="0"/>
           </a:p>
           <a:p>
             <a:pPr marL="171450" indent="-171450">
@@ -2278,7 +2283,7 @@
               <a:buChar char="-"/>
             </a:pPr>
             <a:r>
-              <a:rPr lang="es-CO" dirty="0"/>
+              <a:rPr lang="es-CO" dirty="0" smtClean="0"/>
               <a:t>Debe mantener la infraestructura del servidor (instalación, configuración, aplicación de parches, actualización, etc.).</a:t>
             </a:r>
           </a:p>
@@ -2288,7 +2293,7 @@
               <a:buChar char="-"/>
             </a:pPr>
             <a:r>
-              <a:rPr lang="es-CO" dirty="0"/>
+              <a:rPr lang="es-CO" dirty="0" smtClean="0"/>
               <a:t>La infraestructura se escala de formas que pueden no ser lo suficientemente dinámicas para la carga de trabajo (desperdicio de recursos).</a:t>
             </a:r>
           </a:p>
@@ -2298,7 +2303,7 @@
               <a:buChar char="-"/>
             </a:pPr>
             <a:r>
-              <a:rPr lang="es-CO" dirty="0"/>
+              <a:rPr lang="es-CO" dirty="0" smtClean="0"/>
               <a:t>Los desarrolladores escriben código de integración para manejar plataformas de mensajería, solicitudes/respuestas HTTP, etc.</a:t>
             </a:r>
           </a:p>
@@ -2393,30 +2398,30 @@
           <a:lstStyle/>
           <a:p>
             <a:r>
-              <a:rPr lang="es-CO" dirty="0"/>
+              <a:rPr lang="es-CO" dirty="0" smtClean="0"/>
               <a:t>https://www.nubersia.com/es/blog/serverless-es/tecnologia-serverless-y-sus-ventajas/</a:t>
             </a:r>
           </a:p>
           <a:p>
-            <a:endParaRPr lang="es-CO" b="1" dirty="0"/>
-          </a:p>
-          <a:p>
-            <a:r>
-              <a:rPr lang="es-CO" b="1" dirty="0"/>
+            <a:endParaRPr lang="es-CO" b="1" dirty="0" smtClean="0"/>
+          </a:p>
+          <a:p>
+            <a:r>
+              <a:rPr lang="es-CO" b="1" dirty="0" smtClean="0"/>
               <a:t>Servicio </a:t>
             </a:r>
             <a:r>
-              <a:rPr lang="es-CO" b="1" dirty="0" err="1"/>
+              <a:rPr lang="es-CO" b="1" dirty="0" err="1" smtClean="0"/>
               <a:t>serverless</a:t>
             </a:r>
             <a:r>
-              <a:rPr lang="es-CO" b="1" dirty="0"/>
+              <a:rPr lang="es-CO" b="1" dirty="0" smtClean="0"/>
               <a:t> AWS Lambda</a:t>
             </a:r>
           </a:p>
           <a:p>
             <a:r>
-              <a:rPr lang="es-CO" sz="1200" b="0" i="0" kern="1200" dirty="0">
+              <a:rPr lang="es-CO" sz="1200" b="0" i="0" kern="1200" dirty="0" smtClean="0">
                 <a:solidFill>
                   <a:schemeClr val="tx1"/>
                 </a:solidFill>
@@ -2428,7 +2433,7 @@
               <a:t>Es el más conocido y usado del mercado. Entre las aplicaciones que puede usar están Python, </a:t>
             </a:r>
             <a:r>
-              <a:rPr lang="es-CO" sz="1200" b="0" i="0" kern="1200" dirty="0" err="1">
+              <a:rPr lang="es-CO" sz="1200" b="0" i="0" kern="1200" dirty="0" err="1" smtClean="0">
                 <a:solidFill>
                   <a:schemeClr val="tx1"/>
                 </a:solidFill>
@@ -2440,7 +2445,7 @@
               <a:t>Go</a:t>
             </a:r>
             <a:r>
-              <a:rPr lang="es-CO" sz="1200" b="0" i="0" kern="1200" dirty="0">
+              <a:rPr lang="es-CO" sz="1200" b="0" i="0" kern="1200" dirty="0" smtClean="0">
                 <a:solidFill>
                   <a:schemeClr val="tx1"/>
                 </a:solidFill>
@@ -2452,7 +2457,7 @@
               <a:t>, Java, C# o Node.js. Además, está perfectamente integrado con todos los servicios de Amazon como son </a:t>
             </a:r>
             <a:r>
-              <a:rPr lang="es-CO" sz="1200" b="0" i="0" kern="1200" dirty="0" err="1">
+              <a:rPr lang="es-CO" sz="1200" b="0" i="0" kern="1200" dirty="0" err="1" smtClean="0">
                 <a:solidFill>
                   <a:schemeClr val="tx1"/>
                 </a:solidFill>
@@ -2464,7 +2469,7 @@
               <a:t>DynamoDB</a:t>
             </a:r>
             <a:r>
-              <a:rPr lang="es-CO" sz="1200" b="0" i="0" kern="1200" dirty="0">
+              <a:rPr lang="es-CO" sz="1200" b="0" i="0" kern="1200" dirty="0" smtClean="0">
                 <a:solidFill>
                   <a:schemeClr val="tx1"/>
                 </a:solidFill>
@@ -2476,7 +2481,7 @@
               <a:t>, SNS, RDS… lo puedes </a:t>
             </a:r>
             <a:r>
-              <a:rPr lang="es-CO" sz="1200" b="0" i="0" kern="1200" dirty="0" err="1">
+              <a:rPr lang="es-CO" sz="1200" b="0" i="0" kern="1200" dirty="0" err="1" smtClean="0">
                 <a:solidFill>
                   <a:schemeClr val="tx1"/>
                 </a:solidFill>
@@ -2488,7 +2493,7 @@
               <a:t>virtualizar</a:t>
             </a:r>
             <a:r>
-              <a:rPr lang="es-CO" sz="1200" b="0" i="0" kern="1200" dirty="0">
+              <a:rPr lang="es-CO" sz="1200" b="0" i="0" kern="1200" dirty="0" smtClean="0">
                 <a:solidFill>
                   <a:schemeClr val="tx1"/>
                 </a:solidFill>
@@ -2500,7 +2505,7 @@
               <a:t> con </a:t>
             </a:r>
             <a:r>
-              <a:rPr lang="es-CO" sz="1200" b="0" i="0" kern="1200" dirty="0" err="1">
+              <a:rPr lang="es-CO" sz="1200" b="0" i="0" kern="1200" dirty="0" err="1" smtClean="0">
                 <a:solidFill>
                   <a:schemeClr val="tx1"/>
                 </a:solidFill>
@@ -2512,7 +2517,7 @@
               <a:t>CloudWatch</a:t>
             </a:r>
             <a:r>
-              <a:rPr lang="es-CO" sz="1200" b="0" i="0" kern="1200" dirty="0">
+              <a:rPr lang="es-CO" sz="1200" b="0" i="0" kern="1200" dirty="0" smtClean="0">
                 <a:solidFill>
                   <a:schemeClr val="tx1"/>
                 </a:solidFill>
@@ -2524,7 +2529,7 @@
               <a:t> y lo usan empresas tan conocidas como </a:t>
             </a:r>
             <a:r>
-              <a:rPr lang="es-CO" sz="1200" b="1" i="0" kern="1200" dirty="0" err="1">
+              <a:rPr lang="es-CO" sz="1200" b="1" i="0" kern="1200" dirty="0" err="1" smtClean="0">
                 <a:solidFill>
                   <a:schemeClr val="tx1"/>
                 </a:solidFill>
@@ -2536,7 +2541,7 @@
               <a:t>Netflix</a:t>
             </a:r>
             <a:r>
-              <a:rPr lang="es-CO" sz="1200" b="0" i="0" kern="1200" dirty="0">
+              <a:rPr lang="es-CO" sz="1200" b="0" i="0" kern="1200" dirty="0" smtClean="0">
                 <a:solidFill>
                   <a:schemeClr val="tx1"/>
                 </a:solidFill>
@@ -2550,7 +2555,7 @@
           </a:p>
           <a:p>
             <a:r>
-              <a:rPr lang="es-CO" sz="1200" b="1" i="0" kern="1200" dirty="0" err="1">
+              <a:rPr lang="es-CO" sz="1200" b="1" i="0" kern="1200" dirty="0" err="1" smtClean="0">
                 <a:solidFill>
                   <a:schemeClr val="tx1"/>
                 </a:solidFill>
@@ -2562,7 +2567,7 @@
               <a:t>Azure</a:t>
             </a:r>
             <a:r>
-              <a:rPr lang="es-CO" sz="1200" b="1" i="0" kern="1200" dirty="0">
+              <a:rPr lang="es-CO" sz="1200" b="1" i="0" kern="1200" dirty="0" smtClean="0">
                 <a:solidFill>
                   <a:schemeClr val="tx1"/>
                 </a:solidFill>
@@ -2574,7 +2579,7 @@
               <a:t> </a:t>
             </a:r>
             <a:r>
-              <a:rPr lang="es-CO" sz="1200" b="1" i="0" kern="1200" dirty="0" err="1">
+              <a:rPr lang="es-CO" sz="1200" b="1" i="0" kern="1200" dirty="0" err="1" smtClean="0">
                 <a:solidFill>
                   <a:schemeClr val="tx1"/>
                 </a:solidFill>
@@ -2585,7 +2590,7 @@
               </a:rPr>
               <a:t>Functions</a:t>
             </a:r>
-            <a:endParaRPr lang="es-CO" sz="1200" b="0" i="0" kern="1200" dirty="0">
+            <a:endParaRPr lang="es-CO" sz="1200" b="0" i="0" kern="1200" dirty="0" smtClean="0">
               <a:solidFill>
                 <a:schemeClr val="tx1"/>
               </a:solidFill>
@@ -2597,7 +2602,7 @@
           </a:p>
           <a:p>
             <a:r>
-              <a:rPr lang="es-CO" sz="1200" b="0" i="0" kern="1200" dirty="0">
+              <a:rPr lang="es-CO" sz="1200" b="0" i="0" kern="1200" dirty="0" smtClean="0">
                 <a:solidFill>
                   <a:schemeClr val="tx1"/>
                 </a:solidFill>
@@ -2609,7 +2614,7 @@
               <a:t>Está desarrollado por Microsoft desde hace dos años y puedes utilizar con él aplicaciones como </a:t>
             </a:r>
             <a:r>
-              <a:rPr lang="es-CO" sz="1200" b="0" i="0" kern="1200" dirty="0" err="1">
+              <a:rPr lang="es-CO" sz="1200" b="0" i="0" kern="1200" dirty="0" err="1" smtClean="0">
                 <a:solidFill>
                   <a:schemeClr val="tx1"/>
                 </a:solidFill>
@@ -2621,7 +2626,7 @@
               <a:t>Bash</a:t>
             </a:r>
             <a:r>
-              <a:rPr lang="es-CO" sz="1200" b="0" i="0" kern="1200" dirty="0">
+              <a:rPr lang="es-CO" sz="1200" b="0" i="0" kern="1200" dirty="0" smtClean="0">
                 <a:solidFill>
                   <a:schemeClr val="tx1"/>
                 </a:solidFill>
@@ -2633,7 +2638,7 @@
               <a:t>, </a:t>
             </a:r>
             <a:r>
-              <a:rPr lang="es-CO" sz="1200" b="0" i="0" kern="1200" dirty="0" err="1">
+              <a:rPr lang="es-CO" sz="1200" b="0" i="0" kern="1200" dirty="0" err="1" smtClean="0">
                 <a:solidFill>
                   <a:schemeClr val="tx1"/>
                 </a:solidFill>
@@ -2645,7 +2650,7 @@
               <a:t>Powershell</a:t>
             </a:r>
             <a:r>
-              <a:rPr lang="es-CO" sz="1200" b="0" i="0" kern="1200" dirty="0">
+              <a:rPr lang="es-CO" sz="1200" b="0" i="0" kern="1200" dirty="0" smtClean="0">
                 <a:solidFill>
                   <a:schemeClr val="tx1"/>
                 </a:solidFill>
@@ -2657,7 +2662,7 @@
               <a:t>, Java, Python, C#, F#, PHP o </a:t>
             </a:r>
             <a:r>
-              <a:rPr lang="es-CO" sz="1200" b="0" i="0" kern="1200" dirty="0" err="1">
+              <a:rPr lang="es-CO" sz="1200" b="0" i="0" kern="1200" dirty="0" err="1" smtClean="0">
                 <a:solidFill>
                   <a:schemeClr val="tx1"/>
                 </a:solidFill>
@@ -2669,7 +2674,7 @@
               <a:t>Batch</a:t>
             </a:r>
             <a:r>
-              <a:rPr lang="es-CO" sz="1200" b="0" i="0" kern="1200" dirty="0">
+              <a:rPr lang="es-CO" sz="1200" b="0" i="0" kern="1200" dirty="0" smtClean="0">
                 <a:solidFill>
                   <a:schemeClr val="tx1"/>
                 </a:solidFill>
@@ -2681,7 +2686,7 @@
               <a:t>. Muchos de los servicios de Microsoft de su sistema </a:t>
             </a:r>
             <a:r>
-              <a:rPr lang="es-CO" sz="1200" b="0" i="0" kern="1200" dirty="0" err="1">
+              <a:rPr lang="es-CO" sz="1200" b="0" i="0" kern="1200" dirty="0" err="1" smtClean="0">
                 <a:solidFill>
                   <a:schemeClr val="tx1"/>
                 </a:solidFill>
@@ -2693,7 +2698,7 @@
               <a:t>Azure</a:t>
             </a:r>
             <a:r>
-              <a:rPr lang="es-CO" sz="1200" b="0" i="0" kern="1200" dirty="0">
+              <a:rPr lang="es-CO" sz="1200" b="0" i="0" kern="1200" dirty="0" smtClean="0">
                 <a:solidFill>
                   <a:schemeClr val="tx1"/>
                 </a:solidFill>
@@ -2705,7 +2710,7 @@
               <a:t> se pueden usar como por ejemplo </a:t>
             </a:r>
             <a:r>
-              <a:rPr lang="es-CO" sz="1200" b="0" i="0" kern="1200" dirty="0" err="1">
+              <a:rPr lang="es-CO" sz="1200" b="0" i="0" kern="1200" dirty="0" err="1" smtClean="0">
                 <a:solidFill>
                   <a:schemeClr val="tx1"/>
                 </a:solidFill>
@@ -2717,7 +2722,7 @@
               <a:t>Cortana</a:t>
             </a:r>
             <a:r>
-              <a:rPr lang="es-CO" sz="1200" b="0" i="0" kern="1200" dirty="0">
+              <a:rPr lang="es-CO" sz="1200" b="0" i="0" kern="1200" dirty="0" smtClean="0">
                 <a:solidFill>
                   <a:schemeClr val="tx1"/>
                 </a:solidFill>
@@ -2731,7 +2736,7 @@
           </a:p>
           <a:p>
             <a:r>
-              <a:rPr lang="es-CO" sz="1200" b="1" i="0" kern="1200" dirty="0">
+              <a:rPr lang="es-CO" sz="1200" b="1" i="0" kern="1200" dirty="0" smtClean="0">
                 <a:solidFill>
                   <a:schemeClr val="tx1"/>
                 </a:solidFill>
@@ -2743,7 +2748,7 @@
               <a:t>Google Cloud </a:t>
             </a:r>
             <a:r>
-              <a:rPr lang="es-CO" sz="1200" b="1" i="0" kern="1200" dirty="0" err="1">
+              <a:rPr lang="es-CO" sz="1200" b="1" i="0" kern="1200" dirty="0" err="1" smtClean="0">
                 <a:solidFill>
                   <a:schemeClr val="tx1"/>
                 </a:solidFill>
@@ -2754,7 +2759,7 @@
               </a:rPr>
               <a:t>Functions</a:t>
             </a:r>
-            <a:endParaRPr lang="es-CO" sz="1200" b="0" i="0" kern="1200" dirty="0">
+            <a:endParaRPr lang="es-CO" sz="1200" b="0" i="0" kern="1200" dirty="0" smtClean="0">
               <a:solidFill>
                 <a:schemeClr val="tx1"/>
               </a:solidFill>
@@ -2766,7 +2771,7 @@
           </a:p>
           <a:p>
             <a:r>
-              <a:rPr lang="es-CO" sz="1200" b="0" i="0" kern="1200" dirty="0">
+              <a:rPr lang="es-CO" sz="1200" b="0" i="0" kern="1200" dirty="0" smtClean="0">
                 <a:solidFill>
                   <a:schemeClr val="tx1"/>
                 </a:solidFill>
@@ -2778,7 +2783,7 @@
               <a:t>Lo puedes encontrar en la plataforma de Google y solo se puede usar con el código </a:t>
             </a:r>
             <a:r>
-              <a:rPr lang="es-CO" sz="1200" b="0" i="0" kern="1200" dirty="0" err="1">
+              <a:rPr lang="es-CO" sz="1200" b="0" i="0" kern="1200" dirty="0" err="1" smtClean="0">
                 <a:solidFill>
                   <a:schemeClr val="tx1"/>
                 </a:solidFill>
@@ -2790,7 +2795,7 @@
               <a:t>Javascript</a:t>
             </a:r>
             <a:r>
-              <a:rPr lang="es-CO" sz="1200" b="0" i="0" kern="1200" dirty="0">
+              <a:rPr lang="es-CO" sz="1200" b="0" i="0" kern="1200" dirty="0" smtClean="0">
                 <a:solidFill>
                   <a:schemeClr val="tx1"/>
                 </a:solidFill>
@@ -2802,7 +2807,7 @@
               <a:t> para ejecutarse en un entorno Node.js. Se integra con el resto de servicios de la compañía como son </a:t>
             </a:r>
             <a:r>
-              <a:rPr lang="es-CO" sz="1200" b="0" i="0" kern="1200" dirty="0" err="1">
+              <a:rPr lang="es-CO" sz="1200" b="0" i="0" kern="1200" dirty="0" err="1" smtClean="0">
                 <a:solidFill>
                   <a:schemeClr val="tx1"/>
                 </a:solidFill>
@@ -2814,7 +2819,7 @@
               <a:t>Firebase</a:t>
             </a:r>
             <a:r>
-              <a:rPr lang="es-CO" sz="1200" b="0" i="0" kern="1200" dirty="0">
+              <a:rPr lang="es-CO" sz="1200" b="0" i="0" kern="1200" dirty="0" smtClean="0">
                 <a:solidFill>
                   <a:schemeClr val="tx1"/>
                 </a:solidFill>
@@ -2826,7 +2831,7 @@
               <a:t>, Pub/Sub, Storage o </a:t>
             </a:r>
             <a:r>
-              <a:rPr lang="es-CO" sz="1200" b="0" i="0" kern="1200" dirty="0" err="1">
+              <a:rPr lang="es-CO" sz="1200" b="0" i="0" kern="1200" dirty="0" err="1" smtClean="0">
                 <a:solidFill>
                   <a:schemeClr val="tx1"/>
                 </a:solidFill>
@@ -2838,7 +2843,7 @@
               <a:t>Spanner</a:t>
             </a:r>
             <a:r>
-              <a:rPr lang="es-CO" sz="1200" b="0" i="0" kern="1200" dirty="0">
+              <a:rPr lang="es-CO" sz="1200" b="0" i="0" kern="1200" dirty="0" smtClean="0">
                 <a:solidFill>
                   <a:schemeClr val="tx1"/>
                 </a:solidFill>
@@ -2850,7 +2855,7 @@
               <a:t>. Lo puedes monitorizar con </a:t>
             </a:r>
             <a:r>
-              <a:rPr lang="es-CO" sz="1200" b="0" i="0" kern="1200" dirty="0" err="1">
+              <a:rPr lang="es-CO" sz="1200" b="0" i="0" kern="1200" dirty="0" err="1" smtClean="0">
                 <a:solidFill>
                   <a:schemeClr val="tx1"/>
                 </a:solidFill>
@@ -2862,7 +2867,7 @@
               <a:t>Stackdriver</a:t>
             </a:r>
             <a:r>
-              <a:rPr lang="es-CO" sz="1200" b="0" i="0" kern="1200" dirty="0">
+              <a:rPr lang="es-CO" sz="1200" b="0" i="0" kern="1200" dirty="0" smtClean="0">
                 <a:solidFill>
                   <a:schemeClr val="tx1"/>
                 </a:solidFill>
@@ -3033,7 +3038,7 @@
           </a:lstStyle>
           <a:p>
             <a:r>
-              <a:rPr lang="en-US"/>
+              <a:rPr lang="en-US" smtClean="0"/>
               <a:t>Click to edit Master title style</a:t>
             </a:r>
             <a:endParaRPr lang="es-CO"/>
@@ -3152,7 +3157,7 @@
           </a:lstStyle>
           <a:p>
             <a:r>
-              <a:rPr lang="en-US"/>
+              <a:rPr lang="en-US" smtClean="0"/>
               <a:t>Click to edit Master subtitle style</a:t>
             </a:r>
             <a:endParaRPr lang="es-CO"/>
@@ -3177,7 +3182,7 @@
             <a:fld id="{42C1F1CB-57C8-46CD-A207-903DDF210919}" type="datetimeFigureOut">
               <a:rPr lang="es-CO" smtClean="0"/>
               <a:pPr/>
-              <a:t>24/05/2025</a:t>
+              <a:t>1/04/2022</a:t>
             </a:fld>
             <a:endParaRPr lang="es-CO" dirty="0"/>
           </a:p>
@@ -3351,7 +3356,7 @@
           </a:lstStyle>
           <a:p>
             <a:r>
-              <a:rPr lang="en-US"/>
+              <a:rPr lang="en-US" smtClean="0"/>
               <a:t>Click to edit Master title style</a:t>
             </a:r>
             <a:endParaRPr lang="es-CO"/>
@@ -3470,7 +3475,7 @@
           </a:lstStyle>
           <a:p>
             <a:r>
-              <a:rPr lang="en-US"/>
+              <a:rPr lang="en-US" smtClean="0"/>
               <a:t>Click to edit Master subtitle style</a:t>
             </a:r>
             <a:endParaRPr lang="es-CO"/>
@@ -3495,7 +3500,7 @@
             <a:fld id="{42C1F1CB-57C8-46CD-A207-903DDF210919}" type="datetimeFigureOut">
               <a:rPr lang="es-CO" smtClean="0"/>
               <a:pPr/>
-              <a:t>24/05/2025</a:t>
+              <a:t>1/04/2022</a:t>
             </a:fld>
             <a:endParaRPr lang="es-CO" dirty="0"/>
           </a:p>
@@ -3654,7 +3659,7 @@
           <a:lstStyle/>
           <a:p>
             <a:r>
-              <a:rPr lang="en-US"/>
+              <a:rPr lang="en-US" smtClean="0"/>
               <a:t>Click to edit Master title style</a:t>
             </a:r>
             <a:endParaRPr lang="es-CO"/>
@@ -3689,35 +3694,35 @@
           <a:p>
             <a:pPr lvl="0"/>
             <a:r>
-              <a:rPr lang="en-US"/>
+              <a:rPr lang="en-US" smtClean="0"/>
               <a:t>Click to edit Master text styles</a:t>
             </a:r>
           </a:p>
           <a:p>
             <a:pPr lvl="1"/>
             <a:r>
-              <a:rPr lang="en-US"/>
+              <a:rPr lang="en-US" smtClean="0"/>
               <a:t>Second level</a:t>
             </a:r>
           </a:p>
           <a:p>
             <a:pPr lvl="2"/>
             <a:r>
-              <a:rPr lang="en-US"/>
+              <a:rPr lang="en-US" smtClean="0"/>
               <a:t>Third level</a:t>
             </a:r>
           </a:p>
           <a:p>
             <a:pPr lvl="3"/>
             <a:r>
-              <a:rPr lang="en-US"/>
+              <a:rPr lang="en-US" smtClean="0"/>
               <a:t>Fourth level</a:t>
             </a:r>
           </a:p>
           <a:p>
             <a:pPr lvl="4"/>
             <a:r>
-              <a:rPr lang="en-US"/>
+              <a:rPr lang="en-US" smtClean="0"/>
               <a:t>Fifth level</a:t>
             </a:r>
             <a:endParaRPr lang="es-CO" dirty="0"/>
@@ -3742,7 +3747,7 @@
             <a:fld id="{42C1F1CB-57C8-46CD-A207-903DDF210919}" type="datetimeFigureOut">
               <a:rPr lang="es-CO" smtClean="0"/>
               <a:pPr/>
-              <a:t>24/05/2025</a:t>
+              <a:t>1/04/2022</a:t>
             </a:fld>
             <a:endParaRPr lang="es-CO" dirty="0"/>
           </a:p>
@@ -3901,7 +3906,7 @@
           <a:lstStyle/>
           <a:p>
             <a:r>
-              <a:rPr lang="en-US"/>
+              <a:rPr lang="en-US" smtClean="0"/>
               <a:t>Click to edit Master title style</a:t>
             </a:r>
             <a:endParaRPr lang="es-CO"/>
@@ -3930,35 +3935,35 @@
           <a:p>
             <a:pPr lvl="0"/>
             <a:r>
-              <a:rPr lang="en-US"/>
+              <a:rPr lang="en-US" smtClean="0"/>
               <a:t>Click to edit Master text styles</a:t>
             </a:r>
           </a:p>
           <a:p>
             <a:pPr lvl="1"/>
             <a:r>
-              <a:rPr lang="en-US"/>
+              <a:rPr lang="en-US" smtClean="0"/>
               <a:t>Second level</a:t>
             </a:r>
           </a:p>
           <a:p>
             <a:pPr lvl="2"/>
             <a:r>
-              <a:rPr lang="en-US"/>
+              <a:rPr lang="en-US" smtClean="0"/>
               <a:t>Third level</a:t>
             </a:r>
           </a:p>
           <a:p>
             <a:pPr lvl="3"/>
             <a:r>
-              <a:rPr lang="en-US"/>
+              <a:rPr lang="en-US" smtClean="0"/>
               <a:t>Fourth level</a:t>
             </a:r>
           </a:p>
           <a:p>
             <a:pPr lvl="4"/>
             <a:r>
-              <a:rPr lang="en-US"/>
+              <a:rPr lang="en-US" smtClean="0"/>
               <a:t>Fifth level</a:t>
             </a:r>
             <a:endParaRPr lang="es-CO"/>
@@ -3983,7 +3988,7 @@
             <a:fld id="{42C1F1CB-57C8-46CD-A207-903DDF210919}" type="datetimeFigureOut">
               <a:rPr lang="es-CO" smtClean="0"/>
               <a:pPr/>
-              <a:t>24/05/2025</a:t>
+              <a:t>1/04/2022</a:t>
             </a:fld>
             <a:endParaRPr lang="es-CO" dirty="0"/>
           </a:p>
@@ -4142,7 +4147,7 @@
           <a:lstStyle/>
           <a:p>
             <a:r>
-              <a:rPr lang="en-US"/>
+              <a:rPr lang="en-US" smtClean="0"/>
               <a:t>Click to edit Master title style</a:t>
             </a:r>
             <a:endParaRPr lang="es-CO"/>
@@ -4171,35 +4176,35 @@
           <a:p>
             <a:pPr lvl="0"/>
             <a:r>
-              <a:rPr lang="en-US"/>
+              <a:rPr lang="en-US" smtClean="0"/>
               <a:t>Click to edit Master text styles</a:t>
             </a:r>
           </a:p>
           <a:p>
             <a:pPr lvl="1"/>
             <a:r>
-              <a:rPr lang="en-US"/>
+              <a:rPr lang="en-US" smtClean="0"/>
               <a:t>Second level</a:t>
             </a:r>
           </a:p>
           <a:p>
             <a:pPr lvl="2"/>
             <a:r>
-              <a:rPr lang="en-US"/>
+              <a:rPr lang="en-US" smtClean="0"/>
               <a:t>Third level</a:t>
             </a:r>
           </a:p>
           <a:p>
             <a:pPr lvl="3"/>
             <a:r>
-              <a:rPr lang="en-US"/>
+              <a:rPr lang="en-US" smtClean="0"/>
               <a:t>Fourth level</a:t>
             </a:r>
           </a:p>
           <a:p>
             <a:pPr lvl="4"/>
             <a:r>
-              <a:rPr lang="en-US"/>
+              <a:rPr lang="en-US" smtClean="0"/>
               <a:t>Fifth level</a:t>
             </a:r>
             <a:endParaRPr lang="es-CO"/>
@@ -4224,7 +4229,7 @@
             <a:fld id="{42C1F1CB-57C8-46CD-A207-903DDF210919}" type="datetimeFigureOut">
               <a:rPr lang="es-CO" smtClean="0"/>
               <a:pPr/>
-              <a:t>24/05/2025</a:t>
+              <a:t>1/04/2022</a:t>
             </a:fld>
             <a:endParaRPr lang="es-CO" dirty="0"/>
           </a:p>
@@ -4393,7 +4398,7 @@
           <a:lstStyle/>
           <a:p>
             <a:r>
-              <a:rPr lang="en-US"/>
+              <a:rPr lang="en-US" smtClean="0"/>
               <a:t>Click to edit Master title style</a:t>
             </a:r>
             <a:endParaRPr lang="es-CO"/>
@@ -4427,35 +4432,35 @@
           <a:p>
             <a:pPr lvl="0"/>
             <a:r>
-              <a:rPr lang="en-US"/>
+              <a:rPr lang="en-US" smtClean="0"/>
               <a:t>Click to edit Master text styles</a:t>
             </a:r>
           </a:p>
           <a:p>
             <a:pPr lvl="1"/>
             <a:r>
-              <a:rPr lang="en-US"/>
+              <a:rPr lang="en-US" smtClean="0"/>
               <a:t>Second level</a:t>
             </a:r>
           </a:p>
           <a:p>
             <a:pPr lvl="2"/>
             <a:r>
-              <a:rPr lang="en-US"/>
+              <a:rPr lang="en-US" smtClean="0"/>
               <a:t>Third level</a:t>
             </a:r>
           </a:p>
           <a:p>
             <a:pPr lvl="3"/>
             <a:r>
-              <a:rPr lang="en-US"/>
+              <a:rPr lang="en-US" smtClean="0"/>
               <a:t>Fourth level</a:t>
             </a:r>
           </a:p>
           <a:p>
             <a:pPr lvl="4"/>
             <a:r>
-              <a:rPr lang="en-US"/>
+              <a:rPr lang="en-US" smtClean="0"/>
               <a:t>Fifth level</a:t>
             </a:r>
             <a:endParaRPr lang="es-CO" dirty="0"/>
@@ -4498,7 +4503,7 @@
             <a:fld id="{42C1F1CB-57C8-46CD-A207-903DDF210919}" type="datetimeFigureOut">
               <a:rPr lang="es-CO" smtClean="0"/>
               <a:pPr/>
-              <a:t>24/05/2025</a:t>
+              <a:t>1/04/2022</a:t>
             </a:fld>
             <a:endParaRPr lang="es-CO" dirty="0"/>
           </a:p>
@@ -4901,11 +4906,11 @@
           <a:lstStyle/>
           <a:p>
             <a:r>
-              <a:rPr lang="es-CO" dirty="0" err="1"/>
+              <a:rPr lang="es-CO" dirty="0" err="1" smtClean="0"/>
               <a:t>Serverless</a:t>
             </a:r>
             <a:r>
-              <a:rPr lang="es-CO" dirty="0"/>
+              <a:rPr lang="es-CO" dirty="0" smtClean="0"/>
               <a:t> Computing</a:t>
             </a:r>
           </a:p>
@@ -4935,7 +4940,7 @@
           <a:lstStyle/>
           <a:p>
             <a:r>
-              <a:rPr lang="es-CO" sz="8000" dirty="0" err="1"/>
+              <a:rPr lang="es-CO" sz="8000" dirty="0" err="1" smtClean="0"/>
               <a:t>Serverless</a:t>
             </a:r>
             <a:endParaRPr lang="es-CO" sz="8000" dirty="0"/>
@@ -4965,9 +4970,10 @@
           <a:lstStyle/>
           <a:p>
             <a:r>
-              <a:rPr lang="es-CO" dirty="0"/>
+              <a:rPr lang="es-CO" dirty="0" smtClean="0"/>
               <a:t>Julio Cesar Robles Uribe</a:t>
             </a:r>
+            <a:endParaRPr lang="es-CO" dirty="0"/>
           </a:p>
         </p:txBody>
       </p:sp>
@@ -4994,13 +5000,18 @@
           <a:lstStyle/>
           <a:p>
             <a:r>
-              <a:rPr lang="es-CO" sz="1400" dirty="0">
+              <a:rPr lang="es-CO" sz="1400" dirty="0" smtClean="0">
                 <a:solidFill>
                   <a:srgbClr val="0070C0"/>
                 </a:solidFill>
               </a:rPr>
               <a:t>Arquitecto de Soluciones</a:t>
             </a:r>
+            <a:endParaRPr lang="es-CO" sz="1400" dirty="0">
+              <a:solidFill>
+                <a:srgbClr val="0070C0"/>
+              </a:solidFill>
+            </a:endParaRPr>
           </a:p>
         </p:txBody>
       </p:sp>
@@ -5039,6 +5050,13 @@
   <p:clrMapOvr>
     <a:masterClrMapping/>
   </p:clrMapOvr>
+  <p:timing>
+    <p:tnLst>
+      <p:par>
+        <p:cTn id="1" dur="indefinite" restart="never" nodeType="tmRoot"/>
+      </p:par>
+    </p:tnLst>
+  </p:timing>
 </p:sld>
 </file>
 
@@ -5075,13 +5093,14 @@
           <a:lstStyle/>
           <a:p>
             <a:r>
-              <a:rPr lang="es-CO" dirty="0" err="1"/>
+              <a:rPr lang="es-CO" dirty="0" err="1" smtClean="0"/>
               <a:t>Quiz</a:t>
             </a:r>
             <a:r>
-              <a:rPr lang="es-CO" dirty="0"/>
+              <a:rPr lang="es-CO" dirty="0" smtClean="0"/>
               <a:t> – Verdadero o Falso</a:t>
             </a:r>
+            <a:endParaRPr lang="es-CO" dirty="0"/>
           </a:p>
         </p:txBody>
       </p:sp>
@@ -5109,34 +5128,43 @@
           <a:p>
             <a:r>
               <a:rPr lang="es-CO" sz="2000" dirty="0"/>
-              <a:t>Una arquitectura sin servidor ayuda a las empresas a escribir e implementar código sin preocuparse en absoluto por la infraestructura.</a:t>
+              <a:t>Una arquitectura sin servidor ayuda a las empresas a escribir e implementar código sin preocuparse en absoluto por la </a:t>
+            </a:r>
+            <a:r>
+              <a:rPr lang="es-CO" sz="2000" dirty="0" smtClean="0"/>
+              <a:t>infraestructura.</a:t>
             </a:r>
           </a:p>
           <a:p>
             <a:pPr lvl="1"/>
             <a:r>
-              <a:rPr lang="es-CO" sz="1600" b="1" dirty="0">
+              <a:rPr lang="es-CO" sz="1600" b="1" dirty="0" smtClean="0">
                 <a:solidFill>
                   <a:srgbClr val="00B050"/>
                 </a:solidFill>
               </a:rPr>
               <a:t>Verdadero</a:t>
             </a:r>
-          </a:p>
-          <a:p>
-            <a:r>
-              <a:rPr lang="es-CO" sz="2000" dirty="0" err="1"/>
+            <a:endParaRPr lang="es-CO" sz="1600" b="1" dirty="0">
+              <a:solidFill>
+                <a:srgbClr val="00B050"/>
+              </a:solidFill>
+            </a:endParaRPr>
+          </a:p>
+          <a:p>
+            <a:r>
+              <a:rPr lang="es-CO" sz="2000" dirty="0" err="1" smtClean="0"/>
               <a:t>Serverless</a:t>
             </a:r>
             <a:r>
-              <a:rPr lang="es-CO" sz="2000" dirty="0"/>
+              <a:rPr lang="es-CO" sz="2000" dirty="0" smtClean="0"/>
               <a:t> es la mejor forma de simplificar código, convirtiéndose en la bala mágica de los desarrolladores</a:t>
             </a:r>
           </a:p>
           <a:p>
             <a:pPr lvl="1"/>
             <a:r>
-              <a:rPr lang="es-CO" sz="1600" b="1" dirty="0">
+              <a:rPr lang="es-CO" sz="1600" b="1" dirty="0" smtClean="0">
                 <a:solidFill>
                   <a:srgbClr val="FF0000"/>
                 </a:solidFill>
@@ -5146,22 +5174,22 @@
           </a:p>
           <a:p>
             <a:r>
-              <a:rPr lang="es-CO" sz="2000" dirty="0"/>
+              <a:rPr lang="es-CO" sz="2000" dirty="0" smtClean="0"/>
               <a:t>Con </a:t>
             </a:r>
             <a:r>
-              <a:rPr lang="es-CO" sz="2000" dirty="0" err="1"/>
+              <a:rPr lang="es-CO" sz="2000" dirty="0" err="1" smtClean="0"/>
               <a:t>Serverless</a:t>
             </a:r>
             <a:r>
-              <a:rPr lang="es-CO" sz="2000" dirty="0"/>
+              <a:rPr lang="es-CO" sz="2000" dirty="0" smtClean="0"/>
               <a:t>, los desarrolladores solo se deben preocupar por las políticas de escalamiento y no por el código.</a:t>
             </a:r>
           </a:p>
           <a:p>
             <a:pPr lvl="1"/>
             <a:r>
-              <a:rPr lang="es-CO" sz="1600" b="1" dirty="0">
+              <a:rPr lang="es-CO" sz="1600" b="1" dirty="0" smtClean="0">
                 <a:solidFill>
                   <a:srgbClr val="FF0000"/>
                 </a:solidFill>
@@ -5171,18 +5199,18 @@
           </a:p>
           <a:p>
             <a:r>
-              <a:rPr lang="es-CO" sz="2000" dirty="0" err="1"/>
+              <a:rPr lang="es-CO" sz="2000" dirty="0" err="1" smtClean="0"/>
               <a:t>Serverless</a:t>
             </a:r>
             <a:r>
-              <a:rPr lang="es-CO" sz="2000" dirty="0"/>
+              <a:rPr lang="es-CO" sz="2000" dirty="0" smtClean="0"/>
               <a:t> permite ejecutar funciones más rápidamente que otros métodos.</a:t>
             </a:r>
           </a:p>
           <a:p>
             <a:pPr lvl="1"/>
             <a:r>
-              <a:rPr lang="es-CO" sz="1600" b="1" dirty="0">
+              <a:rPr lang="es-CO" sz="1600" b="1" dirty="0" smtClean="0">
                 <a:solidFill>
                   <a:srgbClr val="FF0000"/>
                 </a:solidFill>
@@ -5192,16 +5220,28 @@
           </a:p>
           <a:p>
             <a:r>
+              <a:rPr lang="es-CO" sz="2000" dirty="0" err="1" smtClean="0"/>
+              <a:t>FaaS</a:t>
+            </a:r>
+            <a:r>
+              <a:rPr lang="es-CO" sz="2000" dirty="0" smtClean="0"/>
+              <a:t> </a:t>
+            </a:r>
+            <a:r>
+              <a:rPr lang="es-CO" sz="2000" dirty="0"/>
+              <a:t>ofrece un mayor grado de control a los desarrolladores, </a:t>
+            </a:r>
+            <a:r>
+              <a:rPr lang="es-CO" sz="2000" dirty="0" smtClean="0"/>
+              <a:t>porque no dependen </a:t>
+            </a:r>
+            <a:r>
+              <a:rPr lang="es-CO" sz="2000" dirty="0"/>
+              <a:t>de una biblioteca de servicios </a:t>
+            </a:r>
+            <a:r>
               <a:rPr lang="es-CO" sz="2000" dirty="0" err="1"/>
-              <a:t>FaaS</a:t>
-            </a:r>
-            <a:r>
-              <a:rPr lang="es-CO" sz="2000" dirty="0"/>
-              <a:t> ofrece un mayor grado de control a los desarrolladores, porque no dependen de una biblioteca de servicios </a:t>
-            </a:r>
-            <a:r>
-              <a:rPr lang="es-CO" sz="2000" dirty="0" err="1"/>
-              <a:t>pre-escritos</a:t>
+              <a:t>preescritos</a:t>
             </a:r>
             <a:r>
               <a:rPr lang="es-CO" sz="2000" dirty="0"/>
@@ -5211,13 +5251,18 @@
           <a:p>
             <a:pPr lvl="1"/>
             <a:r>
-              <a:rPr lang="es-CO" sz="1600" b="1" dirty="0">
+              <a:rPr lang="es-CO" sz="1600" b="1" dirty="0" smtClean="0">
                 <a:solidFill>
                   <a:srgbClr val="00B050"/>
                 </a:solidFill>
               </a:rPr>
               <a:t>Verdadero</a:t>
             </a:r>
+            <a:endParaRPr lang="es-CO" sz="1600" b="1" dirty="0">
+              <a:solidFill>
+                <a:srgbClr val="00B050"/>
+              </a:solidFill>
+            </a:endParaRPr>
           </a:p>
         </p:txBody>
       </p:sp>
@@ -5788,9 +5833,10 @@
           <a:p>
             <a:pPr algn="ctr"/>
             <a:r>
-              <a:rPr lang="es-CO" dirty="0"/>
+              <a:rPr lang="es-CO" dirty="0" smtClean="0"/>
               <a:t>Preguntas?</a:t>
             </a:r>
+            <a:endParaRPr lang="es-CO" dirty="0"/>
           </a:p>
         </p:txBody>
       </p:sp>
@@ -5825,6 +5871,13 @@
   <p:clrMapOvr>
     <a:masterClrMapping/>
   </p:clrMapOvr>
+  <p:timing>
+    <p:tnLst>
+      <p:par>
+        <p:cTn id="1" dur="indefinite" restart="never" nodeType="tmRoot"/>
+      </p:par>
+    </p:tnLst>
+  </p:timing>
 </p:sld>
 </file>
 
@@ -5883,7 +5936,7 @@
           <a:p>
             <a:pPr algn="ctr"/>
             <a:r>
-              <a:rPr lang="en-US" sz="6600" b="1" cap="all" dirty="0">
+              <a:rPr lang="en-US" sz="6600" b="1" cap="all" dirty="0" smtClean="0">
                 <a:ln w="0"/>
                 <a:solidFill>
                   <a:srgbClr val="0066CC">
@@ -5897,6 +5950,18 @@
               </a:rPr>
               <a:t>Gracias!!!</a:t>
             </a:r>
+            <a:endParaRPr lang="en-US" sz="6600" b="1" cap="all" dirty="0">
+              <a:ln w="0"/>
+              <a:solidFill>
+                <a:srgbClr val="0066CC">
+                  <a:alpha val="74000"/>
+                </a:srgbClr>
+              </a:solidFill>
+              <a:effectLst>
+                <a:reflection blurRad="12700" stA="50000" endPos="50000" dist="5000" dir="5400000" sy="-100000" rotWithShape="0"/>
+              </a:effectLst>
+              <a:latin typeface="Berlin Sans FB Demi" pitchFamily="34" charset="0"/>
+            </a:endParaRPr>
           </a:p>
         </p:txBody>
       </p:sp>
@@ -5905,6 +5970,13 @@
   <p:clrMapOvr>
     <a:masterClrMapping/>
   </p:clrMapOvr>
+  <p:timing>
+    <p:tnLst>
+      <p:par>
+        <p:cTn id="1" dur="indefinite" restart="never" nodeType="tmRoot"/>
+      </p:par>
+    </p:tnLst>
+  </p:timing>
 </p:sld>
 </file>
 
@@ -5941,17 +6013,18 @@
           <a:lstStyle/>
           <a:p>
             <a:r>
-              <a:rPr lang="es-CO" dirty="0"/>
+              <a:rPr lang="es-CO" dirty="0" smtClean="0"/>
               <a:t>Qué es </a:t>
             </a:r>
             <a:r>
-              <a:rPr lang="es-CO" dirty="0" err="1"/>
+              <a:rPr lang="es-CO" dirty="0" err="1" smtClean="0"/>
               <a:t>Serverless</a:t>
             </a:r>
             <a:r>
-              <a:rPr lang="es-CO" dirty="0"/>
+              <a:rPr lang="es-CO" dirty="0" smtClean="0"/>
               <a:t> Computing?</a:t>
             </a:r>
+            <a:endParaRPr lang="es-CO" dirty="0"/>
           </a:p>
         </p:txBody>
       </p:sp>
@@ -5977,7 +6050,15 @@
             </a:r>
             <a:r>
               <a:rPr lang="es-CO" dirty="0"/>
-              <a:t> es un modelo de ejecución de computación en la nube en el que el proveedor administra dinámicamente la asignación y el aprovisionamiento de servidores.</a:t>
+              <a:t> es un modelo de ejecución de computación en la nube en el que el proveedor </a:t>
+            </a:r>
+            <a:r>
+              <a:rPr lang="es-CO" dirty="0" smtClean="0"/>
+              <a:t>administra </a:t>
+            </a:r>
+            <a:r>
+              <a:rPr lang="es-CO" dirty="0"/>
+              <a:t>dinámicamente la asignación y el aprovisionamiento de servidores.</a:t>
             </a:r>
           </a:p>
         </p:txBody>
@@ -6033,6 +6114,13 @@
   <p:clrMapOvr>
     <a:masterClrMapping/>
   </p:clrMapOvr>
+  <p:timing>
+    <p:tnLst>
+      <p:par>
+        <p:cTn id="1" dur="indefinite" restart="never" nodeType="tmRoot"/>
+      </p:par>
+    </p:tnLst>
+  </p:timing>
 </p:sld>
 </file>
 
@@ -6069,17 +6157,18 @@
           <a:lstStyle/>
           <a:p>
             <a:r>
-              <a:rPr lang="es-CO" dirty="0"/>
+              <a:rPr lang="es-CO" dirty="0" smtClean="0"/>
               <a:t>Por que usar </a:t>
             </a:r>
             <a:r>
-              <a:rPr lang="es-CO" dirty="0" err="1"/>
+              <a:rPr lang="es-CO" dirty="0" err="1" smtClean="0"/>
               <a:t>Serverless</a:t>
             </a:r>
             <a:r>
-              <a:rPr lang="es-CO" dirty="0"/>
+              <a:rPr lang="es-CO" dirty="0" smtClean="0"/>
               <a:t>?</a:t>
             </a:r>
+            <a:endParaRPr lang="es-CO" dirty="0"/>
           </a:p>
         </p:txBody>
       </p:sp>
@@ -6100,13 +6189,21 @@
           <a:p>
             <a:r>
               <a:rPr lang="es-CO" dirty="0"/>
-              <a:t>La computación sin servidor puede simplificar el proceso de implementación de código en producción.</a:t>
-            </a:r>
-          </a:p>
-          <a:p>
+              <a:t>La computación sin servidor puede simplificar el proceso de implementación de código en producción</a:t>
+            </a:r>
+            <a:r>
+              <a:rPr lang="es-CO" dirty="0" smtClean="0"/>
+              <a:t>.</a:t>
+            </a:r>
+          </a:p>
+          <a:p>
+            <a:r>
+              <a:rPr lang="es-CO" dirty="0" smtClean="0"/>
+              <a:t>Solo </a:t>
+            </a:r>
             <a:r>
               <a:rPr lang="es-CO" dirty="0"/>
-              <a:t>Solo se le facturan los recursos utilizados durante la ejecución de esas funciones.</a:t>
+              <a:t>se le facturan los recursos utilizados durante la ejecución de esas funciones.</a:t>
             </a:r>
           </a:p>
         </p:txBody>
@@ -6162,6 +6259,13 @@
   <p:clrMapOvr>
     <a:masterClrMapping/>
   </p:clrMapOvr>
+  <p:timing>
+    <p:tnLst>
+      <p:par>
+        <p:cTn id="1" dur="indefinite" restart="never" nodeType="tmRoot"/>
+      </p:par>
+    </p:tnLst>
+  </p:timing>
 </p:sld>
 </file>
 
@@ -6198,11 +6302,11 @@
           <a:lstStyle/>
           <a:p>
             <a:r>
-              <a:rPr lang="es-CO" dirty="0"/>
+              <a:rPr lang="es-CO" dirty="0" smtClean="0"/>
               <a:t>Ventajas de </a:t>
             </a:r>
             <a:r>
-              <a:rPr lang="es-CO" dirty="0" err="1"/>
+              <a:rPr lang="es-CO" dirty="0" err="1" smtClean="0"/>
               <a:t>Serverless</a:t>
             </a:r>
             <a:endParaRPr lang="es-CO" dirty="0"/>
@@ -6225,37 +6329,37 @@
           <a:lstStyle/>
           <a:p>
             <a:r>
-              <a:rPr lang="es-CO" dirty="0"/>
+              <a:rPr lang="es-CO" dirty="0" smtClean="0"/>
               <a:t>Bajos Costos</a:t>
             </a:r>
           </a:p>
           <a:p>
             <a:r>
-              <a:rPr lang="es-CO" dirty="0"/>
+              <a:rPr lang="es-CO" dirty="0" smtClean="0"/>
               <a:t>Sin Administración</a:t>
             </a:r>
           </a:p>
           <a:p>
             <a:r>
-              <a:rPr lang="es-CO" dirty="0"/>
+              <a:rPr lang="es-CO" dirty="0" smtClean="0"/>
               <a:t>Escalabilidad Simplificada</a:t>
             </a:r>
           </a:p>
           <a:p>
             <a:r>
-              <a:rPr lang="es-CO" dirty="0"/>
+              <a:rPr lang="es-CO" dirty="0" smtClean="0"/>
               <a:t>Actualizaciones rápidas</a:t>
             </a:r>
           </a:p>
           <a:p>
             <a:r>
-              <a:rPr lang="es-CO" dirty="0"/>
+              <a:rPr lang="es-CO" dirty="0" smtClean="0"/>
               <a:t>Código Simplificado</a:t>
             </a:r>
           </a:p>
           <a:p>
             <a:r>
-              <a:rPr lang="es-CO" dirty="0"/>
+              <a:rPr lang="es-CO" dirty="0" smtClean="0"/>
               <a:t>Entrega más rápida</a:t>
             </a:r>
           </a:p>
@@ -6304,6 +6408,13 @@
   <p:clrMapOvr>
     <a:masterClrMapping/>
   </p:clrMapOvr>
+  <p:timing>
+    <p:tnLst>
+      <p:par>
+        <p:cTn id="1" dur="indefinite" restart="never" nodeType="tmRoot"/>
+      </p:par>
+    </p:tnLst>
+  </p:timing>
 </p:sld>
 </file>
 
@@ -6340,11 +6451,11 @@
           <a:lstStyle/>
           <a:p>
             <a:r>
-              <a:rPr lang="es-CO" dirty="0"/>
+              <a:rPr lang="es-CO" dirty="0" smtClean="0"/>
               <a:t>Desventajas de usar </a:t>
             </a:r>
             <a:r>
-              <a:rPr lang="es-CO" dirty="0" err="1"/>
+              <a:rPr lang="es-CO" dirty="0" err="1" smtClean="0"/>
               <a:t>Serverless</a:t>
             </a:r>
             <a:endParaRPr lang="es-CO" dirty="0"/>
@@ -6369,13 +6480,13 @@
           <a:lstStyle/>
           <a:p>
             <a:r>
-              <a:rPr lang="es-CO" sz="2800" dirty="0"/>
+              <a:rPr lang="es-CO" sz="2800" dirty="0" smtClean="0"/>
               <a:t>Rendimiento</a:t>
             </a:r>
           </a:p>
           <a:p>
             <a:r>
-              <a:rPr lang="es-CO" sz="2800" dirty="0"/>
+              <a:rPr lang="es-CO" sz="2800" dirty="0" smtClean="0"/>
               <a:t>Limites de recursos</a:t>
             </a:r>
           </a:p>
@@ -6387,19 +6498,19 @@
           </a:p>
           <a:p>
             <a:r>
-              <a:rPr lang="es-CO" sz="2800" dirty="0"/>
+              <a:rPr lang="es-CO" sz="2800" dirty="0" smtClean="0"/>
               <a:t>Seguridad</a:t>
             </a:r>
           </a:p>
           <a:p>
             <a:r>
-              <a:rPr lang="es-CO" sz="2800" dirty="0"/>
+              <a:rPr lang="es-CO" sz="2800" dirty="0" smtClean="0"/>
               <a:t>Privacidad</a:t>
             </a:r>
           </a:p>
           <a:p>
             <a:r>
-              <a:rPr lang="es-CO" sz="2800" dirty="0"/>
+              <a:rPr lang="es-CO" sz="2800" dirty="0" smtClean="0"/>
               <a:t>Estándares</a:t>
             </a:r>
           </a:p>
@@ -6411,9 +6522,18 @@
           </a:p>
           <a:p>
             <a:r>
+              <a:rPr lang="es-CO" sz="2800" dirty="0" smtClean="0"/>
+              <a:t>Dependencia </a:t>
+            </a:r>
+            <a:r>
               <a:rPr lang="es-CO" sz="2800" dirty="0"/>
-              <a:t>Dependencia de un proveedor</a:t>
-            </a:r>
+              <a:t>de un </a:t>
+            </a:r>
+            <a:r>
+              <a:rPr lang="es-CO" sz="2800" dirty="0" smtClean="0"/>
+              <a:t>proveedor</a:t>
+            </a:r>
+            <a:endParaRPr lang="es-CO" sz="2800" dirty="0"/>
           </a:p>
         </p:txBody>
       </p:sp>
@@ -6457,6 +6577,13 @@
   <p:clrMapOvr>
     <a:masterClrMapping/>
   </p:clrMapOvr>
+  <p:timing>
+    <p:tnLst>
+      <p:par>
+        <p:cTn id="1" dur="indefinite" restart="never" nodeType="tmRoot"/>
+      </p:par>
+    </p:tnLst>
+  </p:timing>
 </p:sld>
 </file>
 
@@ -6493,15 +6620,15 @@
           <a:lstStyle/>
           <a:p>
             <a:r>
-              <a:rPr lang="es-CO" dirty="0" err="1"/>
+              <a:rPr lang="es-CO" dirty="0" err="1" smtClean="0"/>
               <a:t>Serverless</a:t>
             </a:r>
             <a:r>
-              <a:rPr lang="es-CO" dirty="0"/>
+              <a:rPr lang="es-CO" dirty="0" smtClean="0"/>
               <a:t> vs </a:t>
             </a:r>
             <a:r>
-              <a:rPr lang="es-CO" dirty="0" err="1"/>
+              <a:rPr lang="es-CO" dirty="0" err="1" smtClean="0"/>
               <a:t>Containers</a:t>
             </a:r>
             <a:endParaRPr lang="es-CO" dirty="0"/>
@@ -6527,20 +6654,36 @@
           <a:p>
             <a:pPr algn="just"/>
             <a:r>
-              <a:rPr lang="es-CO" sz="2800" dirty="0" err="1"/>
+              <a:rPr lang="es-CO" sz="2800" dirty="0" err="1" smtClean="0"/>
               <a:t>Serverless</a:t>
             </a:r>
             <a:r>
+              <a:rPr lang="es-CO" sz="2800" dirty="0" smtClean="0"/>
+              <a:t> y </a:t>
+            </a:r>
+            <a:r>
+              <a:rPr lang="es-CO" sz="2800" dirty="0" err="1" smtClean="0"/>
+              <a:t>Containers</a:t>
+            </a:r>
+            <a:r>
+              <a:rPr lang="es-CO" sz="2800" dirty="0" smtClean="0"/>
+              <a:t> permiten crear </a:t>
+            </a:r>
+            <a:r>
               <a:rPr lang="es-CO" sz="2800" dirty="0"/>
-              <a:t> y </a:t>
-            </a:r>
-            <a:r>
-              <a:rPr lang="es-CO" sz="2800" dirty="0" err="1"/>
-              <a:t>Containers</a:t>
+              <a:t>aplicaciones con muchos menos gastos </a:t>
+            </a:r>
+            <a:r>
+              <a:rPr lang="es-CO" sz="2800" dirty="0" smtClean="0"/>
+              <a:t>y </a:t>
             </a:r>
             <a:r>
               <a:rPr lang="es-CO" sz="2800" dirty="0"/>
-              <a:t> permiten crear aplicaciones con muchos menos gastos y más flexibilidad.</a:t>
+              <a:t>más </a:t>
+            </a:r>
+            <a:r>
+              <a:rPr lang="es-CO" sz="2800" dirty="0" smtClean="0"/>
+              <a:t>flexibilidad.</a:t>
             </a:r>
           </a:p>
           <a:p>
@@ -6549,21 +6692,35 @@
               <a:rPr lang="es-CO" sz="2800" dirty="0"/>
               <a:t>Los contenedores brindan un entorno de ejecución más liviano, </a:t>
             </a:r>
+            <a:endParaRPr lang="es-CO" sz="2800" dirty="0" smtClean="0"/>
           </a:p>
           <a:p>
             <a:pPr algn="just"/>
             <a:r>
+              <a:rPr lang="es-CO" sz="2800" dirty="0" smtClean="0"/>
+              <a:t>Con </a:t>
+            </a:r>
+            <a:r>
+              <a:rPr lang="es-CO" sz="2800" dirty="0" err="1" smtClean="0"/>
+              <a:t>Serverless</a:t>
+            </a:r>
+            <a:r>
               <a:rPr lang="es-CO" sz="2800" dirty="0"/>
-              <a:t>Con </a:t>
-            </a:r>
-            <a:r>
-              <a:rPr lang="es-CO" sz="2800" dirty="0" err="1"/>
-              <a:t>Serverless</a:t>
+              <a:t>, el proveedor de la nube </a:t>
+            </a:r>
+            <a:r>
+              <a:rPr lang="es-CO" sz="2800" dirty="0" smtClean="0"/>
+              <a:t>debe asegurarse que </a:t>
             </a:r>
             <a:r>
               <a:rPr lang="es-CO" sz="2800" dirty="0"/>
-              <a:t>, el proveedor de la nube debe asegurarse que el código de la aplicación se cargue y ejecute</a:t>
-            </a:r>
+              <a:t>el código de la aplicación se cargue y </a:t>
+            </a:r>
+            <a:r>
+              <a:rPr lang="es-CO" sz="2800" dirty="0" smtClean="0"/>
+              <a:t>ejecute</a:t>
+            </a:r>
+            <a:endParaRPr lang="es-CO" sz="2800" dirty="0"/>
           </a:p>
         </p:txBody>
       </p:sp>
@@ -6637,6 +6794,13 @@
   <p:clrMapOvr>
     <a:masterClrMapping/>
   </p:clrMapOvr>
+  <p:timing>
+    <p:tnLst>
+      <p:par>
+        <p:cTn id="1" dur="indefinite" restart="never" nodeType="tmRoot"/>
+      </p:par>
+    </p:tnLst>
+  </p:timing>
 </p:sld>
 </file>
 
@@ -6673,13 +6837,14 @@
           <a:lstStyle/>
           <a:p>
             <a:r>
-              <a:rPr lang="es-CO" dirty="0" err="1"/>
+              <a:rPr lang="es-CO" dirty="0" err="1" smtClean="0"/>
               <a:t>Serverless</a:t>
             </a:r>
             <a:r>
-              <a:rPr lang="es-CO" dirty="0"/>
+              <a:rPr lang="es-CO" dirty="0" smtClean="0"/>
               <a:t> Roles</a:t>
             </a:r>
+            <a:endParaRPr lang="es-CO" dirty="0"/>
           </a:p>
         </p:txBody>
       </p:sp>
@@ -6702,80 +6867,82 @@
           <a:p>
             <a:pPr algn="just"/>
             <a:r>
-              <a:rPr lang="es-CO" dirty="0" err="1"/>
+              <a:rPr lang="es-CO" dirty="0" err="1" smtClean="0"/>
               <a:t>Backend</a:t>
             </a:r>
             <a:r>
-              <a:rPr lang="es-CO" dirty="0"/>
+              <a:rPr lang="es-CO" dirty="0" smtClean="0"/>
               <a:t> as a </a:t>
             </a:r>
             <a:r>
-              <a:rPr lang="es-CO" dirty="0" err="1"/>
+              <a:rPr lang="es-CO" dirty="0" err="1" smtClean="0"/>
               <a:t>Service</a:t>
             </a:r>
             <a:r>
-              <a:rPr lang="es-CO" dirty="0"/>
+              <a:rPr lang="es-CO" dirty="0" smtClean="0"/>
               <a:t> (</a:t>
             </a:r>
+            <a:r>
+              <a:rPr lang="es-CO" dirty="0" err="1" smtClean="0"/>
+              <a:t>BaaS</a:t>
+            </a:r>
+            <a:r>
+              <a:rPr lang="es-CO" dirty="0" smtClean="0"/>
+              <a:t>)</a:t>
+            </a:r>
+          </a:p>
+          <a:p>
+            <a:pPr lvl="1" algn="just"/>
             <a:r>
               <a:rPr lang="es-CO" dirty="0" err="1"/>
               <a:t>BaaS</a:t>
             </a:r>
             <a:r>
               <a:rPr lang="es-CO" dirty="0"/>
-              <a:t>)</a:t>
-            </a:r>
+              <a:t> brinda a los desarrolladores acceso a una variedad de servicios y aplicaciones de terceros. </a:t>
+            </a:r>
+            <a:endParaRPr lang="es-CO" dirty="0" smtClean="0"/>
           </a:p>
           <a:p>
             <a:pPr lvl="1" algn="just"/>
+            <a:r>
+              <a:rPr lang="es-CO" dirty="0" smtClean="0"/>
+              <a:t>Con </a:t>
+            </a:r>
             <a:r>
               <a:rPr lang="es-CO" dirty="0" err="1"/>
               <a:t>BaaS</a:t>
             </a:r>
             <a:r>
               <a:rPr lang="es-CO" dirty="0"/>
-              <a:t> brinda a los desarrolladores acceso a una variedad de servicios y aplicaciones de terceros. </a:t>
-            </a:r>
-          </a:p>
-          <a:p>
-            <a:pPr lvl="1" algn="just"/>
-            <a:r>
-              <a:rPr lang="es-CO" dirty="0"/>
-              <a:t>Con </a:t>
-            </a:r>
-            <a:r>
-              <a:rPr lang="es-CO" dirty="0" err="1"/>
-              <a:t>BaaS</a:t>
-            </a:r>
-            <a:r>
-              <a:rPr lang="es-CO" dirty="0"/>
               <a:t>, las funciones sin servidor generalmente se llaman a través de interfaces de programación de aplicaciones (API).</a:t>
             </a:r>
+            <a:endParaRPr lang="es-CO" dirty="0" smtClean="0"/>
           </a:p>
           <a:p>
             <a:pPr algn="just"/>
             <a:r>
-              <a:rPr lang="es-CO" dirty="0" err="1"/>
+              <a:rPr lang="es-CO" dirty="0" err="1" smtClean="0"/>
               <a:t>Function</a:t>
             </a:r>
             <a:r>
-              <a:rPr lang="es-CO" dirty="0"/>
+              <a:rPr lang="es-CO" dirty="0" smtClean="0"/>
               <a:t> as a </a:t>
             </a:r>
             <a:r>
-              <a:rPr lang="es-CO" dirty="0" err="1"/>
+              <a:rPr lang="es-CO" dirty="0" err="1" smtClean="0"/>
               <a:t>Service</a:t>
             </a:r>
             <a:r>
-              <a:rPr lang="es-CO" dirty="0"/>
+              <a:rPr lang="es-CO" dirty="0" smtClean="0"/>
               <a:t> (</a:t>
             </a:r>
             <a:r>
-              <a:rPr lang="es-CO" dirty="0" err="1"/>
+              <a:rPr lang="es-CO" dirty="0" err="1" smtClean="0"/>
               <a:t>FaaS</a:t>
             </a:r>
             <a:r>
-              <a:rPr lang="es-CO" dirty="0"/>
+              <a:rPr lang="es-CO" dirty="0" smtClean="0"/>
               <a:t>)</a:t>
             </a:r>
           </a:p>
@@ -6802,6 +6969,13 @@
   <p:clrMapOvr>
     <a:masterClrMapping/>
   </p:clrMapOvr>
+  <p:timing>
+    <p:tnLst>
+      <p:par>
+        <p:cTn id="1" dur="indefinite" restart="never" nodeType="tmRoot"/>
+      </p:par>
+    </p:tnLst>
+  </p:timing>
 </p:sld>
 </file>
 
@@ -6838,15 +7012,15 @@
           <a:lstStyle/>
           <a:p>
             <a:r>
-              <a:rPr lang="es-CO" dirty="0" err="1"/>
+              <a:rPr lang="es-CO" dirty="0" err="1" smtClean="0"/>
               <a:t>FaaS</a:t>
             </a:r>
             <a:r>
-              <a:rPr lang="es-CO" dirty="0"/>
+              <a:rPr lang="es-CO" dirty="0" smtClean="0"/>
               <a:t> vs </a:t>
             </a:r>
             <a:r>
-              <a:rPr lang="es-CO" dirty="0" err="1"/>
+              <a:rPr lang="es-CO" dirty="0" err="1" smtClean="0"/>
               <a:t>Traditional</a:t>
             </a:r>
             <a:endParaRPr lang="es-CO" dirty="0"/>
@@ -6879,26 +7053,31 @@
               <a:buNone/>
             </a:pPr>
             <a:r>
-              <a:rPr lang="es-CO" sz="2400" b="1" dirty="0" err="1"/>
+              <a:rPr lang="es-CO" sz="2400" b="1" dirty="0" err="1" smtClean="0"/>
               <a:t>FaaS</a:t>
             </a:r>
-            <a:endParaRPr lang="es-CO" sz="2400" b="1" dirty="0"/>
-          </a:p>
-          <a:p>
+            <a:endParaRPr lang="es-CO" sz="2400" b="1" dirty="0" smtClean="0"/>
+          </a:p>
+          <a:p>
+            <a:r>
+              <a:rPr lang="es-CO" sz="2400" dirty="0" smtClean="0"/>
+              <a:t>Ejecución </a:t>
+            </a:r>
             <a:r>
               <a:rPr lang="es-CO" sz="2400" dirty="0"/>
-              <a:t>Ejecución dirigida por eventos.</a:t>
-            </a:r>
-          </a:p>
-          <a:p>
-            <a:r>
-              <a:rPr lang="es-CO" sz="2400" dirty="0"/>
+              <a:t>dirigida por eventos.</a:t>
+            </a:r>
+          </a:p>
+          <a:p>
+            <a:r>
+              <a:rPr lang="es-CO" sz="2400" dirty="0" smtClean="0"/>
               <a:t>Delegan tareas específicas</a:t>
             </a:r>
-          </a:p>
-          <a:p>
-            <a:r>
-              <a:rPr lang="es-CO" sz="2400" dirty="0"/>
+            <a:endParaRPr lang="es-CO" sz="2400" dirty="0"/>
+          </a:p>
+          <a:p>
+            <a:r>
+              <a:rPr lang="es-CO" sz="2400" dirty="0" smtClean="0"/>
               <a:t>Solo uso de la lógica del Negocio</a:t>
             </a:r>
           </a:p>
@@ -7083,7 +7262,7 @@
               <a:buNone/>
             </a:pPr>
             <a:r>
-              <a:rPr lang="es-CO" sz="2400" b="1" dirty="0"/>
+              <a:rPr lang="es-CO" sz="2400" b="1" dirty="0" smtClean="0"/>
               <a:t>Tradicional</a:t>
             </a:r>
           </a:p>
@@ -7092,16 +7271,17 @@
               <a:rPr lang="es-CO" sz="2400" dirty="0"/>
               <a:t>Debe mantener la infraestructura del servidor </a:t>
             </a:r>
-          </a:p>
-          <a:p>
-            <a:r>
-              <a:rPr lang="es-CO" sz="2400" dirty="0"/>
+            <a:endParaRPr lang="es-CO" sz="2400" dirty="0" smtClean="0"/>
+          </a:p>
+          <a:p>
+            <a:r>
+              <a:rPr lang="es-CO" sz="2400" dirty="0" smtClean="0"/>
               <a:t>Escalamiento no dinámico</a:t>
             </a:r>
           </a:p>
           <a:p>
             <a:r>
-              <a:rPr lang="es-CO" sz="2400" dirty="0"/>
+              <a:rPr lang="es-CO" sz="2400" dirty="0" smtClean="0"/>
               <a:t>Adición de código de Integración (API)</a:t>
             </a:r>
           </a:p>
@@ -7147,6 +7327,13 @@
   <p:clrMapOvr>
     <a:masterClrMapping/>
   </p:clrMapOvr>
+  <p:timing>
+    <p:tnLst>
+      <p:par>
+        <p:cTn id="1" dur="indefinite" restart="never" nodeType="tmRoot"/>
+      </p:par>
+    </p:tnLst>
+  </p:timing>
 </p:sld>
 </file>
 
@@ -7183,11 +7370,11 @@
           <a:lstStyle/>
           <a:p>
             <a:r>
-              <a:rPr lang="es-CO" dirty="0"/>
+              <a:rPr lang="es-CO" dirty="0" smtClean="0"/>
               <a:t>Proveedores de </a:t>
             </a:r>
             <a:r>
-              <a:rPr lang="es-CO" dirty="0" err="1"/>
+              <a:rPr lang="es-CO" dirty="0" err="1" smtClean="0"/>
               <a:t>Serverless</a:t>
             </a:r>
             <a:endParaRPr lang="es-CO" dirty="0"/>
@@ -7340,12 +7527,16 @@
           <a:lstStyle/>
           <a:p>
             <a:r>
-              <a:rPr lang="es-CO" dirty="0"/>
+              <a:rPr lang="es-CO" dirty="0" smtClean="0"/>
               <a:t>AWS </a:t>
             </a:r>
             <a:r>
               <a:rPr lang="es-CO" dirty="0" err="1"/>
-              <a:t>Lamda</a:t>
+              <a:t>L</a:t>
+            </a:r>
+            <a:r>
+              <a:rPr lang="es-CO" dirty="0" err="1" smtClean="0"/>
+              <a:t>amda</a:t>
             </a:r>
             <a:endParaRPr lang="es-CO" dirty="0"/>
           </a:p>
@@ -7374,15 +7565,15 @@
           <a:lstStyle/>
           <a:p>
             <a:r>
-              <a:rPr lang="es-CO" dirty="0" err="1"/>
+              <a:rPr lang="es-CO" dirty="0" err="1" smtClean="0"/>
               <a:t>Azure</a:t>
             </a:r>
             <a:r>
-              <a:rPr lang="es-CO" dirty="0"/>
+              <a:rPr lang="es-CO" dirty="0" smtClean="0"/>
               <a:t> </a:t>
             </a:r>
             <a:r>
-              <a:rPr lang="es-CO" dirty="0" err="1"/>
+              <a:rPr lang="es-CO" dirty="0" err="1" smtClean="0"/>
               <a:t>Functions</a:t>
             </a:r>
             <a:endParaRPr lang="es-CO" dirty="0"/>
@@ -7412,11 +7603,11 @@
           <a:lstStyle/>
           <a:p>
             <a:r>
-              <a:rPr lang="es-CO" dirty="0"/>
+              <a:rPr lang="es-CO" dirty="0" smtClean="0"/>
               <a:t>Google Cloud </a:t>
             </a:r>
             <a:r>
-              <a:rPr lang="es-CO" dirty="0" err="1"/>
+              <a:rPr lang="es-CO" dirty="0" err="1" smtClean="0"/>
               <a:t>Functions</a:t>
             </a:r>
             <a:endParaRPr lang="es-CO" dirty="0"/>
@@ -7433,6 +7624,13 @@
   <p:clrMapOvr>
     <a:masterClrMapping/>
   </p:clrMapOvr>
+  <p:timing>
+    <p:tnLst>
+      <p:par>
+        <p:cTn id="1" dur="indefinite" restart="never" nodeType="tmRoot"/>
+      </p:par>
+    </p:tnLst>
+  </p:timing>
 </p:sld>
 </file>
 
